--- a/Google Capstone Project_ Bicyclistic.pptx
+++ b/Google Capstone Project_ Bicyclistic.pptx
@@ -1,52 +1,52 @@
 
 <file path=ppt/presentation.xml><?xml version="1.0" encoding="utf-8"?>
-<p:presentation xmlns:a="http://schemas.openxmlformats.org/drawingml/2006/main" xmlns:r="http://schemas.openxmlformats.org/officeDocument/2006/relationships" xmlns:mc="http://schemas.openxmlformats.org/markup-compatibility/2006" xmlns:mv="urn:schemas-microsoft-com:mac:vml" xmlns:p="http://schemas.openxmlformats.org/presentationml/2006/main" xmlns:c="http://schemas.openxmlformats.org/drawingml/2006/chart" xmlns:dgm="http://schemas.openxmlformats.org/drawingml/2006/diagram" xmlns:o="urn:schemas-microsoft-com:office:office" xmlns:v="urn:schemas-microsoft-com:vml" xmlns:pvml="urn:schemas-microsoft-com:office:powerpoint" xmlns:com="http://schemas.openxmlformats.org/drawingml/2006/compatibility" xmlns:p14="http://schemas.microsoft.com/office/powerpoint/2010/main" xmlns:p15="http://schemas.microsoft.com/office/powerpoint/2012/main" xmlns:ahyp="http://schemas.microsoft.com/office/drawing/2018/hyperlinkcolor" autoCompressPictures="0" embedTrueTypeFonts="1" strictFirstAndLastChars="0" saveSubsetFonts="1">
+<p:presentation xmlns:a="http://schemas.openxmlformats.org/drawingml/2006/main" xmlns:r="http://schemas.openxmlformats.org/officeDocument/2006/relationships" xmlns:p="http://schemas.openxmlformats.org/presentationml/2006/main" strictFirstAndLastChars="0" embedTrueTypeFonts="1" saveSubsetFonts="1" autoCompressPictures="0">
   <p:sldMasterIdLst>
-    <p:sldMasterId id="2147483659" r:id="rId5"/>
+    <p:sldMasterId id="2147483659" r:id="rId1"/>
   </p:sldMasterIdLst>
   <p:notesMasterIdLst>
-    <p:notesMasterId r:id="rId6"/>
+    <p:notesMasterId r:id="rId20"/>
   </p:notesMasterIdLst>
   <p:sldIdLst>
-    <p:sldId id="256" r:id="rId7"/>
-    <p:sldId id="257" r:id="rId8"/>
-    <p:sldId id="258" r:id="rId9"/>
-    <p:sldId id="259" r:id="rId10"/>
-    <p:sldId id="260" r:id="rId11"/>
-    <p:sldId id="261" r:id="rId12"/>
-    <p:sldId id="262" r:id="rId13"/>
-    <p:sldId id="263" r:id="rId14"/>
-    <p:sldId id="264" r:id="rId15"/>
-    <p:sldId id="265" r:id="rId16"/>
-    <p:sldId id="266" r:id="rId17"/>
-    <p:sldId id="267" r:id="rId18"/>
-    <p:sldId id="268" r:id="rId19"/>
-    <p:sldId id="269" r:id="rId20"/>
-    <p:sldId id="270" r:id="rId21"/>
-    <p:sldId id="271" r:id="rId22"/>
-    <p:sldId id="272" r:id="rId23"/>
-    <p:sldId id="273" r:id="rId24"/>
+    <p:sldId id="256" r:id="rId2"/>
+    <p:sldId id="257" r:id="rId3"/>
+    <p:sldId id="258" r:id="rId4"/>
+    <p:sldId id="259" r:id="rId5"/>
+    <p:sldId id="260" r:id="rId6"/>
+    <p:sldId id="261" r:id="rId7"/>
+    <p:sldId id="262" r:id="rId8"/>
+    <p:sldId id="263" r:id="rId9"/>
+    <p:sldId id="264" r:id="rId10"/>
+    <p:sldId id="265" r:id="rId11"/>
+    <p:sldId id="266" r:id="rId12"/>
+    <p:sldId id="267" r:id="rId13"/>
+    <p:sldId id="268" r:id="rId14"/>
+    <p:sldId id="269" r:id="rId15"/>
+    <p:sldId id="270" r:id="rId16"/>
+    <p:sldId id="271" r:id="rId17"/>
+    <p:sldId id="272" r:id="rId18"/>
+    <p:sldId id="273" r:id="rId19"/>
   </p:sldIdLst>
-  <p:sldSz cy="5143500" cx="9144000"/>
+  <p:sldSz cx="9144000" cy="5143500" type="screen16x9"/>
   <p:notesSz cx="6858000" cy="9144000"/>
   <p:embeddedFontLst>
     <p:embeddedFont>
-      <p:font typeface="Roboto"/>
+      <p:font typeface="Merriweather" panose="020B0604020202020204" charset="0"/>
+      <p:regular r:id="rId21"/>
+      <p:bold r:id="rId22"/>
+      <p:italic r:id="rId23"/>
+      <p:boldItalic r:id="rId24"/>
+    </p:embeddedFont>
+    <p:embeddedFont>
+      <p:font typeface="Roboto" panose="020B0604020202020204" charset="0"/>
       <p:regular r:id="rId25"/>
       <p:bold r:id="rId26"/>
       <p:italic r:id="rId27"/>
       <p:boldItalic r:id="rId28"/>
     </p:embeddedFont>
-    <p:embeddedFont>
-      <p:font typeface="Merriweather"/>
-      <p:regular r:id="rId29"/>
-      <p:bold r:id="rId30"/>
-      <p:italic r:id="rId31"/>
-      <p:boldItalic r:id="rId32"/>
-    </p:embeddedFont>
   </p:embeddedFontLst>
   <p:defaultTextStyle>
-    <a:defPPr lvl="0" marR="0" rtl="0" algn="l">
+    <a:defPPr marR="0" lvl="0" algn="l" rtl="0">
       <a:lnSpc>
         <a:spcPct val="100000"/>
       </a:lnSpc>
@@ -57,7 +57,7 @@
         <a:spcPts val="0"/>
       </a:spcAft>
     </a:defPPr>
-    <a:lvl1pPr lvl="0" marR="0" rtl="0" algn="l">
+    <a:lvl1pPr marR="0" lvl="0" algn="l" rtl="0">
       <a:lnSpc>
         <a:spcPct val="100000"/>
       </a:lnSpc>
@@ -71,7 +71,7 @@
         <a:srgbClr val="000000"/>
       </a:buClr>
       <a:buFont typeface="Arial"/>
-      <a:defRPr b="0" i="0" sz="1400" u="none" cap="none" strike="noStrike">
+      <a:defRPr sz="1400" b="0" i="0" u="none" strike="noStrike" cap="none">
         <a:solidFill>
           <a:srgbClr val="000000"/>
         </a:solidFill>
@@ -81,7 +81,7 @@
         <a:sym typeface="Arial"/>
       </a:defRPr>
     </a:lvl1pPr>
-    <a:lvl2pPr lvl="1" marR="0" rtl="0" algn="l">
+    <a:lvl2pPr marR="0" lvl="1" algn="l" rtl="0">
       <a:lnSpc>
         <a:spcPct val="100000"/>
       </a:lnSpc>
@@ -95,7 +95,7 @@
         <a:srgbClr val="000000"/>
       </a:buClr>
       <a:buFont typeface="Arial"/>
-      <a:defRPr b="0" i="0" sz="1400" u="none" cap="none" strike="noStrike">
+      <a:defRPr sz="1400" b="0" i="0" u="none" strike="noStrike" cap="none">
         <a:solidFill>
           <a:srgbClr val="000000"/>
         </a:solidFill>
@@ -105,7 +105,7 @@
         <a:sym typeface="Arial"/>
       </a:defRPr>
     </a:lvl2pPr>
-    <a:lvl3pPr lvl="2" marR="0" rtl="0" algn="l">
+    <a:lvl3pPr marR="0" lvl="2" algn="l" rtl="0">
       <a:lnSpc>
         <a:spcPct val="100000"/>
       </a:lnSpc>
@@ -119,7 +119,7 @@
         <a:srgbClr val="000000"/>
       </a:buClr>
       <a:buFont typeface="Arial"/>
-      <a:defRPr b="0" i="0" sz="1400" u="none" cap="none" strike="noStrike">
+      <a:defRPr sz="1400" b="0" i="0" u="none" strike="noStrike" cap="none">
         <a:solidFill>
           <a:srgbClr val="000000"/>
         </a:solidFill>
@@ -129,7 +129,7 @@
         <a:sym typeface="Arial"/>
       </a:defRPr>
     </a:lvl3pPr>
-    <a:lvl4pPr lvl="3" marR="0" rtl="0" algn="l">
+    <a:lvl4pPr marR="0" lvl="3" algn="l" rtl="0">
       <a:lnSpc>
         <a:spcPct val="100000"/>
       </a:lnSpc>
@@ -143,7 +143,7 @@
         <a:srgbClr val="000000"/>
       </a:buClr>
       <a:buFont typeface="Arial"/>
-      <a:defRPr b="0" i="0" sz="1400" u="none" cap="none" strike="noStrike">
+      <a:defRPr sz="1400" b="0" i="0" u="none" strike="noStrike" cap="none">
         <a:solidFill>
           <a:srgbClr val="000000"/>
         </a:solidFill>
@@ -153,7 +153,7 @@
         <a:sym typeface="Arial"/>
       </a:defRPr>
     </a:lvl4pPr>
-    <a:lvl5pPr lvl="4" marR="0" rtl="0" algn="l">
+    <a:lvl5pPr marR="0" lvl="4" algn="l" rtl="0">
       <a:lnSpc>
         <a:spcPct val="100000"/>
       </a:lnSpc>
@@ -167,7 +167,7 @@
         <a:srgbClr val="000000"/>
       </a:buClr>
       <a:buFont typeface="Arial"/>
-      <a:defRPr b="0" i="0" sz="1400" u="none" cap="none" strike="noStrike">
+      <a:defRPr sz="1400" b="0" i="0" u="none" strike="noStrike" cap="none">
         <a:solidFill>
           <a:srgbClr val="000000"/>
         </a:solidFill>
@@ -177,7 +177,7 @@
         <a:sym typeface="Arial"/>
       </a:defRPr>
     </a:lvl5pPr>
-    <a:lvl6pPr lvl="5" marR="0" rtl="0" algn="l">
+    <a:lvl6pPr marR="0" lvl="5" algn="l" rtl="0">
       <a:lnSpc>
         <a:spcPct val="100000"/>
       </a:lnSpc>
@@ -191,7 +191,7 @@
         <a:srgbClr val="000000"/>
       </a:buClr>
       <a:buFont typeface="Arial"/>
-      <a:defRPr b="0" i="0" sz="1400" u="none" cap="none" strike="noStrike">
+      <a:defRPr sz="1400" b="0" i="0" u="none" strike="noStrike" cap="none">
         <a:solidFill>
           <a:srgbClr val="000000"/>
         </a:solidFill>
@@ -201,7 +201,7 @@
         <a:sym typeface="Arial"/>
       </a:defRPr>
     </a:lvl6pPr>
-    <a:lvl7pPr lvl="6" marR="0" rtl="0" algn="l">
+    <a:lvl7pPr marR="0" lvl="6" algn="l" rtl="0">
       <a:lnSpc>
         <a:spcPct val="100000"/>
       </a:lnSpc>
@@ -215,7 +215,7 @@
         <a:srgbClr val="000000"/>
       </a:buClr>
       <a:buFont typeface="Arial"/>
-      <a:defRPr b="0" i="0" sz="1400" u="none" cap="none" strike="noStrike">
+      <a:defRPr sz="1400" b="0" i="0" u="none" strike="noStrike" cap="none">
         <a:solidFill>
           <a:srgbClr val="000000"/>
         </a:solidFill>
@@ -225,7 +225,7 @@
         <a:sym typeface="Arial"/>
       </a:defRPr>
     </a:lvl7pPr>
-    <a:lvl8pPr lvl="7" marR="0" rtl="0" algn="l">
+    <a:lvl8pPr marR="0" lvl="7" algn="l" rtl="0">
       <a:lnSpc>
         <a:spcPct val="100000"/>
       </a:lnSpc>
@@ -239,7 +239,7 @@
         <a:srgbClr val="000000"/>
       </a:buClr>
       <a:buFont typeface="Arial"/>
-      <a:defRPr b="0" i="0" sz="1400" u="none" cap="none" strike="noStrike">
+      <a:defRPr sz="1400" b="0" i="0" u="none" strike="noStrike" cap="none">
         <a:solidFill>
           <a:srgbClr val="000000"/>
         </a:solidFill>
@@ -249,7 +249,7 @@
         <a:sym typeface="Arial"/>
       </a:defRPr>
     </a:lvl8pPr>
-    <a:lvl9pPr lvl="8" marR="0" rtl="0" algn="l">
+    <a:lvl9pPr marR="0" lvl="8" algn="l" rtl="0">
       <a:lnSpc>
         <a:spcPct val="100000"/>
       </a:lnSpc>
@@ -263,7 +263,7 @@
         <a:srgbClr val="000000"/>
       </a:buClr>
       <a:buFont typeface="Arial"/>
-      <a:defRPr b="0" i="0" sz="1400" u="none" cap="none" strike="noStrike">
+      <a:defRPr sz="1400" b="0" i="0" u="none" strike="noStrike" cap="none">
         <a:solidFill>
           <a:srgbClr val="000000"/>
         </a:solidFill>
@@ -276,7 +276,7 @@
   </p:defaultTextStyle>
   <p:extLst>
     <p:ext uri="{EFAFB233-063F-42B5-8137-9DF3F51BA10A}">
-      <p15:sldGuideLst>
+      <p15:sldGuideLst xmlns:p15="http://schemas.microsoft.com/office/powerpoint/2012/main">
         <p15:guide id="1" orient="horz" pos="1620">
           <p15:clr>
             <a:srgbClr val="A4A3A4"/>
@@ -294,11 +294,16 @@
 </file>
 
 <file path=ppt/notesMasters/notesMaster1.xml><?xml version="1.0" encoding="utf-8"?>
-<p:notesMaster xmlns:a="http://schemas.openxmlformats.org/drawingml/2006/main" xmlns:r="http://schemas.openxmlformats.org/officeDocument/2006/relationships" xmlns:mc="http://schemas.openxmlformats.org/markup-compatibility/2006" xmlns:mv="urn:schemas-microsoft-com:mac:vml" xmlns:p="http://schemas.openxmlformats.org/presentationml/2006/main" xmlns:c="http://schemas.openxmlformats.org/drawingml/2006/chart" xmlns:dgm="http://schemas.openxmlformats.org/drawingml/2006/diagram" xmlns:o="urn:schemas-microsoft-com:office:office" xmlns:v="urn:schemas-microsoft-com:vml" xmlns:pvml="urn:schemas-microsoft-com:office:powerpoint" xmlns:com="http://schemas.openxmlformats.org/drawingml/2006/compatibility" xmlns:p14="http://schemas.microsoft.com/office/powerpoint/2010/main" xmlns:p15="http://schemas.microsoft.com/office/powerpoint/2012/main" xmlns:ahyp="http://schemas.microsoft.com/office/drawing/2018/hyperlinkcolor">
+<p:notesMaster xmlns:a="http://schemas.openxmlformats.org/drawingml/2006/main" xmlns:r="http://schemas.openxmlformats.org/officeDocument/2006/relationships" xmlns:p="http://schemas.openxmlformats.org/presentationml/2006/main">
   <p:cSld>
+    <p:bg>
+      <p:bgRef idx="1001">
+        <a:schemeClr val="bg1"/>
+      </p:bgRef>
+    </p:bg>
     <p:spTree>
       <p:nvGrpSpPr>
-        <p:cNvPr id="2" name="Shape 2"/>
+        <p:cNvPr id="1" name="Shape 2"/>
         <p:cNvGrpSpPr/>
         <p:nvPr/>
       </p:nvGrpSpPr>
@@ -313,9 +318,11 @@
       <p:sp>
         <p:nvSpPr>
           <p:cNvPr id="3" name="Google Shape;3;n"/>
-          <p:cNvSpPr/>
+          <p:cNvSpPr>
+            <a:spLocks noGrp="1" noRot="1" noChangeAspect="1"/>
+          </p:cNvSpPr>
           <p:nvPr>
-            <p:ph idx="2" type="sldImg"/>
+            <p:ph type="sldImg" idx="2"/>
           </p:nvPr>
         </p:nvSpPr>
         <p:spPr>
@@ -324,9 +331,13 @@
             <a:ext cx="6096075" cy="3429000"/>
           </a:xfrm>
           <a:custGeom>
-            <a:rect b="b" l="l" r="r" t="t"/>
+            <a:avLst/>
+            <a:gdLst/>
+            <a:ahLst/>
+            <a:cxnLst/>
+            <a:rect l="l" t="t" r="r" b="b"/>
             <a:pathLst>
-              <a:path extrusionOk="0" h="120000" w="120000">
+              <a:path w="120000" h="120000" extrusionOk="0">
                 <a:moveTo>
                   <a:pt x="0" y="0"/>
                 </a:moveTo>
@@ -344,23 +355,25 @@
             </a:pathLst>
           </a:custGeom>
           <a:noFill/>
-          <a:ln cap="flat" cmpd="sng" w="9525">
+          <a:ln w="9525" cap="flat" cmpd="sng">
             <a:solidFill>
               <a:srgbClr val="000000"/>
             </a:solidFill>
             <a:prstDash val="solid"/>
             <a:round/>
-            <a:headEnd len="sm" w="sm" type="none"/>
-            <a:tailEnd len="sm" w="sm" type="none"/>
+            <a:headEnd type="none" w="sm" len="sm"/>
+            <a:tailEnd type="none" w="sm" len="sm"/>
           </a:ln>
         </p:spPr>
       </p:sp>
       <p:sp>
         <p:nvSpPr>
           <p:cNvPr id="4" name="Google Shape;4;n"/>
-          <p:cNvSpPr txBox="1"/>
+          <p:cNvSpPr txBox="1">
+            <a:spLocks noGrp="1"/>
+          </p:cNvSpPr>
           <p:nvPr>
-            <p:ph idx="1" type="body"/>
+            <p:ph type="body" idx="1"/>
           </p:nvPr>
         </p:nvSpPr>
         <p:spPr>
@@ -377,11 +390,11 @@
           </a:ln>
         </p:spPr>
         <p:txBody>
-          <a:bodyPr anchorCtr="0" anchor="t" bIns="91425" lIns="91425" spcFirstLastPara="1" rIns="91425" wrap="square" tIns="91425">
+          <a:bodyPr spcFirstLastPara="1" wrap="square" lIns="91425" tIns="91425" rIns="91425" bIns="91425" anchor="t" anchorCtr="0">
             <a:noAutofit/>
           </a:bodyPr>
           <a:lstStyle>
-            <a:lvl1pPr indent="-298450" lvl="0" marL="457200">
+            <a:lvl1pPr marL="457200" lvl="0" indent="-298450">
               <a:spcBef>
                 <a:spcPts val="0"/>
               </a:spcBef>
@@ -392,7 +405,7 @@
               <a:buChar char="●"/>
               <a:defRPr sz="1100"/>
             </a:lvl1pPr>
-            <a:lvl2pPr indent="-298450" lvl="1" marL="914400">
+            <a:lvl2pPr marL="914400" lvl="1" indent="-298450">
               <a:spcBef>
                 <a:spcPts val="0"/>
               </a:spcBef>
@@ -403,7 +416,7 @@
               <a:buChar char="○"/>
               <a:defRPr sz="1100"/>
             </a:lvl2pPr>
-            <a:lvl3pPr indent="-298450" lvl="2" marL="1371600">
+            <a:lvl3pPr marL="1371600" lvl="2" indent="-298450">
               <a:spcBef>
                 <a:spcPts val="0"/>
               </a:spcBef>
@@ -414,7 +427,7 @@
               <a:buChar char="■"/>
               <a:defRPr sz="1100"/>
             </a:lvl3pPr>
-            <a:lvl4pPr indent="-298450" lvl="3" marL="1828800">
+            <a:lvl4pPr marL="1828800" lvl="3" indent="-298450">
               <a:spcBef>
                 <a:spcPts val="0"/>
               </a:spcBef>
@@ -425,7 +438,7 @@
               <a:buChar char="●"/>
               <a:defRPr sz="1100"/>
             </a:lvl4pPr>
-            <a:lvl5pPr indent="-298450" lvl="4" marL="2286000">
+            <a:lvl5pPr marL="2286000" lvl="4" indent="-298450">
               <a:spcBef>
                 <a:spcPts val="0"/>
               </a:spcBef>
@@ -436,7 +449,7 @@
               <a:buChar char="○"/>
               <a:defRPr sz="1100"/>
             </a:lvl5pPr>
-            <a:lvl6pPr indent="-298450" lvl="5" marL="2743200">
+            <a:lvl6pPr marL="2743200" lvl="5" indent="-298450">
               <a:spcBef>
                 <a:spcPts val="0"/>
               </a:spcBef>
@@ -447,7 +460,7 @@
               <a:buChar char="■"/>
               <a:defRPr sz="1100"/>
             </a:lvl6pPr>
-            <a:lvl7pPr indent="-298450" lvl="6" marL="3200400">
+            <a:lvl7pPr marL="3200400" lvl="6" indent="-298450">
               <a:spcBef>
                 <a:spcPts val="0"/>
               </a:spcBef>
@@ -458,7 +471,7 @@
               <a:buChar char="●"/>
               <a:defRPr sz="1100"/>
             </a:lvl7pPr>
-            <a:lvl8pPr indent="-298450" lvl="7" marL="3657600">
+            <a:lvl8pPr marL="3657600" lvl="7" indent="-298450">
               <a:spcBef>
                 <a:spcPts val="0"/>
               </a:spcBef>
@@ -469,7 +482,7 @@
               <a:buChar char="○"/>
               <a:defRPr sz="1100"/>
             </a:lvl8pPr>
-            <a:lvl9pPr indent="-298450" lvl="8" marL="4114800">
+            <a:lvl9pPr marL="4114800" lvl="8" indent="-298450">
               <a:spcBef>
                 <a:spcPts val="0"/>
               </a:spcBef>
@@ -481,14 +494,16 @@
               <a:defRPr sz="1100"/>
             </a:lvl9pPr>
           </a:lstStyle>
-          <a:p/>
+          <a:p>
+            <a:endParaRPr/>
+          </a:p>
         </p:txBody>
       </p:sp>
     </p:spTree>
   </p:cSld>
-  <p:clrMap accent1="accent1" accent2="accent2" accent3="accent3" accent4="accent4" accent5="accent5" accent6="accent6" bg1="lt1" bg2="dk2" tx1="dk1" tx2="lt2" folHlink="folHlink" hlink="hlink"/>
+  <p:clrMap bg1="lt1" tx1="dk1" bg2="dk2" tx2="lt2" accent1="accent1" accent2="accent2" accent3="accent3" accent4="accent4" accent5="accent5" accent6="accent6" hlink="hlink" folHlink="folHlink"/>
   <p:notesStyle>
-    <a:defPPr lvl="0" marR="0" rtl="0" algn="l">
+    <a:defPPr marR="0" lvl="0" algn="l" rtl="0">
       <a:lnSpc>
         <a:spcPct val="100000"/>
       </a:lnSpc>
@@ -499,7 +514,7 @@
         <a:spcPts val="0"/>
       </a:spcAft>
     </a:defPPr>
-    <a:lvl1pPr lvl="0" marR="0" rtl="0" algn="l">
+    <a:lvl1pPr marR="0" lvl="0" algn="l" rtl="0">
       <a:lnSpc>
         <a:spcPct val="100000"/>
       </a:lnSpc>
@@ -513,7 +528,7 @@
         <a:srgbClr val="000000"/>
       </a:buClr>
       <a:buFont typeface="Arial"/>
-      <a:defRPr b="0" i="0" sz="1400" u="none" cap="none" strike="noStrike">
+      <a:defRPr sz="1400" b="0" i="0" u="none" strike="noStrike" cap="none">
         <a:solidFill>
           <a:srgbClr val="000000"/>
         </a:solidFill>
@@ -523,7 +538,7 @@
         <a:sym typeface="Arial"/>
       </a:defRPr>
     </a:lvl1pPr>
-    <a:lvl2pPr lvl="1" marR="0" rtl="0" algn="l">
+    <a:lvl2pPr marR="0" lvl="1" algn="l" rtl="0">
       <a:lnSpc>
         <a:spcPct val="100000"/>
       </a:lnSpc>
@@ -537,7 +552,7 @@
         <a:srgbClr val="000000"/>
       </a:buClr>
       <a:buFont typeface="Arial"/>
-      <a:defRPr b="0" i="0" sz="1400" u="none" cap="none" strike="noStrike">
+      <a:defRPr sz="1400" b="0" i="0" u="none" strike="noStrike" cap="none">
         <a:solidFill>
           <a:srgbClr val="000000"/>
         </a:solidFill>
@@ -547,7 +562,7 @@
         <a:sym typeface="Arial"/>
       </a:defRPr>
     </a:lvl2pPr>
-    <a:lvl3pPr lvl="2" marR="0" rtl="0" algn="l">
+    <a:lvl3pPr marR="0" lvl="2" algn="l" rtl="0">
       <a:lnSpc>
         <a:spcPct val="100000"/>
       </a:lnSpc>
@@ -561,7 +576,7 @@
         <a:srgbClr val="000000"/>
       </a:buClr>
       <a:buFont typeface="Arial"/>
-      <a:defRPr b="0" i="0" sz="1400" u="none" cap="none" strike="noStrike">
+      <a:defRPr sz="1400" b="0" i="0" u="none" strike="noStrike" cap="none">
         <a:solidFill>
           <a:srgbClr val="000000"/>
         </a:solidFill>
@@ -571,7 +586,7 @@
         <a:sym typeface="Arial"/>
       </a:defRPr>
     </a:lvl3pPr>
-    <a:lvl4pPr lvl="3" marR="0" rtl="0" algn="l">
+    <a:lvl4pPr marR="0" lvl="3" algn="l" rtl="0">
       <a:lnSpc>
         <a:spcPct val="100000"/>
       </a:lnSpc>
@@ -585,7 +600,7 @@
         <a:srgbClr val="000000"/>
       </a:buClr>
       <a:buFont typeface="Arial"/>
-      <a:defRPr b="0" i="0" sz="1400" u="none" cap="none" strike="noStrike">
+      <a:defRPr sz="1400" b="0" i="0" u="none" strike="noStrike" cap="none">
         <a:solidFill>
           <a:srgbClr val="000000"/>
         </a:solidFill>
@@ -595,7 +610,7 @@
         <a:sym typeface="Arial"/>
       </a:defRPr>
     </a:lvl4pPr>
-    <a:lvl5pPr lvl="4" marR="0" rtl="0" algn="l">
+    <a:lvl5pPr marR="0" lvl="4" algn="l" rtl="0">
       <a:lnSpc>
         <a:spcPct val="100000"/>
       </a:lnSpc>
@@ -609,7 +624,7 @@
         <a:srgbClr val="000000"/>
       </a:buClr>
       <a:buFont typeface="Arial"/>
-      <a:defRPr b="0" i="0" sz="1400" u="none" cap="none" strike="noStrike">
+      <a:defRPr sz="1400" b="0" i="0" u="none" strike="noStrike" cap="none">
         <a:solidFill>
           <a:srgbClr val="000000"/>
         </a:solidFill>
@@ -619,7 +634,7 @@
         <a:sym typeface="Arial"/>
       </a:defRPr>
     </a:lvl5pPr>
-    <a:lvl6pPr lvl="5" marR="0" rtl="0" algn="l">
+    <a:lvl6pPr marR="0" lvl="5" algn="l" rtl="0">
       <a:lnSpc>
         <a:spcPct val="100000"/>
       </a:lnSpc>
@@ -633,7 +648,7 @@
         <a:srgbClr val="000000"/>
       </a:buClr>
       <a:buFont typeface="Arial"/>
-      <a:defRPr b="0" i="0" sz="1400" u="none" cap="none" strike="noStrike">
+      <a:defRPr sz="1400" b="0" i="0" u="none" strike="noStrike" cap="none">
         <a:solidFill>
           <a:srgbClr val="000000"/>
         </a:solidFill>
@@ -643,7 +658,7 @@
         <a:sym typeface="Arial"/>
       </a:defRPr>
     </a:lvl6pPr>
-    <a:lvl7pPr lvl="6" marR="0" rtl="0" algn="l">
+    <a:lvl7pPr marR="0" lvl="6" algn="l" rtl="0">
       <a:lnSpc>
         <a:spcPct val="100000"/>
       </a:lnSpc>
@@ -657,7 +672,7 @@
         <a:srgbClr val="000000"/>
       </a:buClr>
       <a:buFont typeface="Arial"/>
-      <a:defRPr b="0" i="0" sz="1400" u="none" cap="none" strike="noStrike">
+      <a:defRPr sz="1400" b="0" i="0" u="none" strike="noStrike" cap="none">
         <a:solidFill>
           <a:srgbClr val="000000"/>
         </a:solidFill>
@@ -667,7 +682,7 @@
         <a:sym typeface="Arial"/>
       </a:defRPr>
     </a:lvl7pPr>
-    <a:lvl8pPr lvl="7" marR="0" rtl="0" algn="l">
+    <a:lvl8pPr marR="0" lvl="7" algn="l" rtl="0">
       <a:lnSpc>
         <a:spcPct val="100000"/>
       </a:lnSpc>
@@ -681,7 +696,7 @@
         <a:srgbClr val="000000"/>
       </a:buClr>
       <a:buFont typeface="Arial"/>
-      <a:defRPr b="0" i="0" sz="1400" u="none" cap="none" strike="noStrike">
+      <a:defRPr sz="1400" b="0" i="0" u="none" strike="noStrike" cap="none">
         <a:solidFill>
           <a:srgbClr val="000000"/>
         </a:solidFill>
@@ -691,7 +706,7 @@
         <a:sym typeface="Arial"/>
       </a:defRPr>
     </a:lvl8pPr>
-    <a:lvl9pPr lvl="8" marR="0" rtl="0" algn="l">
+    <a:lvl9pPr marR="0" lvl="8" algn="l" rtl="0">
       <a:lnSpc>
         <a:spcPct val="100000"/>
       </a:lnSpc>
@@ -705,7 +720,7 @@
         <a:srgbClr val="000000"/>
       </a:buClr>
       <a:buFont typeface="Arial"/>
-      <a:defRPr b="0" i="0" sz="1400" u="none" cap="none" strike="noStrike">
+      <a:defRPr sz="1400" b="0" i="0" u="none" strike="noStrike" cap="none">
         <a:solidFill>
           <a:srgbClr val="000000"/>
         </a:solidFill>
@@ -720,11 +735,11 @@
 </file>
 
 <file path=ppt/notesSlides/notesSlide1.xml><?xml version="1.0" encoding="utf-8"?>
-<p:notes xmlns:a="http://schemas.openxmlformats.org/drawingml/2006/main" xmlns:r="http://schemas.openxmlformats.org/officeDocument/2006/relationships" xmlns:mc="http://schemas.openxmlformats.org/markup-compatibility/2006" xmlns:mv="urn:schemas-microsoft-com:mac:vml" xmlns:p="http://schemas.openxmlformats.org/presentationml/2006/main" xmlns:c="http://schemas.openxmlformats.org/drawingml/2006/chart" xmlns:dgm="http://schemas.openxmlformats.org/drawingml/2006/diagram" xmlns:o="urn:schemas-microsoft-com:office:office" xmlns:v="urn:schemas-microsoft-com:vml" xmlns:pvml="urn:schemas-microsoft-com:office:powerpoint" xmlns:com="http://schemas.openxmlformats.org/drawingml/2006/compatibility" xmlns:p14="http://schemas.microsoft.com/office/powerpoint/2010/main" xmlns:p15="http://schemas.microsoft.com/office/powerpoint/2012/main" xmlns:ahyp="http://schemas.microsoft.com/office/drawing/2018/hyperlinkcolor" showMasterPhAnim="0" showMasterSp="0">
+<p:notes xmlns:a="http://schemas.openxmlformats.org/drawingml/2006/main" xmlns:r="http://schemas.openxmlformats.org/officeDocument/2006/relationships" xmlns:p="http://schemas.openxmlformats.org/presentationml/2006/main" showMasterSp="0" showMasterPhAnim="0">
   <p:cSld>
     <p:spTree>
       <p:nvGrpSpPr>
-        <p:cNvPr id="60" name="Shape 60"/>
+        <p:cNvPr id="1" name="Shape 60"/>
         <p:cNvGrpSpPr/>
         <p:nvPr/>
       </p:nvGrpSpPr>
@@ -739,9 +754,11 @@
       <p:sp>
         <p:nvSpPr>
           <p:cNvPr id="61" name="Google Shape;61;p:notes"/>
-          <p:cNvSpPr/>
+          <p:cNvSpPr>
+            <a:spLocks noGrp="1" noRot="1" noChangeAspect="1"/>
+          </p:cNvSpPr>
           <p:nvPr>
-            <p:ph idx="2" type="sldImg"/>
+            <p:ph type="sldImg" idx="2"/>
           </p:nvPr>
         </p:nvSpPr>
         <p:spPr>
@@ -750,9 +767,13 @@
             <a:ext cx="6096075" cy="3429000"/>
           </a:xfrm>
           <a:custGeom>
-            <a:rect b="b" l="l" r="r" t="t"/>
+            <a:avLst/>
+            <a:gdLst/>
+            <a:ahLst/>
+            <a:cxnLst/>
+            <a:rect l="l" t="t" r="r" b="b"/>
             <a:pathLst>
-              <a:path extrusionOk="0" h="120000" w="120000">
+              <a:path w="120000" h="120000" extrusionOk="0">
                 <a:moveTo>
                   <a:pt x="0" y="0"/>
                 </a:moveTo>
@@ -774,9 +795,11 @@
       <p:sp>
         <p:nvSpPr>
           <p:cNvPr id="62" name="Google Shape;62;p:notes"/>
-          <p:cNvSpPr txBox="1"/>
+          <p:cNvSpPr txBox="1">
+            <a:spLocks noGrp="1"/>
+          </p:cNvSpPr>
           <p:nvPr>
-            <p:ph idx="1" type="body"/>
+            <p:ph type="body" idx="1"/>
           </p:nvPr>
         </p:nvSpPr>
         <p:spPr>
@@ -789,23 +812,20 @@
           </a:prstGeom>
         </p:spPr>
         <p:txBody>
-          <a:bodyPr anchorCtr="0" anchor="t" bIns="91425" lIns="91425" spcFirstLastPara="1" rIns="91425" wrap="square" tIns="91425">
+          <a:bodyPr spcFirstLastPara="1" wrap="square" lIns="91425" tIns="91425" rIns="91425" bIns="91425" anchor="t" anchorCtr="0">
             <a:noAutofit/>
           </a:bodyPr>
           <a:lstStyle/>
           <a:p>
-            <a:pPr indent="0" lvl="0" marL="0" rtl="0" algn="l">
-              <a:spcBef>
-                <a:spcPts val="0"/>
-              </a:spcBef>
-              <a:spcAft>
-                <a:spcPts val="0"/>
-              </a:spcAft>
-              <a:buNone/>
-            </a:pPr>
-            <a:r>
-              <a:t/>
-            </a:r>
+            <a:pPr marL="0" lvl="0" indent="0" algn="l" rtl="0">
+              <a:spcBef>
+                <a:spcPts val="0"/>
+              </a:spcBef>
+              <a:spcAft>
+                <a:spcPts val="0"/>
+              </a:spcAft>
+              <a:buNone/>
+            </a:pPr>
             <a:endParaRPr/>
           </a:p>
         </p:txBody>
@@ -819,11 +839,11 @@
 </file>
 
 <file path=ppt/notesSlides/notesSlide10.xml><?xml version="1.0" encoding="utf-8"?>
-<p:notes xmlns:a="http://schemas.openxmlformats.org/drawingml/2006/main" xmlns:r="http://schemas.openxmlformats.org/officeDocument/2006/relationships" xmlns:mc="http://schemas.openxmlformats.org/markup-compatibility/2006" xmlns:mv="urn:schemas-microsoft-com:mac:vml" xmlns:p="http://schemas.openxmlformats.org/presentationml/2006/main" xmlns:c="http://schemas.openxmlformats.org/drawingml/2006/chart" xmlns:dgm="http://schemas.openxmlformats.org/drawingml/2006/diagram" xmlns:o="urn:schemas-microsoft-com:office:office" xmlns:v="urn:schemas-microsoft-com:vml" xmlns:pvml="urn:schemas-microsoft-com:office:powerpoint" xmlns:com="http://schemas.openxmlformats.org/drawingml/2006/compatibility" xmlns:p14="http://schemas.microsoft.com/office/powerpoint/2010/main" xmlns:p15="http://schemas.microsoft.com/office/powerpoint/2012/main" xmlns:ahyp="http://schemas.microsoft.com/office/drawing/2018/hyperlinkcolor" showMasterPhAnim="0" showMasterSp="0">
+<p:notes xmlns:a="http://schemas.openxmlformats.org/drawingml/2006/main" xmlns:r="http://schemas.openxmlformats.org/officeDocument/2006/relationships" xmlns:p="http://schemas.openxmlformats.org/presentationml/2006/main" showMasterSp="0" showMasterPhAnim="0">
   <p:cSld>
     <p:spTree>
       <p:nvGrpSpPr>
-        <p:cNvPr id="122" name="Shape 122"/>
+        <p:cNvPr id="1" name="Shape 122"/>
         <p:cNvGrpSpPr/>
         <p:nvPr/>
       </p:nvGrpSpPr>
@@ -838,9 +858,11 @@
       <p:sp>
         <p:nvSpPr>
           <p:cNvPr id="123" name="Google Shape;123;gd99e2e21d2_0_131:notes"/>
-          <p:cNvSpPr/>
+          <p:cNvSpPr>
+            <a:spLocks noGrp="1" noRot="1" noChangeAspect="1"/>
+          </p:cNvSpPr>
           <p:nvPr>
-            <p:ph idx="2" type="sldImg"/>
+            <p:ph type="sldImg" idx="2"/>
           </p:nvPr>
         </p:nvSpPr>
         <p:spPr>
@@ -849,9 +871,13 @@
             <a:ext cx="6096000" cy="3429000"/>
           </a:xfrm>
           <a:custGeom>
-            <a:rect b="b" l="l" r="r" t="t"/>
+            <a:avLst/>
+            <a:gdLst/>
+            <a:ahLst/>
+            <a:cxnLst/>
+            <a:rect l="l" t="t" r="r" b="b"/>
             <a:pathLst>
-              <a:path extrusionOk="0" h="120000" w="120000">
+              <a:path w="120000" h="120000" extrusionOk="0">
                 <a:moveTo>
                   <a:pt x="0" y="0"/>
                 </a:moveTo>
@@ -873,9 +899,11 @@
       <p:sp>
         <p:nvSpPr>
           <p:cNvPr id="124" name="Google Shape;124;gd99e2e21d2_0_131:notes"/>
-          <p:cNvSpPr txBox="1"/>
+          <p:cNvSpPr txBox="1">
+            <a:spLocks noGrp="1"/>
+          </p:cNvSpPr>
           <p:nvPr>
-            <p:ph idx="1" type="body"/>
+            <p:ph type="body" idx="1"/>
           </p:nvPr>
         </p:nvSpPr>
         <p:spPr>
@@ -888,23 +916,20 @@
           </a:prstGeom>
         </p:spPr>
         <p:txBody>
-          <a:bodyPr anchorCtr="0" anchor="t" bIns="91425" lIns="91425" spcFirstLastPara="1" rIns="91425" wrap="square" tIns="91425">
+          <a:bodyPr spcFirstLastPara="1" wrap="square" lIns="91425" tIns="91425" rIns="91425" bIns="91425" anchor="t" anchorCtr="0">
             <a:noAutofit/>
           </a:bodyPr>
           <a:lstStyle/>
           <a:p>
-            <a:pPr indent="0" lvl="0" marL="0" rtl="0" algn="l">
-              <a:spcBef>
-                <a:spcPts val="0"/>
-              </a:spcBef>
-              <a:spcAft>
-                <a:spcPts val="0"/>
-              </a:spcAft>
-              <a:buNone/>
-            </a:pPr>
-            <a:r>
-              <a:t/>
-            </a:r>
+            <a:pPr marL="0" lvl="0" indent="0" algn="l" rtl="0">
+              <a:spcBef>
+                <a:spcPts val="0"/>
+              </a:spcBef>
+              <a:spcAft>
+                <a:spcPts val="0"/>
+              </a:spcAft>
+              <a:buNone/>
+            </a:pPr>
             <a:endParaRPr/>
           </a:p>
         </p:txBody>
@@ -918,11 +943,11 @@
 </file>
 
 <file path=ppt/notesSlides/notesSlide11.xml><?xml version="1.0" encoding="utf-8"?>
-<p:notes xmlns:a="http://schemas.openxmlformats.org/drawingml/2006/main" xmlns:r="http://schemas.openxmlformats.org/officeDocument/2006/relationships" xmlns:mc="http://schemas.openxmlformats.org/markup-compatibility/2006" xmlns:mv="urn:schemas-microsoft-com:mac:vml" xmlns:p="http://schemas.openxmlformats.org/presentationml/2006/main" xmlns:c="http://schemas.openxmlformats.org/drawingml/2006/chart" xmlns:dgm="http://schemas.openxmlformats.org/drawingml/2006/diagram" xmlns:o="urn:schemas-microsoft-com:office:office" xmlns:v="urn:schemas-microsoft-com:vml" xmlns:pvml="urn:schemas-microsoft-com:office:powerpoint" xmlns:com="http://schemas.openxmlformats.org/drawingml/2006/compatibility" xmlns:p14="http://schemas.microsoft.com/office/powerpoint/2010/main" xmlns:p15="http://schemas.microsoft.com/office/powerpoint/2012/main" xmlns:ahyp="http://schemas.microsoft.com/office/drawing/2018/hyperlinkcolor" showMasterPhAnim="0" showMasterSp="0">
+<p:notes xmlns:a="http://schemas.openxmlformats.org/drawingml/2006/main" xmlns:r="http://schemas.openxmlformats.org/officeDocument/2006/relationships" xmlns:p="http://schemas.openxmlformats.org/presentationml/2006/main" showMasterSp="0" showMasterPhAnim="0">
   <p:cSld>
     <p:spTree>
       <p:nvGrpSpPr>
-        <p:cNvPr id="129" name="Shape 129"/>
+        <p:cNvPr id="1" name="Shape 129"/>
         <p:cNvGrpSpPr/>
         <p:nvPr/>
       </p:nvGrpSpPr>
@@ -937,9 +962,11 @@
       <p:sp>
         <p:nvSpPr>
           <p:cNvPr id="130" name="Google Shape;130;gd99e2e21d2_0_146:notes"/>
-          <p:cNvSpPr/>
+          <p:cNvSpPr>
+            <a:spLocks noGrp="1" noRot="1" noChangeAspect="1"/>
+          </p:cNvSpPr>
           <p:nvPr>
-            <p:ph idx="2" type="sldImg"/>
+            <p:ph type="sldImg" idx="2"/>
           </p:nvPr>
         </p:nvSpPr>
         <p:spPr>
@@ -948,9 +975,13 @@
             <a:ext cx="6096000" cy="3429000"/>
           </a:xfrm>
           <a:custGeom>
-            <a:rect b="b" l="l" r="r" t="t"/>
+            <a:avLst/>
+            <a:gdLst/>
+            <a:ahLst/>
+            <a:cxnLst/>
+            <a:rect l="l" t="t" r="r" b="b"/>
             <a:pathLst>
-              <a:path extrusionOk="0" h="120000" w="120000">
+              <a:path w="120000" h="120000" extrusionOk="0">
                 <a:moveTo>
                   <a:pt x="0" y="0"/>
                 </a:moveTo>
@@ -972,9 +1003,11 @@
       <p:sp>
         <p:nvSpPr>
           <p:cNvPr id="131" name="Google Shape;131;gd99e2e21d2_0_146:notes"/>
-          <p:cNvSpPr txBox="1"/>
+          <p:cNvSpPr txBox="1">
+            <a:spLocks noGrp="1"/>
+          </p:cNvSpPr>
           <p:nvPr>
-            <p:ph idx="1" type="body"/>
+            <p:ph type="body" idx="1"/>
           </p:nvPr>
         </p:nvSpPr>
         <p:spPr>
@@ -987,23 +1020,20 @@
           </a:prstGeom>
         </p:spPr>
         <p:txBody>
-          <a:bodyPr anchorCtr="0" anchor="t" bIns="91425" lIns="91425" spcFirstLastPara="1" rIns="91425" wrap="square" tIns="91425">
+          <a:bodyPr spcFirstLastPara="1" wrap="square" lIns="91425" tIns="91425" rIns="91425" bIns="91425" anchor="t" anchorCtr="0">
             <a:noAutofit/>
           </a:bodyPr>
           <a:lstStyle/>
           <a:p>
-            <a:pPr indent="0" lvl="0" marL="0" rtl="0" algn="l">
-              <a:spcBef>
-                <a:spcPts val="0"/>
-              </a:spcBef>
-              <a:spcAft>
-                <a:spcPts val="0"/>
-              </a:spcAft>
-              <a:buNone/>
-            </a:pPr>
-            <a:r>
-              <a:t/>
-            </a:r>
+            <a:pPr marL="0" lvl="0" indent="0" algn="l" rtl="0">
+              <a:spcBef>
+                <a:spcPts val="0"/>
+              </a:spcBef>
+              <a:spcAft>
+                <a:spcPts val="0"/>
+              </a:spcAft>
+              <a:buNone/>
+            </a:pPr>
             <a:endParaRPr/>
           </a:p>
         </p:txBody>
@@ -1017,11 +1047,11 @@
 </file>
 
 <file path=ppt/notesSlides/notesSlide12.xml><?xml version="1.0" encoding="utf-8"?>
-<p:notes xmlns:a="http://schemas.openxmlformats.org/drawingml/2006/main" xmlns:r="http://schemas.openxmlformats.org/officeDocument/2006/relationships" xmlns:mc="http://schemas.openxmlformats.org/markup-compatibility/2006" xmlns:mv="urn:schemas-microsoft-com:mac:vml" xmlns:p="http://schemas.openxmlformats.org/presentationml/2006/main" xmlns:c="http://schemas.openxmlformats.org/drawingml/2006/chart" xmlns:dgm="http://schemas.openxmlformats.org/drawingml/2006/diagram" xmlns:o="urn:schemas-microsoft-com:office:office" xmlns:v="urn:schemas-microsoft-com:vml" xmlns:pvml="urn:schemas-microsoft-com:office:powerpoint" xmlns:com="http://schemas.openxmlformats.org/drawingml/2006/compatibility" xmlns:p14="http://schemas.microsoft.com/office/powerpoint/2010/main" xmlns:p15="http://schemas.microsoft.com/office/powerpoint/2012/main" xmlns:ahyp="http://schemas.microsoft.com/office/drawing/2018/hyperlinkcolor" showMasterPhAnim="0" showMasterSp="0">
+<p:notes xmlns:a="http://schemas.openxmlformats.org/drawingml/2006/main" xmlns:r="http://schemas.openxmlformats.org/officeDocument/2006/relationships" xmlns:p="http://schemas.openxmlformats.org/presentationml/2006/main" showMasterSp="0" showMasterPhAnim="0">
   <p:cSld>
     <p:spTree>
       <p:nvGrpSpPr>
-        <p:cNvPr id="135" name="Shape 135"/>
+        <p:cNvPr id="1" name="Shape 135"/>
         <p:cNvGrpSpPr/>
         <p:nvPr/>
       </p:nvGrpSpPr>
@@ -1036,9 +1066,11 @@
       <p:sp>
         <p:nvSpPr>
           <p:cNvPr id="136" name="Google Shape;136;gd99e2e21d2_0_151:notes"/>
-          <p:cNvSpPr/>
+          <p:cNvSpPr>
+            <a:spLocks noGrp="1" noRot="1" noChangeAspect="1"/>
+          </p:cNvSpPr>
           <p:nvPr>
-            <p:ph idx="2" type="sldImg"/>
+            <p:ph type="sldImg" idx="2"/>
           </p:nvPr>
         </p:nvSpPr>
         <p:spPr>
@@ -1047,9 +1079,13 @@
             <a:ext cx="6096000" cy="3429000"/>
           </a:xfrm>
           <a:custGeom>
-            <a:rect b="b" l="l" r="r" t="t"/>
+            <a:avLst/>
+            <a:gdLst/>
+            <a:ahLst/>
+            <a:cxnLst/>
+            <a:rect l="l" t="t" r="r" b="b"/>
             <a:pathLst>
-              <a:path extrusionOk="0" h="120000" w="120000">
+              <a:path w="120000" h="120000" extrusionOk="0">
                 <a:moveTo>
                   <a:pt x="0" y="0"/>
                 </a:moveTo>
@@ -1071,9 +1107,11 @@
       <p:sp>
         <p:nvSpPr>
           <p:cNvPr id="137" name="Google Shape;137;gd99e2e21d2_0_151:notes"/>
-          <p:cNvSpPr txBox="1"/>
+          <p:cNvSpPr txBox="1">
+            <a:spLocks noGrp="1"/>
+          </p:cNvSpPr>
           <p:nvPr>
-            <p:ph idx="1" type="body"/>
+            <p:ph type="body" idx="1"/>
           </p:nvPr>
         </p:nvSpPr>
         <p:spPr>
@@ -1086,23 +1124,20 @@
           </a:prstGeom>
         </p:spPr>
         <p:txBody>
-          <a:bodyPr anchorCtr="0" anchor="t" bIns="91425" lIns="91425" spcFirstLastPara="1" rIns="91425" wrap="square" tIns="91425">
+          <a:bodyPr spcFirstLastPara="1" wrap="square" lIns="91425" tIns="91425" rIns="91425" bIns="91425" anchor="t" anchorCtr="0">
             <a:noAutofit/>
           </a:bodyPr>
           <a:lstStyle/>
           <a:p>
-            <a:pPr indent="0" lvl="0" marL="0" rtl="0" algn="l">
-              <a:spcBef>
-                <a:spcPts val="0"/>
-              </a:spcBef>
-              <a:spcAft>
-                <a:spcPts val="0"/>
-              </a:spcAft>
-              <a:buNone/>
-            </a:pPr>
-            <a:r>
-              <a:t/>
-            </a:r>
+            <a:pPr marL="0" lvl="0" indent="0" algn="l" rtl="0">
+              <a:spcBef>
+                <a:spcPts val="0"/>
+              </a:spcBef>
+              <a:spcAft>
+                <a:spcPts val="0"/>
+              </a:spcAft>
+              <a:buNone/>
+            </a:pPr>
             <a:endParaRPr/>
           </a:p>
         </p:txBody>
@@ -1116,11 +1151,11 @@
 </file>
 
 <file path=ppt/notesSlides/notesSlide13.xml><?xml version="1.0" encoding="utf-8"?>
-<p:notes xmlns:a="http://schemas.openxmlformats.org/drawingml/2006/main" xmlns:r="http://schemas.openxmlformats.org/officeDocument/2006/relationships" xmlns:mc="http://schemas.openxmlformats.org/markup-compatibility/2006" xmlns:mv="urn:schemas-microsoft-com:mac:vml" xmlns:p="http://schemas.openxmlformats.org/presentationml/2006/main" xmlns:c="http://schemas.openxmlformats.org/drawingml/2006/chart" xmlns:dgm="http://schemas.openxmlformats.org/drawingml/2006/diagram" xmlns:o="urn:schemas-microsoft-com:office:office" xmlns:v="urn:schemas-microsoft-com:vml" xmlns:pvml="urn:schemas-microsoft-com:office:powerpoint" xmlns:com="http://schemas.openxmlformats.org/drawingml/2006/compatibility" xmlns:p14="http://schemas.microsoft.com/office/powerpoint/2010/main" xmlns:p15="http://schemas.microsoft.com/office/powerpoint/2012/main" xmlns:ahyp="http://schemas.microsoft.com/office/drawing/2018/hyperlinkcolor" showMasterPhAnim="0" showMasterSp="0">
+<p:notes xmlns:a="http://schemas.openxmlformats.org/drawingml/2006/main" xmlns:r="http://schemas.openxmlformats.org/officeDocument/2006/relationships" xmlns:p="http://schemas.openxmlformats.org/presentationml/2006/main" showMasterSp="0" showMasterPhAnim="0">
   <p:cSld>
     <p:spTree>
       <p:nvGrpSpPr>
-        <p:cNvPr id="144" name="Shape 144"/>
+        <p:cNvPr id="1" name="Shape 144"/>
         <p:cNvGrpSpPr/>
         <p:nvPr/>
       </p:nvGrpSpPr>
@@ -1135,9 +1170,11 @@
       <p:sp>
         <p:nvSpPr>
           <p:cNvPr id="145" name="Google Shape;145;gd99e2e21d2_0_297:notes"/>
-          <p:cNvSpPr/>
+          <p:cNvSpPr>
+            <a:spLocks noGrp="1" noRot="1" noChangeAspect="1"/>
+          </p:cNvSpPr>
           <p:nvPr>
-            <p:ph idx="2" type="sldImg"/>
+            <p:ph type="sldImg" idx="2"/>
           </p:nvPr>
         </p:nvSpPr>
         <p:spPr>
@@ -1146,9 +1183,13 @@
             <a:ext cx="6096000" cy="3429000"/>
           </a:xfrm>
           <a:custGeom>
-            <a:rect b="b" l="l" r="r" t="t"/>
+            <a:avLst/>
+            <a:gdLst/>
+            <a:ahLst/>
+            <a:cxnLst/>
+            <a:rect l="l" t="t" r="r" b="b"/>
             <a:pathLst>
-              <a:path extrusionOk="0" h="120000" w="120000">
+              <a:path w="120000" h="120000" extrusionOk="0">
                 <a:moveTo>
                   <a:pt x="0" y="0"/>
                 </a:moveTo>
@@ -1170,9 +1211,11 @@
       <p:sp>
         <p:nvSpPr>
           <p:cNvPr id="146" name="Google Shape;146;gd99e2e21d2_0_297:notes"/>
-          <p:cNvSpPr txBox="1"/>
+          <p:cNvSpPr txBox="1">
+            <a:spLocks noGrp="1"/>
+          </p:cNvSpPr>
           <p:nvPr>
-            <p:ph idx="1" type="body"/>
+            <p:ph type="body" idx="1"/>
           </p:nvPr>
         </p:nvSpPr>
         <p:spPr>
@@ -1185,12 +1228,12 @@
           </a:prstGeom>
         </p:spPr>
         <p:txBody>
-          <a:bodyPr anchorCtr="0" anchor="t" bIns="91425" lIns="91425" spcFirstLastPara="1" rIns="91425" wrap="square" tIns="91425">
+          <a:bodyPr spcFirstLastPara="1" wrap="square" lIns="91425" tIns="91425" rIns="91425" bIns="91425" anchor="t" anchorCtr="0">
             <a:noAutofit/>
           </a:bodyPr>
           <a:lstStyle/>
           <a:p>
-            <a:pPr indent="0" lvl="0" marL="0" rtl="0" algn="l">
+            <a:pPr marL="0" lvl="0" indent="0" algn="l" rtl="0">
               <a:spcBef>
                 <a:spcPts val="0"/>
               </a:spcBef>
@@ -1206,18 +1249,15 @@
             <a:endParaRPr/>
           </a:p>
           <a:p>
-            <a:pPr indent="0" lvl="0" marL="0" rtl="0" algn="l">
-              <a:spcBef>
-                <a:spcPts val="0"/>
-              </a:spcBef>
-              <a:spcAft>
-                <a:spcPts val="0"/>
-              </a:spcAft>
-              <a:buNone/>
-            </a:pPr>
-            <a:r>
-              <a:t/>
-            </a:r>
+            <a:pPr marL="0" lvl="0" indent="0" algn="l" rtl="0">
+              <a:spcBef>
+                <a:spcPts val="0"/>
+              </a:spcBef>
+              <a:spcAft>
+                <a:spcPts val="0"/>
+              </a:spcAft>
+              <a:buNone/>
+            </a:pPr>
             <a:endParaRPr/>
           </a:p>
         </p:txBody>
@@ -1231,11 +1271,11 @@
 </file>
 
 <file path=ppt/notesSlides/notesSlide14.xml><?xml version="1.0" encoding="utf-8"?>
-<p:notes xmlns:a="http://schemas.openxmlformats.org/drawingml/2006/main" xmlns:r="http://schemas.openxmlformats.org/officeDocument/2006/relationships" xmlns:mc="http://schemas.openxmlformats.org/markup-compatibility/2006" xmlns:mv="urn:schemas-microsoft-com:mac:vml" xmlns:p="http://schemas.openxmlformats.org/presentationml/2006/main" xmlns:c="http://schemas.openxmlformats.org/drawingml/2006/chart" xmlns:dgm="http://schemas.openxmlformats.org/drawingml/2006/diagram" xmlns:o="urn:schemas-microsoft-com:office:office" xmlns:v="urn:schemas-microsoft-com:vml" xmlns:pvml="urn:schemas-microsoft-com:office:powerpoint" xmlns:com="http://schemas.openxmlformats.org/drawingml/2006/compatibility" xmlns:p14="http://schemas.microsoft.com/office/powerpoint/2010/main" xmlns:p15="http://schemas.microsoft.com/office/powerpoint/2012/main" xmlns:ahyp="http://schemas.microsoft.com/office/drawing/2018/hyperlinkcolor" showMasterPhAnim="0" showMasterSp="0">
+<p:notes xmlns:a="http://schemas.openxmlformats.org/drawingml/2006/main" xmlns:r="http://schemas.openxmlformats.org/officeDocument/2006/relationships" xmlns:p="http://schemas.openxmlformats.org/presentationml/2006/main" showMasterSp="0" showMasterPhAnim="0">
   <p:cSld>
     <p:spTree>
       <p:nvGrpSpPr>
-        <p:cNvPr id="152" name="Shape 152"/>
+        <p:cNvPr id="1" name="Shape 152"/>
         <p:cNvGrpSpPr/>
         <p:nvPr/>
       </p:nvGrpSpPr>
@@ -1250,9 +1290,11 @@
       <p:sp>
         <p:nvSpPr>
           <p:cNvPr id="153" name="Google Shape;153;gd99e2e21d2_0_304:notes"/>
-          <p:cNvSpPr/>
+          <p:cNvSpPr>
+            <a:spLocks noGrp="1" noRot="1" noChangeAspect="1"/>
+          </p:cNvSpPr>
           <p:nvPr>
-            <p:ph idx="2" type="sldImg"/>
+            <p:ph type="sldImg" idx="2"/>
           </p:nvPr>
         </p:nvSpPr>
         <p:spPr>
@@ -1261,9 +1303,13 @@
             <a:ext cx="6096000" cy="3429000"/>
           </a:xfrm>
           <a:custGeom>
-            <a:rect b="b" l="l" r="r" t="t"/>
+            <a:avLst/>
+            <a:gdLst/>
+            <a:ahLst/>
+            <a:cxnLst/>
+            <a:rect l="l" t="t" r="r" b="b"/>
             <a:pathLst>
-              <a:path extrusionOk="0" h="120000" w="120000">
+              <a:path w="120000" h="120000" extrusionOk="0">
                 <a:moveTo>
                   <a:pt x="0" y="0"/>
                 </a:moveTo>
@@ -1285,9 +1331,11 @@
       <p:sp>
         <p:nvSpPr>
           <p:cNvPr id="154" name="Google Shape;154;gd99e2e21d2_0_304:notes"/>
-          <p:cNvSpPr txBox="1"/>
+          <p:cNvSpPr txBox="1">
+            <a:spLocks noGrp="1"/>
+          </p:cNvSpPr>
           <p:nvPr>
-            <p:ph idx="1" type="body"/>
+            <p:ph type="body" idx="1"/>
           </p:nvPr>
         </p:nvSpPr>
         <p:spPr>
@@ -1300,23 +1348,20 @@
           </a:prstGeom>
         </p:spPr>
         <p:txBody>
-          <a:bodyPr anchorCtr="0" anchor="t" bIns="91425" lIns="91425" spcFirstLastPara="1" rIns="91425" wrap="square" tIns="91425">
+          <a:bodyPr spcFirstLastPara="1" wrap="square" lIns="91425" tIns="91425" rIns="91425" bIns="91425" anchor="t" anchorCtr="0">
             <a:noAutofit/>
           </a:bodyPr>
           <a:lstStyle/>
           <a:p>
-            <a:pPr indent="0" lvl="0" marL="0" rtl="0" algn="l">
-              <a:spcBef>
-                <a:spcPts val="0"/>
-              </a:spcBef>
-              <a:spcAft>
-                <a:spcPts val="0"/>
-              </a:spcAft>
-              <a:buNone/>
-            </a:pPr>
-            <a:r>
-              <a:t/>
-            </a:r>
+            <a:pPr marL="0" lvl="0" indent="0" algn="l" rtl="0">
+              <a:spcBef>
+                <a:spcPts val="0"/>
+              </a:spcBef>
+              <a:spcAft>
+                <a:spcPts val="0"/>
+              </a:spcAft>
+              <a:buNone/>
+            </a:pPr>
             <a:endParaRPr/>
           </a:p>
         </p:txBody>
@@ -1330,11 +1375,11 @@
 </file>
 
 <file path=ppt/notesSlides/notesSlide15.xml><?xml version="1.0" encoding="utf-8"?>
-<p:notes xmlns:a="http://schemas.openxmlformats.org/drawingml/2006/main" xmlns:r="http://schemas.openxmlformats.org/officeDocument/2006/relationships" xmlns:mc="http://schemas.openxmlformats.org/markup-compatibility/2006" xmlns:mv="urn:schemas-microsoft-com:mac:vml" xmlns:p="http://schemas.openxmlformats.org/presentationml/2006/main" xmlns:c="http://schemas.openxmlformats.org/drawingml/2006/chart" xmlns:dgm="http://schemas.openxmlformats.org/drawingml/2006/diagram" xmlns:o="urn:schemas-microsoft-com:office:office" xmlns:v="urn:schemas-microsoft-com:vml" xmlns:pvml="urn:schemas-microsoft-com:office:powerpoint" xmlns:com="http://schemas.openxmlformats.org/drawingml/2006/compatibility" xmlns:p14="http://schemas.microsoft.com/office/powerpoint/2010/main" xmlns:p15="http://schemas.microsoft.com/office/powerpoint/2012/main" xmlns:ahyp="http://schemas.microsoft.com/office/drawing/2018/hyperlinkcolor" showMasterPhAnim="0" showMasterSp="0">
+<p:notes xmlns:a="http://schemas.openxmlformats.org/drawingml/2006/main" xmlns:r="http://schemas.openxmlformats.org/officeDocument/2006/relationships" xmlns:p="http://schemas.openxmlformats.org/presentationml/2006/main" showMasterSp="0" showMasterPhAnim="0">
   <p:cSld>
     <p:spTree>
       <p:nvGrpSpPr>
-        <p:cNvPr id="159" name="Shape 159"/>
+        <p:cNvPr id="1" name="Shape 159"/>
         <p:cNvGrpSpPr/>
         <p:nvPr/>
       </p:nvGrpSpPr>
@@ -1349,9 +1394,11 @@
       <p:sp>
         <p:nvSpPr>
           <p:cNvPr id="160" name="Google Shape;160;gd99e2e21d2_0_310:notes"/>
-          <p:cNvSpPr/>
+          <p:cNvSpPr>
+            <a:spLocks noGrp="1" noRot="1" noChangeAspect="1"/>
+          </p:cNvSpPr>
           <p:nvPr>
-            <p:ph idx="2" type="sldImg"/>
+            <p:ph type="sldImg" idx="2"/>
           </p:nvPr>
         </p:nvSpPr>
         <p:spPr>
@@ -1360,9 +1407,13 @@
             <a:ext cx="6096000" cy="3429000"/>
           </a:xfrm>
           <a:custGeom>
-            <a:rect b="b" l="l" r="r" t="t"/>
+            <a:avLst/>
+            <a:gdLst/>
+            <a:ahLst/>
+            <a:cxnLst/>
+            <a:rect l="l" t="t" r="r" b="b"/>
             <a:pathLst>
-              <a:path extrusionOk="0" h="120000" w="120000">
+              <a:path w="120000" h="120000" extrusionOk="0">
                 <a:moveTo>
                   <a:pt x="0" y="0"/>
                 </a:moveTo>
@@ -1384,9 +1435,11 @@
       <p:sp>
         <p:nvSpPr>
           <p:cNvPr id="161" name="Google Shape;161;gd99e2e21d2_0_310:notes"/>
-          <p:cNvSpPr txBox="1"/>
+          <p:cNvSpPr txBox="1">
+            <a:spLocks noGrp="1"/>
+          </p:cNvSpPr>
           <p:nvPr>
-            <p:ph idx="1" type="body"/>
+            <p:ph type="body" idx="1"/>
           </p:nvPr>
         </p:nvSpPr>
         <p:spPr>
@@ -1399,12 +1452,12 @@
           </a:prstGeom>
         </p:spPr>
         <p:txBody>
-          <a:bodyPr anchorCtr="0" anchor="t" bIns="91425" lIns="91425" spcFirstLastPara="1" rIns="91425" wrap="square" tIns="91425">
+          <a:bodyPr spcFirstLastPara="1" wrap="square" lIns="91425" tIns="91425" rIns="91425" bIns="91425" anchor="t" anchorCtr="0">
             <a:noAutofit/>
           </a:bodyPr>
           <a:lstStyle/>
           <a:p>
-            <a:pPr indent="0" lvl="0" marL="0" rtl="0" algn="l">
+            <a:pPr marL="0" lvl="0" indent="0" algn="l" rtl="0">
               <a:spcBef>
                 <a:spcPts val="0"/>
               </a:spcBef>
@@ -1430,11 +1483,11 @@
 </file>
 
 <file path=ppt/notesSlides/notesSlide16.xml><?xml version="1.0" encoding="utf-8"?>
-<p:notes xmlns:a="http://schemas.openxmlformats.org/drawingml/2006/main" xmlns:r="http://schemas.openxmlformats.org/officeDocument/2006/relationships" xmlns:mc="http://schemas.openxmlformats.org/markup-compatibility/2006" xmlns:mv="urn:schemas-microsoft-com:mac:vml" xmlns:p="http://schemas.openxmlformats.org/presentationml/2006/main" xmlns:c="http://schemas.openxmlformats.org/drawingml/2006/chart" xmlns:dgm="http://schemas.openxmlformats.org/drawingml/2006/diagram" xmlns:o="urn:schemas-microsoft-com:office:office" xmlns:v="urn:schemas-microsoft-com:vml" xmlns:pvml="urn:schemas-microsoft-com:office:powerpoint" xmlns:com="http://schemas.openxmlformats.org/drawingml/2006/compatibility" xmlns:p14="http://schemas.microsoft.com/office/powerpoint/2010/main" xmlns:p15="http://schemas.microsoft.com/office/powerpoint/2012/main" xmlns:ahyp="http://schemas.microsoft.com/office/drawing/2018/hyperlinkcolor" showMasterPhAnim="0" showMasterSp="0">
+<p:notes xmlns:a="http://schemas.openxmlformats.org/drawingml/2006/main" xmlns:r="http://schemas.openxmlformats.org/officeDocument/2006/relationships" xmlns:p="http://schemas.openxmlformats.org/presentationml/2006/main" showMasterSp="0" showMasterPhAnim="0">
   <p:cSld>
     <p:spTree>
       <p:nvGrpSpPr>
-        <p:cNvPr id="169" name="Shape 169"/>
+        <p:cNvPr id="1" name="Shape 169"/>
         <p:cNvGrpSpPr/>
         <p:nvPr/>
       </p:nvGrpSpPr>
@@ -1449,9 +1502,11 @@
       <p:sp>
         <p:nvSpPr>
           <p:cNvPr id="170" name="Google Shape;170;gd99e2e21d2_0_318:notes"/>
-          <p:cNvSpPr/>
+          <p:cNvSpPr>
+            <a:spLocks noGrp="1" noRot="1" noChangeAspect="1"/>
+          </p:cNvSpPr>
           <p:nvPr>
-            <p:ph idx="2" type="sldImg"/>
+            <p:ph type="sldImg" idx="2"/>
           </p:nvPr>
         </p:nvSpPr>
         <p:spPr>
@@ -1460,9 +1515,13 @@
             <a:ext cx="6096000" cy="3429000"/>
           </a:xfrm>
           <a:custGeom>
-            <a:rect b="b" l="l" r="r" t="t"/>
+            <a:avLst/>
+            <a:gdLst/>
+            <a:ahLst/>
+            <a:cxnLst/>
+            <a:rect l="l" t="t" r="r" b="b"/>
             <a:pathLst>
-              <a:path extrusionOk="0" h="120000" w="120000">
+              <a:path w="120000" h="120000" extrusionOk="0">
                 <a:moveTo>
                   <a:pt x="0" y="0"/>
                 </a:moveTo>
@@ -1484,9 +1543,11 @@
       <p:sp>
         <p:nvSpPr>
           <p:cNvPr id="171" name="Google Shape;171;gd99e2e21d2_0_318:notes"/>
-          <p:cNvSpPr txBox="1"/>
+          <p:cNvSpPr txBox="1">
+            <a:spLocks noGrp="1"/>
+          </p:cNvSpPr>
           <p:nvPr>
-            <p:ph idx="1" type="body"/>
+            <p:ph type="body" idx="1"/>
           </p:nvPr>
         </p:nvSpPr>
         <p:spPr>
@@ -1499,23 +1560,20 @@
           </a:prstGeom>
         </p:spPr>
         <p:txBody>
-          <a:bodyPr anchorCtr="0" anchor="t" bIns="91425" lIns="91425" spcFirstLastPara="1" rIns="91425" wrap="square" tIns="91425">
+          <a:bodyPr spcFirstLastPara="1" wrap="square" lIns="91425" tIns="91425" rIns="91425" bIns="91425" anchor="t" anchorCtr="0">
             <a:noAutofit/>
           </a:bodyPr>
           <a:lstStyle/>
           <a:p>
-            <a:pPr indent="0" lvl="0" marL="0" rtl="0" algn="l">
-              <a:spcBef>
-                <a:spcPts val="0"/>
-              </a:spcBef>
-              <a:spcAft>
-                <a:spcPts val="0"/>
-              </a:spcAft>
-              <a:buNone/>
-            </a:pPr>
-            <a:r>
-              <a:t/>
-            </a:r>
+            <a:pPr marL="0" lvl="0" indent="0" algn="l" rtl="0">
+              <a:spcBef>
+                <a:spcPts val="0"/>
+              </a:spcBef>
+              <a:spcAft>
+                <a:spcPts val="0"/>
+              </a:spcAft>
+              <a:buNone/>
+            </a:pPr>
             <a:endParaRPr/>
           </a:p>
         </p:txBody>
@@ -1529,11 +1587,11 @@
 </file>
 
 <file path=ppt/notesSlides/notesSlide17.xml><?xml version="1.0" encoding="utf-8"?>
-<p:notes xmlns:a="http://schemas.openxmlformats.org/drawingml/2006/main" xmlns:r="http://schemas.openxmlformats.org/officeDocument/2006/relationships" xmlns:mc="http://schemas.openxmlformats.org/markup-compatibility/2006" xmlns:mv="urn:schemas-microsoft-com:mac:vml" xmlns:p="http://schemas.openxmlformats.org/presentationml/2006/main" xmlns:c="http://schemas.openxmlformats.org/drawingml/2006/chart" xmlns:dgm="http://schemas.openxmlformats.org/drawingml/2006/diagram" xmlns:o="urn:schemas-microsoft-com:office:office" xmlns:v="urn:schemas-microsoft-com:vml" xmlns:pvml="urn:schemas-microsoft-com:office:powerpoint" xmlns:com="http://schemas.openxmlformats.org/drawingml/2006/compatibility" xmlns:p14="http://schemas.microsoft.com/office/powerpoint/2010/main" xmlns:p15="http://schemas.microsoft.com/office/powerpoint/2012/main" xmlns:ahyp="http://schemas.microsoft.com/office/drawing/2018/hyperlinkcolor" showMasterPhAnim="0" showMasterSp="0">
+<p:notes xmlns:a="http://schemas.openxmlformats.org/drawingml/2006/main" xmlns:r="http://schemas.openxmlformats.org/officeDocument/2006/relationships" xmlns:p="http://schemas.openxmlformats.org/presentationml/2006/main" showMasterSp="0" showMasterPhAnim="0">
   <p:cSld>
     <p:spTree>
       <p:nvGrpSpPr>
-        <p:cNvPr id="175" name="Shape 175"/>
+        <p:cNvPr id="1" name="Shape 175"/>
         <p:cNvGrpSpPr/>
         <p:nvPr/>
       </p:nvGrpSpPr>
@@ -1548,9 +1606,11 @@
       <p:sp>
         <p:nvSpPr>
           <p:cNvPr id="176" name="Google Shape;176;gd99e2e21d2_0_327:notes"/>
-          <p:cNvSpPr/>
+          <p:cNvSpPr>
+            <a:spLocks noGrp="1" noRot="1" noChangeAspect="1"/>
+          </p:cNvSpPr>
           <p:nvPr>
-            <p:ph idx="2" type="sldImg"/>
+            <p:ph type="sldImg" idx="2"/>
           </p:nvPr>
         </p:nvSpPr>
         <p:spPr>
@@ -1559,9 +1619,13 @@
             <a:ext cx="6096000" cy="3429000"/>
           </a:xfrm>
           <a:custGeom>
-            <a:rect b="b" l="l" r="r" t="t"/>
+            <a:avLst/>
+            <a:gdLst/>
+            <a:ahLst/>
+            <a:cxnLst/>
+            <a:rect l="l" t="t" r="r" b="b"/>
             <a:pathLst>
-              <a:path extrusionOk="0" h="120000" w="120000">
+              <a:path w="120000" h="120000" extrusionOk="0">
                 <a:moveTo>
                   <a:pt x="0" y="0"/>
                 </a:moveTo>
@@ -1583,9 +1647,11 @@
       <p:sp>
         <p:nvSpPr>
           <p:cNvPr id="177" name="Google Shape;177;gd99e2e21d2_0_327:notes"/>
-          <p:cNvSpPr txBox="1"/>
+          <p:cNvSpPr txBox="1">
+            <a:spLocks noGrp="1"/>
+          </p:cNvSpPr>
           <p:nvPr>
-            <p:ph idx="1" type="body"/>
+            <p:ph type="body" idx="1"/>
           </p:nvPr>
         </p:nvSpPr>
         <p:spPr>
@@ -1598,23 +1664,20 @@
           </a:prstGeom>
         </p:spPr>
         <p:txBody>
-          <a:bodyPr anchorCtr="0" anchor="t" bIns="91425" lIns="91425" spcFirstLastPara="1" rIns="91425" wrap="square" tIns="91425">
+          <a:bodyPr spcFirstLastPara="1" wrap="square" lIns="91425" tIns="91425" rIns="91425" bIns="91425" anchor="t" anchorCtr="0">
             <a:noAutofit/>
           </a:bodyPr>
           <a:lstStyle/>
           <a:p>
-            <a:pPr indent="0" lvl="0" marL="0" rtl="0" algn="l">
-              <a:spcBef>
-                <a:spcPts val="0"/>
-              </a:spcBef>
-              <a:spcAft>
-                <a:spcPts val="0"/>
-              </a:spcAft>
-              <a:buNone/>
-            </a:pPr>
-            <a:r>
-              <a:t/>
-            </a:r>
+            <a:pPr marL="0" lvl="0" indent="0" algn="l" rtl="0">
+              <a:spcBef>
+                <a:spcPts val="0"/>
+              </a:spcBef>
+              <a:spcAft>
+                <a:spcPts val="0"/>
+              </a:spcAft>
+              <a:buNone/>
+            </a:pPr>
             <a:endParaRPr/>
           </a:p>
         </p:txBody>
@@ -1628,11 +1691,11 @@
 </file>
 
 <file path=ppt/notesSlides/notesSlide18.xml><?xml version="1.0" encoding="utf-8"?>
-<p:notes xmlns:a="http://schemas.openxmlformats.org/drawingml/2006/main" xmlns:r="http://schemas.openxmlformats.org/officeDocument/2006/relationships" xmlns:mc="http://schemas.openxmlformats.org/markup-compatibility/2006" xmlns:mv="urn:schemas-microsoft-com:mac:vml" xmlns:p="http://schemas.openxmlformats.org/presentationml/2006/main" xmlns:c="http://schemas.openxmlformats.org/drawingml/2006/chart" xmlns:dgm="http://schemas.openxmlformats.org/drawingml/2006/diagram" xmlns:o="urn:schemas-microsoft-com:office:office" xmlns:v="urn:schemas-microsoft-com:vml" xmlns:pvml="urn:schemas-microsoft-com:office:powerpoint" xmlns:com="http://schemas.openxmlformats.org/drawingml/2006/compatibility" xmlns:p14="http://schemas.microsoft.com/office/powerpoint/2010/main" xmlns:p15="http://schemas.microsoft.com/office/powerpoint/2012/main" xmlns:ahyp="http://schemas.microsoft.com/office/drawing/2018/hyperlinkcolor" showMasterPhAnim="0" showMasterSp="0">
+<p:notes xmlns:a="http://schemas.openxmlformats.org/drawingml/2006/main" xmlns:r="http://schemas.openxmlformats.org/officeDocument/2006/relationships" xmlns:p="http://schemas.openxmlformats.org/presentationml/2006/main" showMasterSp="0" showMasterPhAnim="0">
   <p:cSld>
     <p:spTree>
       <p:nvGrpSpPr>
-        <p:cNvPr id="183" name="Shape 183"/>
+        <p:cNvPr id="1" name="Shape 183"/>
         <p:cNvGrpSpPr/>
         <p:nvPr/>
       </p:nvGrpSpPr>
@@ -1647,9 +1710,11 @@
       <p:sp>
         <p:nvSpPr>
           <p:cNvPr id="184" name="Google Shape;184;gd99e2e21d2_0_345:notes"/>
-          <p:cNvSpPr/>
+          <p:cNvSpPr>
+            <a:spLocks noGrp="1" noRot="1" noChangeAspect="1"/>
+          </p:cNvSpPr>
           <p:nvPr>
-            <p:ph idx="2" type="sldImg"/>
+            <p:ph type="sldImg" idx="2"/>
           </p:nvPr>
         </p:nvSpPr>
         <p:spPr>
@@ -1658,9 +1723,13 @@
             <a:ext cx="6096000" cy="3429000"/>
           </a:xfrm>
           <a:custGeom>
-            <a:rect b="b" l="l" r="r" t="t"/>
+            <a:avLst/>
+            <a:gdLst/>
+            <a:ahLst/>
+            <a:cxnLst/>
+            <a:rect l="l" t="t" r="r" b="b"/>
             <a:pathLst>
-              <a:path extrusionOk="0" h="120000" w="120000">
+              <a:path w="120000" h="120000" extrusionOk="0">
                 <a:moveTo>
                   <a:pt x="0" y="0"/>
                 </a:moveTo>
@@ -1682,9 +1751,11 @@
       <p:sp>
         <p:nvSpPr>
           <p:cNvPr id="185" name="Google Shape;185;gd99e2e21d2_0_345:notes"/>
-          <p:cNvSpPr txBox="1"/>
+          <p:cNvSpPr txBox="1">
+            <a:spLocks noGrp="1"/>
+          </p:cNvSpPr>
           <p:nvPr>
-            <p:ph idx="1" type="body"/>
+            <p:ph type="body" idx="1"/>
           </p:nvPr>
         </p:nvSpPr>
         <p:spPr>
@@ -1697,23 +1768,20 @@
           </a:prstGeom>
         </p:spPr>
         <p:txBody>
-          <a:bodyPr anchorCtr="0" anchor="t" bIns="91425" lIns="91425" spcFirstLastPara="1" rIns="91425" wrap="square" tIns="91425">
+          <a:bodyPr spcFirstLastPara="1" wrap="square" lIns="91425" tIns="91425" rIns="91425" bIns="91425" anchor="t" anchorCtr="0">
             <a:noAutofit/>
           </a:bodyPr>
           <a:lstStyle/>
           <a:p>
-            <a:pPr indent="0" lvl="0" marL="0" rtl="0" algn="l">
-              <a:spcBef>
-                <a:spcPts val="0"/>
-              </a:spcBef>
-              <a:spcAft>
-                <a:spcPts val="0"/>
-              </a:spcAft>
-              <a:buNone/>
-            </a:pPr>
-            <a:r>
-              <a:t/>
-            </a:r>
+            <a:pPr marL="0" lvl="0" indent="0" algn="l" rtl="0">
+              <a:spcBef>
+                <a:spcPts val="0"/>
+              </a:spcBef>
+              <a:spcAft>
+                <a:spcPts val="0"/>
+              </a:spcAft>
+              <a:buNone/>
+            </a:pPr>
             <a:endParaRPr/>
           </a:p>
         </p:txBody>
@@ -1727,11 +1795,11 @@
 </file>
 
 <file path=ppt/notesSlides/notesSlide2.xml><?xml version="1.0" encoding="utf-8"?>
-<p:notes xmlns:a="http://schemas.openxmlformats.org/drawingml/2006/main" xmlns:r="http://schemas.openxmlformats.org/officeDocument/2006/relationships" xmlns:mc="http://schemas.openxmlformats.org/markup-compatibility/2006" xmlns:mv="urn:schemas-microsoft-com:mac:vml" xmlns:p="http://schemas.openxmlformats.org/presentationml/2006/main" xmlns:c="http://schemas.openxmlformats.org/drawingml/2006/chart" xmlns:dgm="http://schemas.openxmlformats.org/drawingml/2006/diagram" xmlns:o="urn:schemas-microsoft-com:office:office" xmlns:v="urn:schemas-microsoft-com:vml" xmlns:pvml="urn:schemas-microsoft-com:office:powerpoint" xmlns:com="http://schemas.openxmlformats.org/drawingml/2006/compatibility" xmlns:p14="http://schemas.microsoft.com/office/powerpoint/2010/main" xmlns:p15="http://schemas.microsoft.com/office/powerpoint/2012/main" xmlns:ahyp="http://schemas.microsoft.com/office/drawing/2018/hyperlinkcolor" showMasterPhAnim="0" showMasterSp="0">
+<p:notes xmlns:a="http://schemas.openxmlformats.org/drawingml/2006/main" xmlns:r="http://schemas.openxmlformats.org/officeDocument/2006/relationships" xmlns:p="http://schemas.openxmlformats.org/presentationml/2006/main" showMasterSp="0" showMasterPhAnim="0">
   <p:cSld>
     <p:spTree>
       <p:nvGrpSpPr>
-        <p:cNvPr id="67" name="Shape 67"/>
+        <p:cNvPr id="1" name="Shape 67"/>
         <p:cNvGrpSpPr/>
         <p:nvPr/>
       </p:nvGrpSpPr>
@@ -1746,20 +1814,26 @@
       <p:sp>
         <p:nvSpPr>
           <p:cNvPr id="68" name="Google Shape;68;gd99e2e21d2_0_62:notes"/>
-          <p:cNvSpPr/>
+          <p:cNvSpPr>
+            <a:spLocks noGrp="1" noRot="1" noChangeAspect="1"/>
+          </p:cNvSpPr>
           <p:nvPr>
-            <p:ph idx="2" type="sldImg"/>
+            <p:ph type="sldImg" idx="2"/>
           </p:nvPr>
         </p:nvSpPr>
         <p:spPr>
           <a:xfrm>
-            <a:off x="381300" y="685800"/>
+            <a:off x="381000" y="685800"/>
             <a:ext cx="6096000" cy="3429000"/>
           </a:xfrm>
           <a:custGeom>
-            <a:rect b="b" l="l" r="r" t="t"/>
+            <a:avLst/>
+            <a:gdLst/>
+            <a:ahLst/>
+            <a:cxnLst/>
+            <a:rect l="l" t="t" r="r" b="b"/>
             <a:pathLst>
-              <a:path extrusionOk="0" h="120000" w="120000">
+              <a:path w="120000" h="120000" extrusionOk="0">
                 <a:moveTo>
                   <a:pt x="0" y="0"/>
                 </a:moveTo>
@@ -1781,9 +1855,11 @@
       <p:sp>
         <p:nvSpPr>
           <p:cNvPr id="69" name="Google Shape;69;gd99e2e21d2_0_62:notes"/>
-          <p:cNvSpPr txBox="1"/>
+          <p:cNvSpPr txBox="1">
+            <a:spLocks noGrp="1"/>
+          </p:cNvSpPr>
           <p:nvPr>
-            <p:ph idx="1" type="body"/>
+            <p:ph type="body" idx="1"/>
           </p:nvPr>
         </p:nvSpPr>
         <p:spPr>
@@ -1796,23 +1872,20 @@
           </a:prstGeom>
         </p:spPr>
         <p:txBody>
-          <a:bodyPr anchorCtr="0" anchor="t" bIns="91425" lIns="91425" spcFirstLastPara="1" rIns="91425" wrap="square" tIns="91425">
+          <a:bodyPr spcFirstLastPara="1" wrap="square" lIns="91425" tIns="91425" rIns="91425" bIns="91425" anchor="t" anchorCtr="0">
             <a:noAutofit/>
           </a:bodyPr>
           <a:lstStyle/>
           <a:p>
-            <a:pPr indent="0" lvl="0" marL="0" rtl="0" algn="l">
-              <a:spcBef>
-                <a:spcPts val="0"/>
-              </a:spcBef>
-              <a:spcAft>
-                <a:spcPts val="0"/>
-              </a:spcAft>
-              <a:buNone/>
-            </a:pPr>
-            <a:r>
-              <a:t/>
-            </a:r>
+            <a:pPr marL="0" lvl="0" indent="0" algn="l" rtl="0">
+              <a:spcBef>
+                <a:spcPts val="0"/>
+              </a:spcBef>
+              <a:spcAft>
+                <a:spcPts val="0"/>
+              </a:spcAft>
+              <a:buNone/>
+            </a:pPr>
             <a:endParaRPr/>
           </a:p>
         </p:txBody>
@@ -1826,11 +1899,11 @@
 </file>
 
 <file path=ppt/notesSlides/notesSlide3.xml><?xml version="1.0" encoding="utf-8"?>
-<p:notes xmlns:a="http://schemas.openxmlformats.org/drawingml/2006/main" xmlns:r="http://schemas.openxmlformats.org/officeDocument/2006/relationships" xmlns:mc="http://schemas.openxmlformats.org/markup-compatibility/2006" xmlns:mv="urn:schemas-microsoft-com:mac:vml" xmlns:p="http://schemas.openxmlformats.org/presentationml/2006/main" xmlns:c="http://schemas.openxmlformats.org/drawingml/2006/chart" xmlns:dgm="http://schemas.openxmlformats.org/drawingml/2006/diagram" xmlns:o="urn:schemas-microsoft-com:office:office" xmlns:v="urn:schemas-microsoft-com:vml" xmlns:pvml="urn:schemas-microsoft-com:office:powerpoint" xmlns:com="http://schemas.openxmlformats.org/drawingml/2006/compatibility" xmlns:p14="http://schemas.microsoft.com/office/powerpoint/2010/main" xmlns:p15="http://schemas.microsoft.com/office/powerpoint/2012/main" xmlns:ahyp="http://schemas.microsoft.com/office/drawing/2018/hyperlinkcolor" showMasterPhAnim="0" showMasterSp="0">
+<p:notes xmlns:a="http://schemas.openxmlformats.org/drawingml/2006/main" xmlns:r="http://schemas.openxmlformats.org/officeDocument/2006/relationships" xmlns:p="http://schemas.openxmlformats.org/presentationml/2006/main" showMasterSp="0" showMasterPhAnim="0">
   <p:cSld>
     <p:spTree>
       <p:nvGrpSpPr>
-        <p:cNvPr id="74" name="Shape 74"/>
+        <p:cNvPr id="1" name="Shape 74"/>
         <p:cNvGrpSpPr/>
         <p:nvPr/>
       </p:nvGrpSpPr>
@@ -1845,9 +1918,11 @@
       <p:sp>
         <p:nvSpPr>
           <p:cNvPr id="75" name="Google Shape;75;gd99e2e21d2_0_68:notes"/>
-          <p:cNvSpPr/>
+          <p:cNvSpPr>
+            <a:spLocks noGrp="1" noRot="1" noChangeAspect="1"/>
+          </p:cNvSpPr>
           <p:nvPr>
-            <p:ph idx="2" type="sldImg"/>
+            <p:ph type="sldImg" idx="2"/>
           </p:nvPr>
         </p:nvSpPr>
         <p:spPr>
@@ -1856,9 +1931,13 @@
             <a:ext cx="6096000" cy="3429000"/>
           </a:xfrm>
           <a:custGeom>
-            <a:rect b="b" l="l" r="r" t="t"/>
+            <a:avLst/>
+            <a:gdLst/>
+            <a:ahLst/>
+            <a:cxnLst/>
+            <a:rect l="l" t="t" r="r" b="b"/>
             <a:pathLst>
-              <a:path extrusionOk="0" h="120000" w="120000">
+              <a:path w="120000" h="120000" extrusionOk="0">
                 <a:moveTo>
                   <a:pt x="0" y="0"/>
                 </a:moveTo>
@@ -1880,9 +1959,11 @@
       <p:sp>
         <p:nvSpPr>
           <p:cNvPr id="76" name="Google Shape;76;gd99e2e21d2_0_68:notes"/>
-          <p:cNvSpPr txBox="1"/>
+          <p:cNvSpPr txBox="1">
+            <a:spLocks noGrp="1"/>
+          </p:cNvSpPr>
           <p:nvPr>
-            <p:ph idx="1" type="body"/>
+            <p:ph type="body" idx="1"/>
           </p:nvPr>
         </p:nvSpPr>
         <p:spPr>
@@ -1895,23 +1976,20 @@
           </a:prstGeom>
         </p:spPr>
         <p:txBody>
-          <a:bodyPr anchorCtr="0" anchor="t" bIns="91425" lIns="91425" spcFirstLastPara="1" rIns="91425" wrap="square" tIns="91425">
+          <a:bodyPr spcFirstLastPara="1" wrap="square" lIns="91425" tIns="91425" rIns="91425" bIns="91425" anchor="t" anchorCtr="0">
             <a:noAutofit/>
           </a:bodyPr>
           <a:lstStyle/>
           <a:p>
-            <a:pPr indent="0" lvl="0" marL="0" rtl="0" algn="l">
-              <a:spcBef>
-                <a:spcPts val="0"/>
-              </a:spcBef>
-              <a:spcAft>
-                <a:spcPts val="0"/>
-              </a:spcAft>
-              <a:buNone/>
-            </a:pPr>
-            <a:r>
-              <a:t/>
-            </a:r>
+            <a:pPr marL="0" lvl="0" indent="0" algn="l" rtl="0">
+              <a:spcBef>
+                <a:spcPts val="0"/>
+              </a:spcBef>
+              <a:spcAft>
+                <a:spcPts val="0"/>
+              </a:spcAft>
+              <a:buNone/>
+            </a:pPr>
             <a:endParaRPr/>
           </a:p>
         </p:txBody>
@@ -1925,11 +2003,11 @@
 </file>
 
 <file path=ppt/notesSlides/notesSlide4.xml><?xml version="1.0" encoding="utf-8"?>
-<p:notes xmlns:a="http://schemas.openxmlformats.org/drawingml/2006/main" xmlns:r="http://schemas.openxmlformats.org/officeDocument/2006/relationships" xmlns:mc="http://schemas.openxmlformats.org/markup-compatibility/2006" xmlns:mv="urn:schemas-microsoft-com:mac:vml" xmlns:p="http://schemas.openxmlformats.org/presentationml/2006/main" xmlns:c="http://schemas.openxmlformats.org/drawingml/2006/chart" xmlns:dgm="http://schemas.openxmlformats.org/drawingml/2006/diagram" xmlns:o="urn:schemas-microsoft-com:office:office" xmlns:v="urn:schemas-microsoft-com:vml" xmlns:pvml="urn:schemas-microsoft-com:office:powerpoint" xmlns:com="http://schemas.openxmlformats.org/drawingml/2006/compatibility" xmlns:p14="http://schemas.microsoft.com/office/powerpoint/2010/main" xmlns:p15="http://schemas.microsoft.com/office/powerpoint/2012/main" xmlns:ahyp="http://schemas.microsoft.com/office/drawing/2018/hyperlinkcolor" showMasterPhAnim="0" showMasterSp="0">
+<p:notes xmlns:a="http://schemas.openxmlformats.org/drawingml/2006/main" xmlns:r="http://schemas.openxmlformats.org/officeDocument/2006/relationships" xmlns:p="http://schemas.openxmlformats.org/presentationml/2006/main" showMasterSp="0" showMasterPhAnim="0">
   <p:cSld>
     <p:spTree>
       <p:nvGrpSpPr>
-        <p:cNvPr id="81" name="Shape 81"/>
+        <p:cNvPr id="1" name="Shape 81"/>
         <p:cNvGrpSpPr/>
         <p:nvPr/>
       </p:nvGrpSpPr>
@@ -1944,9 +2022,11 @@
       <p:sp>
         <p:nvSpPr>
           <p:cNvPr id="82" name="Google Shape;82;gd99e2e21d2_0_93:notes"/>
-          <p:cNvSpPr/>
+          <p:cNvSpPr>
+            <a:spLocks noGrp="1" noRot="1" noChangeAspect="1"/>
+          </p:cNvSpPr>
           <p:nvPr>
-            <p:ph idx="2" type="sldImg"/>
+            <p:ph type="sldImg" idx="2"/>
           </p:nvPr>
         </p:nvSpPr>
         <p:spPr>
@@ -1955,9 +2035,13 @@
             <a:ext cx="6096000" cy="3429000"/>
           </a:xfrm>
           <a:custGeom>
-            <a:rect b="b" l="l" r="r" t="t"/>
+            <a:avLst/>
+            <a:gdLst/>
+            <a:ahLst/>
+            <a:cxnLst/>
+            <a:rect l="l" t="t" r="r" b="b"/>
             <a:pathLst>
-              <a:path extrusionOk="0" h="120000" w="120000">
+              <a:path w="120000" h="120000" extrusionOk="0">
                 <a:moveTo>
                   <a:pt x="0" y="0"/>
                 </a:moveTo>
@@ -1979,9 +2063,11 @@
       <p:sp>
         <p:nvSpPr>
           <p:cNvPr id="83" name="Google Shape;83;gd99e2e21d2_0_93:notes"/>
-          <p:cNvSpPr txBox="1"/>
+          <p:cNvSpPr txBox="1">
+            <a:spLocks noGrp="1"/>
+          </p:cNvSpPr>
           <p:nvPr>
-            <p:ph idx="1" type="body"/>
+            <p:ph type="body" idx="1"/>
           </p:nvPr>
         </p:nvSpPr>
         <p:spPr>
@@ -1994,23 +2080,20 @@
           </a:prstGeom>
         </p:spPr>
         <p:txBody>
-          <a:bodyPr anchorCtr="0" anchor="t" bIns="91425" lIns="91425" spcFirstLastPara="1" rIns="91425" wrap="square" tIns="91425">
+          <a:bodyPr spcFirstLastPara="1" wrap="square" lIns="91425" tIns="91425" rIns="91425" bIns="91425" anchor="t" anchorCtr="0">
             <a:noAutofit/>
           </a:bodyPr>
           <a:lstStyle/>
           <a:p>
-            <a:pPr indent="0" lvl="0" marL="0" rtl="0" algn="l">
-              <a:spcBef>
-                <a:spcPts val="0"/>
-              </a:spcBef>
-              <a:spcAft>
-                <a:spcPts val="0"/>
-              </a:spcAft>
-              <a:buNone/>
-            </a:pPr>
-            <a:r>
-              <a:t/>
-            </a:r>
+            <a:pPr marL="0" lvl="0" indent="0" algn="l" rtl="0">
+              <a:spcBef>
+                <a:spcPts val="0"/>
+              </a:spcBef>
+              <a:spcAft>
+                <a:spcPts val="0"/>
+              </a:spcAft>
+              <a:buNone/>
+            </a:pPr>
             <a:endParaRPr/>
           </a:p>
         </p:txBody>
@@ -2024,11 +2107,11 @@
 </file>
 
 <file path=ppt/notesSlides/notesSlide5.xml><?xml version="1.0" encoding="utf-8"?>
-<p:notes xmlns:a="http://schemas.openxmlformats.org/drawingml/2006/main" xmlns:r="http://schemas.openxmlformats.org/officeDocument/2006/relationships" xmlns:mc="http://schemas.openxmlformats.org/markup-compatibility/2006" xmlns:mv="urn:schemas-microsoft-com:mac:vml" xmlns:p="http://schemas.openxmlformats.org/presentationml/2006/main" xmlns:c="http://schemas.openxmlformats.org/drawingml/2006/chart" xmlns:dgm="http://schemas.openxmlformats.org/drawingml/2006/diagram" xmlns:o="urn:schemas-microsoft-com:office:office" xmlns:v="urn:schemas-microsoft-com:vml" xmlns:pvml="urn:schemas-microsoft-com:office:powerpoint" xmlns:com="http://schemas.openxmlformats.org/drawingml/2006/compatibility" xmlns:p14="http://schemas.microsoft.com/office/powerpoint/2010/main" xmlns:p15="http://schemas.microsoft.com/office/powerpoint/2012/main" xmlns:ahyp="http://schemas.microsoft.com/office/drawing/2018/hyperlinkcolor" showMasterPhAnim="0" showMasterSp="0">
+<p:notes xmlns:a="http://schemas.openxmlformats.org/drawingml/2006/main" xmlns:r="http://schemas.openxmlformats.org/officeDocument/2006/relationships" xmlns:p="http://schemas.openxmlformats.org/presentationml/2006/main" showMasterSp="0" showMasterPhAnim="0">
   <p:cSld>
     <p:spTree>
       <p:nvGrpSpPr>
-        <p:cNvPr id="87" name="Shape 87"/>
+        <p:cNvPr id="1" name="Shape 87"/>
         <p:cNvGrpSpPr/>
         <p:nvPr/>
       </p:nvGrpSpPr>
@@ -2043,9 +2126,11 @@
       <p:sp>
         <p:nvSpPr>
           <p:cNvPr id="88" name="Google Shape;88;gd99e2e21d2_0_81:notes"/>
-          <p:cNvSpPr/>
+          <p:cNvSpPr>
+            <a:spLocks noGrp="1" noRot="1" noChangeAspect="1"/>
+          </p:cNvSpPr>
           <p:nvPr>
-            <p:ph idx="2" type="sldImg"/>
+            <p:ph type="sldImg" idx="2"/>
           </p:nvPr>
         </p:nvSpPr>
         <p:spPr>
@@ -2054,9 +2139,13 @@
             <a:ext cx="6096000" cy="3429000"/>
           </a:xfrm>
           <a:custGeom>
-            <a:rect b="b" l="l" r="r" t="t"/>
+            <a:avLst/>
+            <a:gdLst/>
+            <a:ahLst/>
+            <a:cxnLst/>
+            <a:rect l="l" t="t" r="r" b="b"/>
             <a:pathLst>
-              <a:path extrusionOk="0" h="120000" w="120000">
+              <a:path w="120000" h="120000" extrusionOk="0">
                 <a:moveTo>
                   <a:pt x="0" y="0"/>
                 </a:moveTo>
@@ -2078,9 +2167,11 @@
       <p:sp>
         <p:nvSpPr>
           <p:cNvPr id="89" name="Google Shape;89;gd99e2e21d2_0_81:notes"/>
-          <p:cNvSpPr txBox="1"/>
+          <p:cNvSpPr txBox="1">
+            <a:spLocks noGrp="1"/>
+          </p:cNvSpPr>
           <p:nvPr>
-            <p:ph idx="1" type="body"/>
+            <p:ph type="body" idx="1"/>
           </p:nvPr>
         </p:nvSpPr>
         <p:spPr>
@@ -2093,23 +2184,20 @@
           </a:prstGeom>
         </p:spPr>
         <p:txBody>
-          <a:bodyPr anchorCtr="0" anchor="t" bIns="91425" lIns="91425" spcFirstLastPara="1" rIns="91425" wrap="square" tIns="91425">
+          <a:bodyPr spcFirstLastPara="1" wrap="square" lIns="91425" tIns="91425" rIns="91425" bIns="91425" anchor="t" anchorCtr="0">
             <a:noAutofit/>
           </a:bodyPr>
           <a:lstStyle/>
           <a:p>
-            <a:pPr indent="0" lvl="0" marL="0" rtl="0" algn="l">
-              <a:spcBef>
-                <a:spcPts val="0"/>
-              </a:spcBef>
-              <a:spcAft>
-                <a:spcPts val="0"/>
-              </a:spcAft>
-              <a:buNone/>
-            </a:pPr>
-            <a:r>
-              <a:t/>
-            </a:r>
+            <a:pPr marL="0" lvl="0" indent="0" algn="l" rtl="0">
+              <a:spcBef>
+                <a:spcPts val="0"/>
+              </a:spcBef>
+              <a:spcAft>
+                <a:spcPts val="0"/>
+              </a:spcAft>
+              <a:buNone/>
+            </a:pPr>
             <a:endParaRPr/>
           </a:p>
         </p:txBody>
@@ -2123,11 +2211,11 @@
 </file>
 
 <file path=ppt/notesSlides/notesSlide6.xml><?xml version="1.0" encoding="utf-8"?>
-<p:notes xmlns:a="http://schemas.openxmlformats.org/drawingml/2006/main" xmlns:r="http://schemas.openxmlformats.org/officeDocument/2006/relationships" xmlns:mc="http://schemas.openxmlformats.org/markup-compatibility/2006" xmlns:mv="urn:schemas-microsoft-com:mac:vml" xmlns:p="http://schemas.openxmlformats.org/presentationml/2006/main" xmlns:c="http://schemas.openxmlformats.org/drawingml/2006/chart" xmlns:dgm="http://schemas.openxmlformats.org/drawingml/2006/diagram" xmlns:o="urn:schemas-microsoft-com:office:office" xmlns:v="urn:schemas-microsoft-com:vml" xmlns:pvml="urn:schemas-microsoft-com:office:powerpoint" xmlns:com="http://schemas.openxmlformats.org/drawingml/2006/compatibility" xmlns:p14="http://schemas.microsoft.com/office/powerpoint/2010/main" xmlns:p15="http://schemas.microsoft.com/office/powerpoint/2012/main" xmlns:ahyp="http://schemas.microsoft.com/office/drawing/2018/hyperlinkcolor" showMasterPhAnim="0" showMasterSp="0">
+<p:notes xmlns:a="http://schemas.openxmlformats.org/drawingml/2006/main" xmlns:r="http://schemas.openxmlformats.org/officeDocument/2006/relationships" xmlns:p="http://schemas.openxmlformats.org/presentationml/2006/main" showMasterSp="0" showMasterPhAnim="0">
   <p:cSld>
     <p:spTree>
       <p:nvGrpSpPr>
-        <p:cNvPr id="94" name="Shape 94"/>
+        <p:cNvPr id="1" name="Shape 94"/>
         <p:cNvGrpSpPr/>
         <p:nvPr/>
       </p:nvGrpSpPr>
@@ -2142,9 +2230,11 @@
       <p:sp>
         <p:nvSpPr>
           <p:cNvPr id="95" name="Google Shape;95;gd99e2e21d2_0_125:notes"/>
-          <p:cNvSpPr/>
+          <p:cNvSpPr>
+            <a:spLocks noGrp="1" noRot="1" noChangeAspect="1"/>
+          </p:cNvSpPr>
           <p:nvPr>
-            <p:ph idx="2" type="sldImg"/>
+            <p:ph type="sldImg" idx="2"/>
           </p:nvPr>
         </p:nvSpPr>
         <p:spPr>
@@ -2153,9 +2243,13 @@
             <a:ext cx="6096000" cy="3429000"/>
           </a:xfrm>
           <a:custGeom>
-            <a:rect b="b" l="l" r="r" t="t"/>
+            <a:avLst/>
+            <a:gdLst/>
+            <a:ahLst/>
+            <a:cxnLst/>
+            <a:rect l="l" t="t" r="r" b="b"/>
             <a:pathLst>
-              <a:path extrusionOk="0" h="120000" w="120000">
+              <a:path w="120000" h="120000" extrusionOk="0">
                 <a:moveTo>
                   <a:pt x="0" y="0"/>
                 </a:moveTo>
@@ -2177,9 +2271,11 @@
       <p:sp>
         <p:nvSpPr>
           <p:cNvPr id="96" name="Google Shape;96;gd99e2e21d2_0_125:notes"/>
-          <p:cNvSpPr txBox="1"/>
+          <p:cNvSpPr txBox="1">
+            <a:spLocks noGrp="1"/>
+          </p:cNvSpPr>
           <p:nvPr>
-            <p:ph idx="1" type="body"/>
+            <p:ph type="body" idx="1"/>
           </p:nvPr>
         </p:nvSpPr>
         <p:spPr>
@@ -2192,23 +2288,20 @@
           </a:prstGeom>
         </p:spPr>
         <p:txBody>
-          <a:bodyPr anchorCtr="0" anchor="t" bIns="91425" lIns="91425" spcFirstLastPara="1" rIns="91425" wrap="square" tIns="91425">
+          <a:bodyPr spcFirstLastPara="1" wrap="square" lIns="91425" tIns="91425" rIns="91425" bIns="91425" anchor="t" anchorCtr="0">
             <a:noAutofit/>
           </a:bodyPr>
           <a:lstStyle/>
           <a:p>
-            <a:pPr indent="0" lvl="0" marL="0" rtl="0" algn="l">
-              <a:spcBef>
-                <a:spcPts val="0"/>
-              </a:spcBef>
-              <a:spcAft>
-                <a:spcPts val="0"/>
-              </a:spcAft>
-              <a:buNone/>
-            </a:pPr>
-            <a:r>
-              <a:t/>
-            </a:r>
+            <a:pPr marL="0" lvl="0" indent="0" algn="l" rtl="0">
+              <a:spcBef>
+                <a:spcPts val="0"/>
+              </a:spcBef>
+              <a:spcAft>
+                <a:spcPts val="0"/>
+              </a:spcAft>
+              <a:buNone/>
+            </a:pPr>
             <a:endParaRPr/>
           </a:p>
         </p:txBody>
@@ -2222,11 +2315,11 @@
 </file>
 
 <file path=ppt/notesSlides/notesSlide7.xml><?xml version="1.0" encoding="utf-8"?>
-<p:notes xmlns:a="http://schemas.openxmlformats.org/drawingml/2006/main" xmlns:r="http://schemas.openxmlformats.org/officeDocument/2006/relationships" xmlns:mc="http://schemas.openxmlformats.org/markup-compatibility/2006" xmlns:mv="urn:schemas-microsoft-com:mac:vml" xmlns:p="http://schemas.openxmlformats.org/presentationml/2006/main" xmlns:c="http://schemas.openxmlformats.org/drawingml/2006/chart" xmlns:dgm="http://schemas.openxmlformats.org/drawingml/2006/diagram" xmlns:o="urn:schemas-microsoft-com:office:office" xmlns:v="urn:schemas-microsoft-com:vml" xmlns:pvml="urn:schemas-microsoft-com:office:powerpoint" xmlns:com="http://schemas.openxmlformats.org/drawingml/2006/compatibility" xmlns:p14="http://schemas.microsoft.com/office/powerpoint/2010/main" xmlns:p15="http://schemas.microsoft.com/office/powerpoint/2012/main" xmlns:ahyp="http://schemas.microsoft.com/office/drawing/2018/hyperlinkcolor" showMasterPhAnim="0" showMasterSp="0">
+<p:notes xmlns:a="http://schemas.openxmlformats.org/drawingml/2006/main" xmlns:r="http://schemas.openxmlformats.org/officeDocument/2006/relationships" xmlns:p="http://schemas.openxmlformats.org/presentationml/2006/main" showMasterSp="0" showMasterPhAnim="0">
   <p:cSld>
     <p:spTree>
       <p:nvGrpSpPr>
-        <p:cNvPr id="101" name="Shape 101"/>
+        <p:cNvPr id="1" name="Shape 101"/>
         <p:cNvGrpSpPr/>
         <p:nvPr/>
       </p:nvGrpSpPr>
@@ -2241,9 +2334,11 @@
       <p:sp>
         <p:nvSpPr>
           <p:cNvPr id="102" name="Google Shape;102;gd99e2e21d2_0_141:notes"/>
-          <p:cNvSpPr/>
+          <p:cNvSpPr>
+            <a:spLocks noGrp="1" noRot="1" noChangeAspect="1"/>
+          </p:cNvSpPr>
           <p:nvPr>
-            <p:ph idx="2" type="sldImg"/>
+            <p:ph type="sldImg" idx="2"/>
           </p:nvPr>
         </p:nvSpPr>
         <p:spPr>
@@ -2252,9 +2347,13 @@
             <a:ext cx="6096000" cy="3429000"/>
           </a:xfrm>
           <a:custGeom>
-            <a:rect b="b" l="l" r="r" t="t"/>
+            <a:avLst/>
+            <a:gdLst/>
+            <a:ahLst/>
+            <a:cxnLst/>
+            <a:rect l="l" t="t" r="r" b="b"/>
             <a:pathLst>
-              <a:path extrusionOk="0" h="120000" w="120000">
+              <a:path w="120000" h="120000" extrusionOk="0">
                 <a:moveTo>
                   <a:pt x="0" y="0"/>
                 </a:moveTo>
@@ -2276,9 +2375,11 @@
       <p:sp>
         <p:nvSpPr>
           <p:cNvPr id="103" name="Google Shape;103;gd99e2e21d2_0_141:notes"/>
-          <p:cNvSpPr txBox="1"/>
+          <p:cNvSpPr txBox="1">
+            <a:spLocks noGrp="1"/>
+          </p:cNvSpPr>
           <p:nvPr>
-            <p:ph idx="1" type="body"/>
+            <p:ph type="body" idx="1"/>
           </p:nvPr>
         </p:nvSpPr>
         <p:spPr>
@@ -2291,23 +2392,20 @@
           </a:prstGeom>
         </p:spPr>
         <p:txBody>
-          <a:bodyPr anchorCtr="0" anchor="t" bIns="91425" lIns="91425" spcFirstLastPara="1" rIns="91425" wrap="square" tIns="91425">
+          <a:bodyPr spcFirstLastPara="1" wrap="square" lIns="91425" tIns="91425" rIns="91425" bIns="91425" anchor="t" anchorCtr="0">
             <a:noAutofit/>
           </a:bodyPr>
           <a:lstStyle/>
           <a:p>
-            <a:pPr indent="0" lvl="0" marL="0" rtl="0" algn="l">
-              <a:spcBef>
-                <a:spcPts val="0"/>
-              </a:spcBef>
-              <a:spcAft>
-                <a:spcPts val="0"/>
-              </a:spcAft>
-              <a:buNone/>
-            </a:pPr>
-            <a:r>
-              <a:t/>
-            </a:r>
+            <a:pPr marL="0" lvl="0" indent="0" algn="l" rtl="0">
+              <a:spcBef>
+                <a:spcPts val="0"/>
+              </a:spcBef>
+              <a:spcAft>
+                <a:spcPts val="0"/>
+              </a:spcAft>
+              <a:buNone/>
+            </a:pPr>
             <a:endParaRPr/>
           </a:p>
         </p:txBody>
@@ -2321,11 +2419,11 @@
 </file>
 
 <file path=ppt/notesSlides/notesSlide8.xml><?xml version="1.0" encoding="utf-8"?>
-<p:notes xmlns:a="http://schemas.openxmlformats.org/drawingml/2006/main" xmlns:r="http://schemas.openxmlformats.org/officeDocument/2006/relationships" xmlns:mc="http://schemas.openxmlformats.org/markup-compatibility/2006" xmlns:mv="urn:schemas-microsoft-com:mac:vml" xmlns:p="http://schemas.openxmlformats.org/presentationml/2006/main" xmlns:c="http://schemas.openxmlformats.org/drawingml/2006/chart" xmlns:dgm="http://schemas.openxmlformats.org/drawingml/2006/diagram" xmlns:o="urn:schemas-microsoft-com:office:office" xmlns:v="urn:schemas-microsoft-com:vml" xmlns:pvml="urn:schemas-microsoft-com:office:powerpoint" xmlns:com="http://schemas.openxmlformats.org/drawingml/2006/compatibility" xmlns:p14="http://schemas.microsoft.com/office/powerpoint/2010/main" xmlns:p15="http://schemas.microsoft.com/office/powerpoint/2012/main" xmlns:ahyp="http://schemas.microsoft.com/office/drawing/2018/hyperlinkcolor" showMasterPhAnim="0" showMasterSp="0">
+<p:notes xmlns:a="http://schemas.openxmlformats.org/drawingml/2006/main" xmlns:r="http://schemas.openxmlformats.org/officeDocument/2006/relationships" xmlns:p="http://schemas.openxmlformats.org/presentationml/2006/main" showMasterSp="0" showMasterPhAnim="0">
   <p:cSld>
     <p:spTree>
       <p:nvGrpSpPr>
-        <p:cNvPr id="107" name="Shape 107"/>
+        <p:cNvPr id="1" name="Shape 107"/>
         <p:cNvGrpSpPr/>
         <p:nvPr/>
       </p:nvGrpSpPr>
@@ -2340,9 +2438,11 @@
       <p:sp>
         <p:nvSpPr>
           <p:cNvPr id="108" name="Google Shape;108;gd99e2e21d2_0_112:notes"/>
-          <p:cNvSpPr/>
+          <p:cNvSpPr>
+            <a:spLocks noGrp="1" noRot="1" noChangeAspect="1"/>
+          </p:cNvSpPr>
           <p:nvPr>
-            <p:ph idx="2" type="sldImg"/>
+            <p:ph type="sldImg" idx="2"/>
           </p:nvPr>
         </p:nvSpPr>
         <p:spPr>
@@ -2351,9 +2451,13 @@
             <a:ext cx="6096000" cy="3429000"/>
           </a:xfrm>
           <a:custGeom>
-            <a:rect b="b" l="l" r="r" t="t"/>
+            <a:avLst/>
+            <a:gdLst/>
+            <a:ahLst/>
+            <a:cxnLst/>
+            <a:rect l="l" t="t" r="r" b="b"/>
             <a:pathLst>
-              <a:path extrusionOk="0" h="120000" w="120000">
+              <a:path w="120000" h="120000" extrusionOk="0">
                 <a:moveTo>
                   <a:pt x="0" y="0"/>
                 </a:moveTo>
@@ -2375,9 +2479,11 @@
       <p:sp>
         <p:nvSpPr>
           <p:cNvPr id="109" name="Google Shape;109;gd99e2e21d2_0_112:notes"/>
-          <p:cNvSpPr txBox="1"/>
+          <p:cNvSpPr txBox="1">
+            <a:spLocks noGrp="1"/>
+          </p:cNvSpPr>
           <p:nvPr>
-            <p:ph idx="1" type="body"/>
+            <p:ph type="body" idx="1"/>
           </p:nvPr>
         </p:nvSpPr>
         <p:spPr>
@@ -2390,12 +2496,12 @@
           </a:prstGeom>
         </p:spPr>
         <p:txBody>
-          <a:bodyPr anchorCtr="0" anchor="t" bIns="91425" lIns="91425" spcFirstLastPara="1" rIns="91425" wrap="square" tIns="91425">
+          <a:bodyPr spcFirstLastPara="1" wrap="square" lIns="91425" tIns="91425" rIns="91425" bIns="91425" anchor="t" anchorCtr="0">
             <a:noAutofit/>
           </a:bodyPr>
           <a:lstStyle/>
           <a:p>
-            <a:pPr indent="0" lvl="0" marL="0" rtl="0" algn="l">
+            <a:pPr marL="0" lvl="0" indent="0" algn="l" rtl="0">
               <a:spcBef>
                 <a:spcPts val="0"/>
               </a:spcBef>
@@ -2411,7 +2517,7 @@
             <a:endParaRPr/>
           </a:p>
           <a:p>
-            <a:pPr indent="0" lvl="0" marL="0" rtl="0" algn="l">
+            <a:pPr marL="0" lvl="0" indent="0" algn="l" rtl="0">
               <a:spcBef>
                 <a:spcPts val="0"/>
               </a:spcBef>
@@ -2427,7 +2533,7 @@
             <a:endParaRPr/>
           </a:p>
           <a:p>
-            <a:pPr indent="0" lvl="0" marL="0" rtl="0" algn="l">
+            <a:pPr marL="0" lvl="0" indent="0" algn="l" rtl="0">
               <a:spcBef>
                 <a:spcPts val="0"/>
               </a:spcBef>
@@ -2453,11 +2559,11 @@
 </file>
 
 <file path=ppt/notesSlides/notesSlide9.xml><?xml version="1.0" encoding="utf-8"?>
-<p:notes xmlns:a="http://schemas.openxmlformats.org/drawingml/2006/main" xmlns:r="http://schemas.openxmlformats.org/officeDocument/2006/relationships" xmlns:mc="http://schemas.openxmlformats.org/markup-compatibility/2006" xmlns:mv="urn:schemas-microsoft-com:mac:vml" xmlns:p="http://schemas.openxmlformats.org/presentationml/2006/main" xmlns:c="http://schemas.openxmlformats.org/drawingml/2006/chart" xmlns:dgm="http://schemas.openxmlformats.org/drawingml/2006/diagram" xmlns:o="urn:schemas-microsoft-com:office:office" xmlns:v="urn:schemas-microsoft-com:vml" xmlns:pvml="urn:schemas-microsoft-com:office:powerpoint" xmlns:com="http://schemas.openxmlformats.org/drawingml/2006/compatibility" xmlns:p14="http://schemas.microsoft.com/office/powerpoint/2010/main" xmlns:p15="http://schemas.microsoft.com/office/powerpoint/2012/main" xmlns:ahyp="http://schemas.microsoft.com/office/drawing/2018/hyperlinkcolor" showMasterPhAnim="0" showMasterSp="0">
+<p:notes xmlns:a="http://schemas.openxmlformats.org/drawingml/2006/main" xmlns:r="http://schemas.openxmlformats.org/officeDocument/2006/relationships" xmlns:p="http://schemas.openxmlformats.org/presentationml/2006/main" showMasterSp="0" showMasterPhAnim="0">
   <p:cSld>
     <p:spTree>
       <p:nvGrpSpPr>
-        <p:cNvPr id="114" name="Shape 114"/>
+        <p:cNvPr id="1" name="Shape 114"/>
         <p:cNvGrpSpPr/>
         <p:nvPr/>
       </p:nvGrpSpPr>
@@ -2472,9 +2578,11 @@
       <p:sp>
         <p:nvSpPr>
           <p:cNvPr id="115" name="Google Shape;115;gd99e2e21d2_0_118:notes"/>
-          <p:cNvSpPr/>
+          <p:cNvSpPr>
+            <a:spLocks noGrp="1" noRot="1" noChangeAspect="1"/>
+          </p:cNvSpPr>
           <p:nvPr>
-            <p:ph idx="2" type="sldImg"/>
+            <p:ph type="sldImg" idx="2"/>
           </p:nvPr>
         </p:nvSpPr>
         <p:spPr>
@@ -2483,9 +2591,13 @@
             <a:ext cx="6096000" cy="3429000"/>
           </a:xfrm>
           <a:custGeom>
-            <a:rect b="b" l="l" r="r" t="t"/>
+            <a:avLst/>
+            <a:gdLst/>
+            <a:ahLst/>
+            <a:cxnLst/>
+            <a:rect l="l" t="t" r="r" b="b"/>
             <a:pathLst>
-              <a:path extrusionOk="0" h="120000" w="120000">
+              <a:path w="120000" h="120000" extrusionOk="0">
                 <a:moveTo>
                   <a:pt x="0" y="0"/>
                 </a:moveTo>
@@ -2507,9 +2619,11 @@
       <p:sp>
         <p:nvSpPr>
           <p:cNvPr id="116" name="Google Shape;116;gd99e2e21d2_0_118:notes"/>
-          <p:cNvSpPr txBox="1"/>
+          <p:cNvSpPr txBox="1">
+            <a:spLocks noGrp="1"/>
+          </p:cNvSpPr>
           <p:nvPr>
-            <p:ph idx="1" type="body"/>
+            <p:ph type="body" idx="1"/>
           </p:nvPr>
         </p:nvSpPr>
         <p:spPr>
@@ -2522,12 +2636,12 @@
           </a:prstGeom>
         </p:spPr>
         <p:txBody>
-          <a:bodyPr anchorCtr="0" anchor="t" bIns="91425" lIns="91425" spcFirstLastPara="1" rIns="91425" wrap="square" tIns="91425">
+          <a:bodyPr spcFirstLastPara="1" wrap="square" lIns="91425" tIns="91425" rIns="91425" bIns="91425" anchor="t" anchorCtr="0">
             <a:noAutofit/>
           </a:bodyPr>
           <a:lstStyle/>
           <a:p>
-            <a:pPr indent="0" lvl="0" marL="0" rtl="0" algn="l">
+            <a:pPr marL="0" lvl="0" indent="0" algn="l" rtl="0">
               <a:spcBef>
                 <a:spcPts val="0"/>
               </a:spcBef>
@@ -2543,18 +2657,15 @@
             <a:endParaRPr/>
           </a:p>
           <a:p>
-            <a:pPr indent="0" lvl="0" marL="0" rtl="0" algn="l">
-              <a:spcBef>
-                <a:spcPts val="0"/>
-              </a:spcBef>
-              <a:spcAft>
-                <a:spcPts val="0"/>
-              </a:spcAft>
-              <a:buNone/>
-            </a:pPr>
-            <a:r>
-              <a:t/>
-            </a:r>
+            <a:pPr marL="0" lvl="0" indent="0" algn="l" rtl="0">
+              <a:spcBef>
+                <a:spcPts val="0"/>
+              </a:spcBef>
+              <a:spcAft>
+                <a:spcPts val="0"/>
+              </a:spcAft>
+              <a:buNone/>
+            </a:pPr>
             <a:endParaRPr/>
           </a:p>
         </p:txBody>
@@ -2568,18 +2679,19 @@
 </file>
 
 <file path=ppt/slideLayouts/slideLayout1.xml><?xml version="1.0" encoding="utf-8"?>
-<p:sldLayout xmlns:a="http://schemas.openxmlformats.org/drawingml/2006/main" xmlns:r="http://schemas.openxmlformats.org/officeDocument/2006/relationships" xmlns:mc="http://schemas.openxmlformats.org/markup-compatibility/2006" xmlns:mv="urn:schemas-microsoft-com:mac:vml" xmlns:p="http://schemas.openxmlformats.org/presentationml/2006/main" xmlns:c="http://schemas.openxmlformats.org/drawingml/2006/chart" xmlns:dgm="http://schemas.openxmlformats.org/drawingml/2006/diagram" xmlns:o="urn:schemas-microsoft-com:office:office" xmlns:v="urn:schemas-microsoft-com:vml" xmlns:pvml="urn:schemas-microsoft-com:office:powerpoint" xmlns:com="http://schemas.openxmlformats.org/drawingml/2006/compatibility" xmlns:p14="http://schemas.microsoft.com/office/powerpoint/2010/main" xmlns:p15="http://schemas.microsoft.com/office/powerpoint/2012/main" xmlns:ahyp="http://schemas.microsoft.com/office/drawing/2018/hyperlinkcolor" matchingName="Title slide" type="title">
+<p:sldLayout xmlns:a="http://schemas.openxmlformats.org/drawingml/2006/main" xmlns:r="http://schemas.openxmlformats.org/officeDocument/2006/relationships" xmlns:p="http://schemas.openxmlformats.org/presentationml/2006/main" matchingName="Title slide" type="title">
   <p:cSld name="TITLE">
     <p:bg>
       <p:bgPr>
         <a:solidFill>
           <a:schemeClr val="dk1"/>
         </a:solidFill>
+        <a:effectLst/>
       </p:bgPr>
     </p:bg>
     <p:spTree>
       <p:nvGrpSpPr>
-        <p:cNvPr id="9" name="Shape 9"/>
+        <p:cNvPr id="1" name="Shape 9"/>
         <p:cNvGrpSpPr/>
         <p:nvPr/>
       </p:nvGrpSpPr>
@@ -2603,9 +2715,13 @@
             <a:ext cx="9144250" cy="4398100"/>
           </a:xfrm>
           <a:custGeom>
-            <a:rect b="b" l="l" r="r" t="t"/>
+            <a:avLst/>
+            <a:gdLst/>
+            <a:ahLst/>
+            <a:cxnLst/>
+            <a:rect l="l" t="t" r="r" b="b"/>
             <a:pathLst>
-              <a:path extrusionOk="0" h="175924" w="365770">
+              <a:path w="365770" h="175924" extrusionOk="0">
                 <a:moveTo>
                   <a:pt x="0" y="0"/>
                 </a:moveTo>
@@ -2633,7 +2749,9 @@
       <p:sp>
         <p:nvSpPr>
           <p:cNvPr id="11" name="Google Shape;11;p2"/>
-          <p:cNvSpPr txBox="1"/>
+          <p:cNvSpPr txBox="1">
+            <a:spLocks noGrp="1"/>
+          </p:cNvSpPr>
           <p:nvPr>
             <p:ph type="ctrTitle"/>
           </p:nvPr>
@@ -2648,7 +2766,7 @@
           </a:prstGeom>
         </p:spPr>
         <p:txBody>
-          <a:bodyPr anchorCtr="0" anchor="t" bIns="91425" lIns="91425" spcFirstLastPara="1" rIns="91425" wrap="square" tIns="91425">
+          <a:bodyPr spcFirstLastPara="1" wrap="square" lIns="91425" tIns="91425" rIns="91425" bIns="91425" anchor="t" anchorCtr="0">
             <a:normAutofit/>
           </a:bodyPr>
           <a:lstStyle>
@@ -2752,15 +2870,19 @@
               <a:defRPr sz="3600"/>
             </a:lvl9pPr>
           </a:lstStyle>
-          <a:p/>
+          <a:p>
+            <a:endParaRPr/>
+          </a:p>
         </p:txBody>
       </p:sp>
       <p:sp>
         <p:nvSpPr>
           <p:cNvPr id="12" name="Google Shape;12;p2"/>
-          <p:cNvSpPr txBox="1"/>
+          <p:cNvSpPr txBox="1">
+            <a:spLocks noGrp="1"/>
+          </p:cNvSpPr>
           <p:nvPr>
-            <p:ph idx="1" type="subTitle"/>
+            <p:ph type="subTitle" idx="1"/>
           </p:nvPr>
         </p:nvSpPr>
         <p:spPr>
@@ -2773,7 +2895,7 @@
           </a:prstGeom>
         </p:spPr>
         <p:txBody>
-          <a:bodyPr anchorCtr="0" anchor="t" bIns="91425" lIns="91425" spcFirstLastPara="1" rIns="91425" wrap="square" tIns="91425">
+          <a:bodyPr spcFirstLastPara="1" wrap="square" lIns="91425" tIns="91425" rIns="91425" bIns="91425" anchor="t" anchorCtr="0">
             <a:normAutofit/>
           </a:bodyPr>
           <a:lstStyle>
@@ -2967,15 +3089,19 @@
               </a:defRPr>
             </a:lvl9pPr>
           </a:lstStyle>
-          <a:p/>
+          <a:p>
+            <a:endParaRPr/>
+          </a:p>
         </p:txBody>
       </p:sp>
       <p:sp>
         <p:nvSpPr>
           <p:cNvPr id="13" name="Google Shape;13;p2"/>
-          <p:cNvSpPr txBox="1"/>
+          <p:cNvSpPr txBox="1">
+            <a:spLocks noGrp="1"/>
+          </p:cNvSpPr>
           <p:nvPr>
-            <p:ph idx="12" type="sldNum"/>
+            <p:ph type="sldNum" idx="12"/>
           </p:nvPr>
         </p:nvSpPr>
         <p:spPr>
@@ -2988,7 +3114,7 @@
           </a:prstGeom>
         </p:spPr>
         <p:txBody>
-          <a:bodyPr anchorCtr="0" anchor="ctr" bIns="91425" lIns="91425" spcFirstLastPara="1" rIns="91425" wrap="square" tIns="91425">
+          <a:bodyPr spcFirstLastPara="1" wrap="square" lIns="91425" tIns="91425" rIns="91425" bIns="91425" anchor="ctr" anchorCtr="0">
             <a:normAutofit/>
           </a:bodyPr>
           <a:lstStyle>
@@ -3066,7 +3192,7 @@
             </a:lvl9pPr>
           </a:lstStyle>
           <a:p>
-            <a:pPr indent="0" lvl="0" marL="0" rtl="0" algn="r">
+            <a:pPr marL="0" lvl="0" indent="0" algn="r" rtl="0">
               <a:spcBef>
                 <a:spcPts val="0"/>
               </a:spcBef>
@@ -3092,18 +3218,19 @@
 </file>
 
 <file path=ppt/slideLayouts/slideLayout10.xml><?xml version="1.0" encoding="utf-8"?>
-<p:sldLayout xmlns:a="http://schemas.openxmlformats.org/drawingml/2006/main" xmlns:r="http://schemas.openxmlformats.org/officeDocument/2006/relationships" xmlns:mc="http://schemas.openxmlformats.org/markup-compatibility/2006" xmlns:mv="urn:schemas-microsoft-com:mac:vml" xmlns:p="http://schemas.openxmlformats.org/presentationml/2006/main" xmlns:c="http://schemas.openxmlformats.org/drawingml/2006/chart" xmlns:dgm="http://schemas.openxmlformats.org/drawingml/2006/diagram" xmlns:o="urn:schemas-microsoft-com:office:office" xmlns:v="urn:schemas-microsoft-com:vml" xmlns:pvml="urn:schemas-microsoft-com:office:powerpoint" xmlns:com="http://schemas.openxmlformats.org/drawingml/2006/compatibility" xmlns:p14="http://schemas.microsoft.com/office/powerpoint/2010/main" xmlns:p15="http://schemas.microsoft.com/office/powerpoint/2012/main" xmlns:ahyp="http://schemas.microsoft.com/office/drawing/2018/hyperlinkcolor" matchingName="Big number">
+<p:sldLayout xmlns:a="http://schemas.openxmlformats.org/drawingml/2006/main" xmlns:r="http://schemas.openxmlformats.org/officeDocument/2006/relationships" xmlns:p="http://schemas.openxmlformats.org/presentationml/2006/main" matchingName="Big number">
   <p:cSld name="BIG_NUMBER">
     <p:bg>
       <p:bgPr>
         <a:solidFill>
           <a:schemeClr val="dk1"/>
         </a:solidFill>
+        <a:effectLst/>
       </p:bgPr>
     </p:bg>
     <p:spTree>
       <p:nvGrpSpPr>
-        <p:cNvPr id="54" name="Shape 54"/>
+        <p:cNvPr id="1" name="Shape 54"/>
         <p:cNvGrpSpPr/>
         <p:nvPr/>
       </p:nvGrpSpPr>
@@ -3118,9 +3245,11 @@
       <p:sp>
         <p:nvSpPr>
           <p:cNvPr id="55" name="Google Shape;55;p11"/>
-          <p:cNvSpPr txBox="1"/>
+          <p:cNvSpPr txBox="1">
+            <a:spLocks noGrp="1"/>
+          </p:cNvSpPr>
           <p:nvPr>
-            <p:ph hasCustomPrompt="1" type="title"/>
+            <p:ph type="title" hasCustomPrompt="1"/>
           </p:nvPr>
         </p:nvSpPr>
         <p:spPr>
@@ -3133,7 +3262,7 @@
           </a:prstGeom>
         </p:spPr>
         <p:txBody>
-          <a:bodyPr anchorCtr="0" anchor="b" bIns="91425" lIns="91425" spcFirstLastPara="1" rIns="91425" wrap="square" tIns="91425">
+          <a:bodyPr spcFirstLastPara="1" wrap="square" lIns="91425" tIns="91425" rIns="91425" bIns="91425" anchor="b" anchorCtr="0">
             <a:normAutofit/>
           </a:bodyPr>
           <a:lstStyle>
@@ -3310,9 +3439,11 @@
       <p:sp>
         <p:nvSpPr>
           <p:cNvPr id="56" name="Google Shape;56;p11"/>
-          <p:cNvSpPr txBox="1"/>
+          <p:cNvSpPr txBox="1">
+            <a:spLocks noGrp="1"/>
+          </p:cNvSpPr>
           <p:nvPr>
-            <p:ph idx="1" type="body"/>
+            <p:ph type="body" idx="1"/>
           </p:nvPr>
         </p:nvSpPr>
         <p:spPr>
@@ -3325,11 +3456,11 @@
           </a:prstGeom>
         </p:spPr>
         <p:txBody>
-          <a:bodyPr anchorCtr="0" anchor="t" bIns="91425" lIns="91425" spcFirstLastPara="1" rIns="91425" wrap="square" tIns="91425">
+          <a:bodyPr spcFirstLastPara="1" wrap="square" lIns="91425" tIns="91425" rIns="91425" bIns="91425" anchor="t" anchorCtr="0">
             <a:normAutofit/>
           </a:bodyPr>
           <a:lstStyle>
-            <a:lvl1pPr indent="-311150" lvl="0" marL="457200">
+            <a:lvl1pPr marL="457200" lvl="0" indent="-311150">
               <a:spcBef>
                 <a:spcPts val="0"/>
               </a:spcBef>
@@ -3347,7 +3478,7 @@
                 </a:solidFill>
               </a:defRPr>
             </a:lvl1pPr>
-            <a:lvl2pPr indent="-298450" lvl="1" marL="914400">
+            <a:lvl2pPr marL="914400" lvl="1" indent="-298450">
               <a:spcBef>
                 <a:spcPts val="0"/>
               </a:spcBef>
@@ -3365,7 +3496,7 @@
                 </a:solidFill>
               </a:defRPr>
             </a:lvl2pPr>
-            <a:lvl3pPr indent="-298450" lvl="2" marL="1371600">
+            <a:lvl3pPr marL="1371600" lvl="2" indent="-298450">
               <a:spcBef>
                 <a:spcPts val="0"/>
               </a:spcBef>
@@ -3383,7 +3514,7 @@
                 </a:solidFill>
               </a:defRPr>
             </a:lvl3pPr>
-            <a:lvl4pPr indent="-298450" lvl="3" marL="1828800">
+            <a:lvl4pPr marL="1828800" lvl="3" indent="-298450">
               <a:spcBef>
                 <a:spcPts val="0"/>
               </a:spcBef>
@@ -3401,7 +3532,7 @@
                 </a:solidFill>
               </a:defRPr>
             </a:lvl4pPr>
-            <a:lvl5pPr indent="-298450" lvl="4" marL="2286000">
+            <a:lvl5pPr marL="2286000" lvl="4" indent="-298450">
               <a:spcBef>
                 <a:spcPts val="0"/>
               </a:spcBef>
@@ -3419,7 +3550,7 @@
                 </a:solidFill>
               </a:defRPr>
             </a:lvl5pPr>
-            <a:lvl6pPr indent="-298450" lvl="5" marL="2743200">
+            <a:lvl6pPr marL="2743200" lvl="5" indent="-298450">
               <a:spcBef>
                 <a:spcPts val="0"/>
               </a:spcBef>
@@ -3437,7 +3568,7 @@
                 </a:solidFill>
               </a:defRPr>
             </a:lvl6pPr>
-            <a:lvl7pPr indent="-298450" lvl="6" marL="3200400">
+            <a:lvl7pPr marL="3200400" lvl="6" indent="-298450">
               <a:spcBef>
                 <a:spcPts val="0"/>
               </a:spcBef>
@@ -3455,7 +3586,7 @@
                 </a:solidFill>
               </a:defRPr>
             </a:lvl7pPr>
-            <a:lvl8pPr indent="-298450" lvl="7" marL="3657600">
+            <a:lvl8pPr marL="3657600" lvl="7" indent="-298450">
               <a:spcBef>
                 <a:spcPts val="0"/>
               </a:spcBef>
@@ -3473,7 +3604,7 @@
                 </a:solidFill>
               </a:defRPr>
             </a:lvl8pPr>
-            <a:lvl9pPr indent="-298450" lvl="8" marL="4114800">
+            <a:lvl9pPr marL="4114800" lvl="8" indent="-298450">
               <a:spcBef>
                 <a:spcPts val="0"/>
               </a:spcBef>
@@ -3492,15 +3623,19 @@
               </a:defRPr>
             </a:lvl9pPr>
           </a:lstStyle>
-          <a:p/>
+          <a:p>
+            <a:endParaRPr/>
+          </a:p>
         </p:txBody>
       </p:sp>
       <p:sp>
         <p:nvSpPr>
           <p:cNvPr id="57" name="Google Shape;57;p11"/>
-          <p:cNvSpPr txBox="1"/>
+          <p:cNvSpPr txBox="1">
+            <a:spLocks noGrp="1"/>
+          </p:cNvSpPr>
           <p:nvPr>
-            <p:ph idx="12" type="sldNum"/>
+            <p:ph type="sldNum" idx="12"/>
           </p:nvPr>
         </p:nvSpPr>
         <p:spPr>
@@ -3513,7 +3648,7 @@
           </a:prstGeom>
         </p:spPr>
         <p:txBody>
-          <a:bodyPr anchorCtr="0" anchor="ctr" bIns="91425" lIns="91425" spcFirstLastPara="1" rIns="91425" wrap="square" tIns="91425">
+          <a:bodyPr spcFirstLastPara="1" wrap="square" lIns="91425" tIns="91425" rIns="91425" bIns="91425" anchor="ctr" anchorCtr="0">
             <a:normAutofit/>
           </a:bodyPr>
           <a:lstStyle>
@@ -3591,7 +3726,7 @@
             </a:lvl9pPr>
           </a:lstStyle>
           <a:p>
-            <a:pPr indent="0" lvl="0" marL="0" rtl="0" algn="r">
+            <a:pPr marL="0" lvl="0" indent="0" algn="r" rtl="0">
               <a:spcBef>
                 <a:spcPts val="0"/>
               </a:spcBef>
@@ -3617,11 +3752,11 @@
 </file>
 
 <file path=ppt/slideLayouts/slideLayout11.xml><?xml version="1.0" encoding="utf-8"?>
-<p:sldLayout xmlns:a="http://schemas.openxmlformats.org/drawingml/2006/main" xmlns:r="http://schemas.openxmlformats.org/officeDocument/2006/relationships" xmlns:mc="http://schemas.openxmlformats.org/markup-compatibility/2006" xmlns:mv="urn:schemas-microsoft-com:mac:vml" xmlns:p="http://schemas.openxmlformats.org/presentationml/2006/main" xmlns:c="http://schemas.openxmlformats.org/drawingml/2006/chart" xmlns:dgm="http://schemas.openxmlformats.org/drawingml/2006/diagram" xmlns:o="urn:schemas-microsoft-com:office:office" xmlns:v="urn:schemas-microsoft-com:vml" xmlns:pvml="urn:schemas-microsoft-com:office:powerpoint" xmlns:com="http://schemas.openxmlformats.org/drawingml/2006/compatibility" xmlns:p14="http://schemas.microsoft.com/office/powerpoint/2010/main" xmlns:p15="http://schemas.microsoft.com/office/powerpoint/2012/main" xmlns:ahyp="http://schemas.microsoft.com/office/drawing/2018/hyperlinkcolor" matchingName="Blank" type="blank">
+<p:sldLayout xmlns:a="http://schemas.openxmlformats.org/drawingml/2006/main" xmlns:r="http://schemas.openxmlformats.org/officeDocument/2006/relationships" xmlns:p="http://schemas.openxmlformats.org/presentationml/2006/main" matchingName="Blank" type="blank">
   <p:cSld name="BLANK">
     <p:spTree>
       <p:nvGrpSpPr>
-        <p:cNvPr id="58" name="Shape 58"/>
+        <p:cNvPr id="1" name="Shape 58"/>
         <p:cNvGrpSpPr/>
         <p:nvPr/>
       </p:nvGrpSpPr>
@@ -3636,9 +3771,11 @@
       <p:sp>
         <p:nvSpPr>
           <p:cNvPr id="59" name="Google Shape;59;p12"/>
-          <p:cNvSpPr txBox="1"/>
+          <p:cNvSpPr txBox="1">
+            <a:spLocks noGrp="1"/>
+          </p:cNvSpPr>
           <p:nvPr>
-            <p:ph idx="12" type="sldNum"/>
+            <p:ph type="sldNum" idx="12"/>
           </p:nvPr>
         </p:nvSpPr>
         <p:spPr>
@@ -3651,7 +3788,7 @@
           </a:prstGeom>
         </p:spPr>
         <p:txBody>
-          <a:bodyPr anchorCtr="0" anchor="ctr" bIns="91425" lIns="91425" spcFirstLastPara="1" rIns="91425" wrap="square" tIns="91425">
+          <a:bodyPr spcFirstLastPara="1" wrap="square" lIns="91425" tIns="91425" rIns="91425" bIns="91425" anchor="ctr" anchorCtr="0">
             <a:normAutofit/>
           </a:bodyPr>
           <a:lstStyle>
@@ -3693,7 +3830,7 @@
             </a:lvl9pPr>
           </a:lstStyle>
           <a:p>
-            <a:pPr indent="0" lvl="0" marL="0" rtl="0" algn="r">
+            <a:pPr marL="0" lvl="0" indent="0" algn="r" rtl="0">
               <a:spcBef>
                 <a:spcPts val="0"/>
               </a:spcBef>
@@ -3719,18 +3856,19 @@
 </file>
 
 <file path=ppt/slideLayouts/slideLayout2.xml><?xml version="1.0" encoding="utf-8"?>
-<p:sldLayout xmlns:a="http://schemas.openxmlformats.org/drawingml/2006/main" xmlns:r="http://schemas.openxmlformats.org/officeDocument/2006/relationships" xmlns:mc="http://schemas.openxmlformats.org/markup-compatibility/2006" xmlns:mv="urn:schemas-microsoft-com:mac:vml" xmlns:p="http://schemas.openxmlformats.org/presentationml/2006/main" xmlns:c="http://schemas.openxmlformats.org/drawingml/2006/chart" xmlns:dgm="http://schemas.openxmlformats.org/drawingml/2006/diagram" xmlns:o="urn:schemas-microsoft-com:office:office" xmlns:v="urn:schemas-microsoft-com:vml" xmlns:pvml="urn:schemas-microsoft-com:office:powerpoint" xmlns:com="http://schemas.openxmlformats.org/drawingml/2006/compatibility" xmlns:p14="http://schemas.microsoft.com/office/powerpoint/2010/main" xmlns:p15="http://schemas.microsoft.com/office/powerpoint/2012/main" xmlns:ahyp="http://schemas.microsoft.com/office/drawing/2018/hyperlinkcolor" matchingName="Section header" type="secHead">
+<p:sldLayout xmlns:a="http://schemas.openxmlformats.org/drawingml/2006/main" xmlns:r="http://schemas.openxmlformats.org/officeDocument/2006/relationships" xmlns:p="http://schemas.openxmlformats.org/presentationml/2006/main" matchingName="Section header" type="secHead">
   <p:cSld name="SECTION_HEADER">
     <p:bg>
       <p:bgPr>
         <a:solidFill>
           <a:schemeClr val="accent3"/>
         </a:solidFill>
+        <a:effectLst/>
       </p:bgPr>
     </p:bg>
     <p:spTree>
       <p:nvGrpSpPr>
-        <p:cNvPr id="14" name="Shape 14"/>
+        <p:cNvPr id="1" name="Shape 14"/>
         <p:cNvGrpSpPr/>
         <p:nvPr/>
       </p:nvGrpSpPr>
@@ -3754,9 +3892,13 @@
             <a:ext cx="9144250" cy="4398100"/>
           </a:xfrm>
           <a:custGeom>
-            <a:rect b="b" l="l" r="r" t="t"/>
+            <a:avLst/>
+            <a:gdLst/>
+            <a:ahLst/>
+            <a:cxnLst/>
+            <a:rect l="l" t="t" r="r" b="b"/>
             <a:pathLst>
-              <a:path extrusionOk="0" h="175924" w="365770">
+              <a:path w="365770" h="175924" extrusionOk="0">
                 <a:moveTo>
                   <a:pt x="0" y="0"/>
                 </a:moveTo>
@@ -3793,9 +3935,13 @@
             <a:ext cx="9144250" cy="4398100"/>
           </a:xfrm>
           <a:custGeom>
-            <a:rect b="b" l="l" r="r" t="t"/>
+            <a:avLst/>
+            <a:gdLst/>
+            <a:ahLst/>
+            <a:cxnLst/>
+            <a:rect l="l" t="t" r="r" b="b"/>
             <a:pathLst>
-              <a:path extrusionOk="0" h="175924" w="365770">
+              <a:path w="365770" h="175924" extrusionOk="0">
                 <a:moveTo>
                   <a:pt x="0" y="0"/>
                 </a:moveTo>
@@ -3823,7 +3969,9 @@
       <p:sp>
         <p:nvSpPr>
           <p:cNvPr id="17" name="Google Shape;17;p3"/>
-          <p:cNvSpPr txBox="1"/>
+          <p:cNvSpPr txBox="1">
+            <a:spLocks noGrp="1"/>
+          </p:cNvSpPr>
           <p:nvPr>
             <p:ph type="title"/>
           </p:nvPr>
@@ -3838,7 +3986,7 @@
           </a:prstGeom>
         </p:spPr>
         <p:txBody>
-          <a:bodyPr anchorCtr="0" anchor="t" bIns="91425" lIns="91425" spcFirstLastPara="1" rIns="91425" wrap="square" tIns="91425">
+          <a:bodyPr spcFirstLastPara="1" wrap="square" lIns="91425" tIns="91425" rIns="91425" bIns="91425" anchor="t" anchorCtr="0">
             <a:normAutofit/>
           </a:bodyPr>
           <a:lstStyle>
@@ -3942,15 +4090,19 @@
               <a:defRPr sz="3600"/>
             </a:lvl9pPr>
           </a:lstStyle>
-          <a:p/>
+          <a:p>
+            <a:endParaRPr/>
+          </a:p>
         </p:txBody>
       </p:sp>
       <p:sp>
         <p:nvSpPr>
           <p:cNvPr id="18" name="Google Shape;18;p3"/>
-          <p:cNvSpPr txBox="1"/>
+          <p:cNvSpPr txBox="1">
+            <a:spLocks noGrp="1"/>
+          </p:cNvSpPr>
           <p:nvPr>
-            <p:ph idx="12" type="sldNum"/>
+            <p:ph type="sldNum" idx="12"/>
           </p:nvPr>
         </p:nvSpPr>
         <p:spPr>
@@ -3963,7 +4115,7 @@
           </a:prstGeom>
         </p:spPr>
         <p:txBody>
-          <a:bodyPr anchorCtr="0" anchor="ctr" bIns="91425" lIns="91425" spcFirstLastPara="1" rIns="91425" wrap="square" tIns="91425">
+          <a:bodyPr spcFirstLastPara="1" wrap="square" lIns="91425" tIns="91425" rIns="91425" bIns="91425" anchor="ctr" anchorCtr="0">
             <a:normAutofit/>
           </a:bodyPr>
           <a:lstStyle>
@@ -4041,7 +4193,7 @@
             </a:lvl9pPr>
           </a:lstStyle>
           <a:p>
-            <a:pPr indent="0" lvl="0" marL="0" rtl="0" algn="r">
+            <a:pPr marL="0" lvl="0" indent="0" algn="r" rtl="0">
               <a:spcBef>
                 <a:spcPts val="0"/>
               </a:spcBef>
@@ -4067,11 +4219,11 @@
 </file>
 
 <file path=ppt/slideLayouts/slideLayout3.xml><?xml version="1.0" encoding="utf-8"?>
-<p:sldLayout xmlns:a="http://schemas.openxmlformats.org/drawingml/2006/main" xmlns:r="http://schemas.openxmlformats.org/officeDocument/2006/relationships" xmlns:mc="http://schemas.openxmlformats.org/markup-compatibility/2006" xmlns:mv="urn:schemas-microsoft-com:mac:vml" xmlns:p="http://schemas.openxmlformats.org/presentationml/2006/main" xmlns:c="http://schemas.openxmlformats.org/drawingml/2006/chart" xmlns:dgm="http://schemas.openxmlformats.org/drawingml/2006/diagram" xmlns:o="urn:schemas-microsoft-com:office:office" xmlns:v="urn:schemas-microsoft-com:vml" xmlns:pvml="urn:schemas-microsoft-com:office:powerpoint" xmlns:com="http://schemas.openxmlformats.org/drawingml/2006/compatibility" xmlns:p14="http://schemas.microsoft.com/office/powerpoint/2010/main" xmlns:p15="http://schemas.microsoft.com/office/powerpoint/2012/main" xmlns:ahyp="http://schemas.microsoft.com/office/drawing/2018/hyperlinkcolor" matchingName="Title and body" type="tx">
+<p:sldLayout xmlns:a="http://schemas.openxmlformats.org/drawingml/2006/main" xmlns:r="http://schemas.openxmlformats.org/officeDocument/2006/relationships" xmlns:p="http://schemas.openxmlformats.org/presentationml/2006/main" matchingName="Title and body" type="tx">
   <p:cSld name="TITLE_AND_BODY">
     <p:spTree>
       <p:nvGrpSpPr>
-        <p:cNvPr id="19" name="Shape 19"/>
+        <p:cNvPr id="1" name="Shape 19"/>
         <p:cNvGrpSpPr/>
         <p:nvPr/>
       </p:nvGrpSpPr>
@@ -4105,23 +4257,20 @@
           </a:ln>
         </p:spPr>
         <p:txBody>
-          <a:bodyPr anchorCtr="0" anchor="ctr" bIns="91425" lIns="91425" spcFirstLastPara="1" rIns="91425" wrap="square" tIns="91425">
+          <a:bodyPr spcFirstLastPara="1" wrap="square" lIns="91425" tIns="91425" rIns="91425" bIns="91425" anchor="ctr" anchorCtr="0">
             <a:noAutofit/>
           </a:bodyPr>
           <a:lstStyle/>
           <a:p>
-            <a:pPr indent="0" lvl="0" marL="0" rtl="0" algn="l">
-              <a:spcBef>
-                <a:spcPts val="0"/>
-              </a:spcBef>
-              <a:spcAft>
-                <a:spcPts val="0"/>
-              </a:spcAft>
-              <a:buNone/>
-            </a:pPr>
-            <a:r>
-              <a:t/>
-            </a:r>
+            <a:pPr marL="0" lvl="0" indent="0" algn="l" rtl="0">
+              <a:spcBef>
+                <a:spcPts val="0"/>
+              </a:spcBef>
+              <a:spcAft>
+                <a:spcPts val="0"/>
+              </a:spcAft>
+              <a:buNone/>
+            </a:pPr>
             <a:endParaRPr/>
           </a:p>
         </p:txBody>
@@ -4138,9 +4287,13 @@
             <a:ext cx="4313625" cy="4399375"/>
           </a:xfrm>
           <a:custGeom>
-            <a:rect b="b" l="l" r="r" t="t"/>
+            <a:avLst/>
+            <a:gdLst/>
+            <a:ahLst/>
+            <a:cxnLst/>
+            <a:rect l="l" t="t" r="r" b="b"/>
             <a:pathLst>
-              <a:path extrusionOk="0" h="175975" w="172545">
+              <a:path w="172545" h="175975" extrusionOk="0">
                 <a:moveTo>
                   <a:pt x="0" y="157"/>
                 </a:moveTo>
@@ -4177,9 +4330,13 @@
             <a:ext cx="4316900" cy="4395600"/>
           </a:xfrm>
           <a:custGeom>
-            <a:rect b="b" l="l" r="r" t="t"/>
+            <a:avLst/>
+            <a:gdLst/>
+            <a:ahLst/>
+            <a:cxnLst/>
+            <a:rect l="l" t="t" r="r" b="b"/>
             <a:pathLst>
-              <a:path extrusionOk="0" h="175824" w="172676">
+              <a:path w="172676" h="175824" extrusionOk="0">
                 <a:moveTo>
                   <a:pt x="0" y="6"/>
                 </a:moveTo>
@@ -4207,7 +4364,9 @@
       <p:sp>
         <p:nvSpPr>
           <p:cNvPr id="23" name="Google Shape;23;p4"/>
-          <p:cNvSpPr txBox="1"/>
+          <p:cNvSpPr txBox="1">
+            <a:spLocks noGrp="1"/>
+          </p:cNvSpPr>
           <p:nvPr>
             <p:ph type="title"/>
           </p:nvPr>
@@ -4222,7 +4381,7 @@
           </a:prstGeom>
         </p:spPr>
         <p:txBody>
-          <a:bodyPr anchorCtr="0" anchor="t" bIns="91425" lIns="91425" spcFirstLastPara="1" rIns="91425" wrap="square" tIns="91425">
+          <a:bodyPr spcFirstLastPara="1" wrap="square" lIns="91425" tIns="91425" rIns="91425" bIns="91425" anchor="t" anchorCtr="0">
             <a:normAutofit/>
           </a:bodyPr>
           <a:lstStyle>
@@ -4389,15 +4548,19 @@
               </a:defRPr>
             </a:lvl9pPr>
           </a:lstStyle>
-          <a:p/>
+          <a:p>
+            <a:endParaRPr/>
+          </a:p>
         </p:txBody>
       </p:sp>
       <p:sp>
         <p:nvSpPr>
           <p:cNvPr id="24" name="Google Shape;24;p4"/>
-          <p:cNvSpPr txBox="1"/>
+          <p:cNvSpPr txBox="1">
+            <a:spLocks noGrp="1"/>
+          </p:cNvSpPr>
           <p:nvPr>
-            <p:ph idx="1" type="body"/>
+            <p:ph type="body" idx="1"/>
           </p:nvPr>
         </p:nvSpPr>
         <p:spPr>
@@ -4410,11 +4573,11 @@
           </a:prstGeom>
         </p:spPr>
         <p:txBody>
-          <a:bodyPr anchorCtr="0" anchor="t" bIns="91425" lIns="91425" spcFirstLastPara="1" rIns="91425" wrap="square" tIns="91425">
+          <a:bodyPr spcFirstLastPara="1" wrap="square" lIns="91425" tIns="91425" rIns="91425" bIns="91425" anchor="t" anchorCtr="0">
             <a:normAutofit/>
           </a:bodyPr>
           <a:lstStyle>
-            <a:lvl1pPr indent="-311150" lvl="0" marL="457200">
+            <a:lvl1pPr marL="457200" lvl="0" indent="-311150">
               <a:spcBef>
                 <a:spcPts val="0"/>
               </a:spcBef>
@@ -4425,7 +4588,7 @@
               <a:buChar char="●"/>
               <a:defRPr/>
             </a:lvl1pPr>
-            <a:lvl2pPr indent="-298450" lvl="1" marL="914400">
+            <a:lvl2pPr marL="914400" lvl="1" indent="-298450">
               <a:spcBef>
                 <a:spcPts val="0"/>
               </a:spcBef>
@@ -4436,7 +4599,7 @@
               <a:buChar char="○"/>
               <a:defRPr/>
             </a:lvl2pPr>
-            <a:lvl3pPr indent="-298450" lvl="2" marL="1371600">
+            <a:lvl3pPr marL="1371600" lvl="2" indent="-298450">
               <a:spcBef>
                 <a:spcPts val="0"/>
               </a:spcBef>
@@ -4447,7 +4610,7 @@
               <a:buChar char="■"/>
               <a:defRPr/>
             </a:lvl3pPr>
-            <a:lvl4pPr indent="-298450" lvl="3" marL="1828800">
+            <a:lvl4pPr marL="1828800" lvl="3" indent="-298450">
               <a:spcBef>
                 <a:spcPts val="0"/>
               </a:spcBef>
@@ -4458,7 +4621,7 @@
               <a:buChar char="●"/>
               <a:defRPr/>
             </a:lvl4pPr>
-            <a:lvl5pPr indent="-298450" lvl="4" marL="2286000">
+            <a:lvl5pPr marL="2286000" lvl="4" indent="-298450">
               <a:spcBef>
                 <a:spcPts val="0"/>
               </a:spcBef>
@@ -4469,7 +4632,7 @@
               <a:buChar char="○"/>
               <a:defRPr/>
             </a:lvl5pPr>
-            <a:lvl6pPr indent="-298450" lvl="5" marL="2743200">
+            <a:lvl6pPr marL="2743200" lvl="5" indent="-298450">
               <a:spcBef>
                 <a:spcPts val="0"/>
               </a:spcBef>
@@ -4480,7 +4643,7 @@
               <a:buChar char="■"/>
               <a:defRPr/>
             </a:lvl6pPr>
-            <a:lvl7pPr indent="-298450" lvl="6" marL="3200400">
+            <a:lvl7pPr marL="3200400" lvl="6" indent="-298450">
               <a:spcBef>
                 <a:spcPts val="0"/>
               </a:spcBef>
@@ -4491,7 +4654,7 @@
               <a:buChar char="●"/>
               <a:defRPr/>
             </a:lvl7pPr>
-            <a:lvl8pPr indent="-298450" lvl="7" marL="3657600">
+            <a:lvl8pPr marL="3657600" lvl="7" indent="-298450">
               <a:spcBef>
                 <a:spcPts val="0"/>
               </a:spcBef>
@@ -4502,7 +4665,7 @@
               <a:buChar char="○"/>
               <a:defRPr/>
             </a:lvl8pPr>
-            <a:lvl9pPr indent="-298450" lvl="8" marL="4114800">
+            <a:lvl9pPr marL="4114800" lvl="8" indent="-298450">
               <a:spcBef>
                 <a:spcPts val="0"/>
               </a:spcBef>
@@ -4514,15 +4677,19 @@
               <a:defRPr/>
             </a:lvl9pPr>
           </a:lstStyle>
-          <a:p/>
+          <a:p>
+            <a:endParaRPr/>
+          </a:p>
         </p:txBody>
       </p:sp>
       <p:sp>
         <p:nvSpPr>
           <p:cNvPr id="25" name="Google Shape;25;p4"/>
-          <p:cNvSpPr txBox="1"/>
+          <p:cNvSpPr txBox="1">
+            <a:spLocks noGrp="1"/>
+          </p:cNvSpPr>
           <p:nvPr>
-            <p:ph idx="12" type="sldNum"/>
+            <p:ph type="sldNum" idx="12"/>
           </p:nvPr>
         </p:nvSpPr>
         <p:spPr>
@@ -4535,7 +4702,7 @@
           </a:prstGeom>
         </p:spPr>
         <p:txBody>
-          <a:bodyPr anchorCtr="0" anchor="ctr" bIns="91425" lIns="91425" spcFirstLastPara="1" rIns="91425" wrap="square" tIns="91425">
+          <a:bodyPr spcFirstLastPara="1" wrap="square" lIns="91425" tIns="91425" rIns="91425" bIns="91425" anchor="ctr" anchorCtr="0">
             <a:normAutofit/>
           </a:bodyPr>
           <a:lstStyle>
@@ -4577,7 +4744,7 @@
             </a:lvl9pPr>
           </a:lstStyle>
           <a:p>
-            <a:pPr indent="0" lvl="0" marL="0" rtl="0" algn="r">
+            <a:pPr marL="0" lvl="0" indent="0" algn="r" rtl="0">
               <a:spcBef>
                 <a:spcPts val="0"/>
               </a:spcBef>
@@ -4603,11 +4770,11 @@
 </file>
 
 <file path=ppt/slideLayouts/slideLayout4.xml><?xml version="1.0" encoding="utf-8"?>
-<p:sldLayout xmlns:a="http://schemas.openxmlformats.org/drawingml/2006/main" xmlns:r="http://schemas.openxmlformats.org/officeDocument/2006/relationships" xmlns:mc="http://schemas.openxmlformats.org/markup-compatibility/2006" xmlns:mv="urn:schemas-microsoft-com:mac:vml" xmlns:p="http://schemas.openxmlformats.org/presentationml/2006/main" xmlns:c="http://schemas.openxmlformats.org/drawingml/2006/chart" xmlns:dgm="http://schemas.openxmlformats.org/drawingml/2006/diagram" xmlns:o="urn:schemas-microsoft-com:office:office" xmlns:v="urn:schemas-microsoft-com:vml" xmlns:pvml="urn:schemas-microsoft-com:office:powerpoint" xmlns:com="http://schemas.openxmlformats.org/drawingml/2006/compatibility" xmlns:p14="http://schemas.microsoft.com/office/powerpoint/2010/main" xmlns:p15="http://schemas.microsoft.com/office/powerpoint/2012/main" xmlns:ahyp="http://schemas.microsoft.com/office/drawing/2018/hyperlinkcolor" matchingName="Title and two columns" type="twoColTx">
+<p:sldLayout xmlns:a="http://schemas.openxmlformats.org/drawingml/2006/main" xmlns:r="http://schemas.openxmlformats.org/officeDocument/2006/relationships" xmlns:p="http://schemas.openxmlformats.org/presentationml/2006/main" matchingName="Title and two columns" type="twoColTx">
   <p:cSld name="TITLE_AND_TWO_COLUMNS">
     <p:spTree>
       <p:nvGrpSpPr>
-        <p:cNvPr id="26" name="Shape 26"/>
+        <p:cNvPr id="1" name="Shape 26"/>
         <p:cNvGrpSpPr/>
         <p:nvPr/>
       </p:nvGrpSpPr>
@@ -4641,23 +4808,20 @@
           </a:ln>
         </p:spPr>
         <p:txBody>
-          <a:bodyPr anchorCtr="0" anchor="ctr" bIns="91425" lIns="91425" spcFirstLastPara="1" rIns="91425" wrap="square" tIns="91425">
+          <a:bodyPr spcFirstLastPara="1" wrap="square" lIns="91425" tIns="91425" rIns="91425" bIns="91425" anchor="ctr" anchorCtr="0">
             <a:noAutofit/>
           </a:bodyPr>
           <a:lstStyle/>
           <a:p>
-            <a:pPr indent="0" lvl="0" marL="0" rtl="0" algn="l">
-              <a:spcBef>
-                <a:spcPts val="0"/>
-              </a:spcBef>
-              <a:spcAft>
-                <a:spcPts val="0"/>
-              </a:spcAft>
-              <a:buNone/>
-            </a:pPr>
-            <a:r>
-              <a:t/>
-            </a:r>
+            <a:pPr marL="0" lvl="0" indent="0" algn="l" rtl="0">
+              <a:spcBef>
+                <a:spcPts val="0"/>
+              </a:spcBef>
+              <a:spcAft>
+                <a:spcPts val="0"/>
+              </a:spcAft>
+              <a:buNone/>
+            </a:pPr>
             <a:endParaRPr/>
           </a:p>
         </p:txBody>
@@ -4665,7 +4829,9 @@
       <p:sp>
         <p:nvSpPr>
           <p:cNvPr id="28" name="Google Shape;28;p5"/>
-          <p:cNvSpPr txBox="1"/>
+          <p:cNvSpPr txBox="1">
+            <a:spLocks noGrp="1"/>
+          </p:cNvSpPr>
           <p:nvPr>
             <p:ph type="title"/>
           </p:nvPr>
@@ -4680,7 +4846,7 @@
           </a:prstGeom>
         </p:spPr>
         <p:txBody>
-          <a:bodyPr anchorCtr="0" anchor="t" bIns="91425" lIns="91425" spcFirstLastPara="1" rIns="91425" wrap="square" tIns="91425">
+          <a:bodyPr spcFirstLastPara="1" wrap="square" lIns="91425" tIns="91425" rIns="91425" bIns="91425" anchor="t" anchorCtr="0">
             <a:normAutofit/>
           </a:bodyPr>
           <a:lstStyle>
@@ -4847,15 +5013,19 @@
               </a:defRPr>
             </a:lvl9pPr>
           </a:lstStyle>
-          <a:p/>
+          <a:p>
+            <a:endParaRPr/>
+          </a:p>
         </p:txBody>
       </p:sp>
       <p:sp>
         <p:nvSpPr>
           <p:cNvPr id="29" name="Google Shape;29;p5"/>
-          <p:cNvSpPr txBox="1"/>
+          <p:cNvSpPr txBox="1">
+            <a:spLocks noGrp="1"/>
+          </p:cNvSpPr>
           <p:nvPr>
-            <p:ph idx="1" type="body"/>
+            <p:ph type="body" idx="1"/>
           </p:nvPr>
         </p:nvSpPr>
         <p:spPr>
@@ -4868,11 +5038,11 @@
           </a:prstGeom>
         </p:spPr>
         <p:txBody>
-          <a:bodyPr anchorCtr="0" anchor="t" bIns="91425" lIns="91425" spcFirstLastPara="1" rIns="91425" wrap="square" tIns="91425">
+          <a:bodyPr spcFirstLastPara="1" wrap="square" lIns="91425" tIns="91425" rIns="91425" bIns="91425" anchor="t" anchorCtr="0">
             <a:normAutofit/>
           </a:bodyPr>
           <a:lstStyle>
-            <a:lvl1pPr indent="-311150" lvl="0" marL="457200">
+            <a:lvl1pPr marL="457200" lvl="0" indent="-311150">
               <a:spcBef>
                 <a:spcPts val="0"/>
               </a:spcBef>
@@ -4883,7 +5053,7 @@
               <a:buChar char="●"/>
               <a:defRPr/>
             </a:lvl1pPr>
-            <a:lvl2pPr indent="-298450" lvl="1" marL="914400">
+            <a:lvl2pPr marL="914400" lvl="1" indent="-298450">
               <a:spcBef>
                 <a:spcPts val="0"/>
               </a:spcBef>
@@ -4894,7 +5064,7 @@
               <a:buChar char="○"/>
               <a:defRPr/>
             </a:lvl2pPr>
-            <a:lvl3pPr indent="-298450" lvl="2" marL="1371600">
+            <a:lvl3pPr marL="1371600" lvl="2" indent="-298450">
               <a:spcBef>
                 <a:spcPts val="0"/>
               </a:spcBef>
@@ -4905,7 +5075,7 @@
               <a:buChar char="■"/>
               <a:defRPr/>
             </a:lvl3pPr>
-            <a:lvl4pPr indent="-298450" lvl="3" marL="1828800">
+            <a:lvl4pPr marL="1828800" lvl="3" indent="-298450">
               <a:spcBef>
                 <a:spcPts val="0"/>
               </a:spcBef>
@@ -4916,7 +5086,7 @@
               <a:buChar char="●"/>
               <a:defRPr/>
             </a:lvl4pPr>
-            <a:lvl5pPr indent="-298450" lvl="4" marL="2286000">
+            <a:lvl5pPr marL="2286000" lvl="4" indent="-298450">
               <a:spcBef>
                 <a:spcPts val="0"/>
               </a:spcBef>
@@ -4927,7 +5097,7 @@
               <a:buChar char="○"/>
               <a:defRPr/>
             </a:lvl5pPr>
-            <a:lvl6pPr indent="-298450" lvl="5" marL="2743200">
+            <a:lvl6pPr marL="2743200" lvl="5" indent="-298450">
               <a:spcBef>
                 <a:spcPts val="0"/>
               </a:spcBef>
@@ -4938,7 +5108,7 @@
               <a:buChar char="■"/>
               <a:defRPr/>
             </a:lvl6pPr>
-            <a:lvl7pPr indent="-298450" lvl="6" marL="3200400">
+            <a:lvl7pPr marL="3200400" lvl="6" indent="-298450">
               <a:spcBef>
                 <a:spcPts val="0"/>
               </a:spcBef>
@@ -4949,7 +5119,7 @@
               <a:buChar char="●"/>
               <a:defRPr/>
             </a:lvl7pPr>
-            <a:lvl8pPr indent="-298450" lvl="7" marL="3657600">
+            <a:lvl8pPr marL="3657600" lvl="7" indent="-298450">
               <a:spcBef>
                 <a:spcPts val="0"/>
               </a:spcBef>
@@ -4960,7 +5130,7 @@
               <a:buChar char="○"/>
               <a:defRPr/>
             </a:lvl8pPr>
-            <a:lvl9pPr indent="-298450" lvl="8" marL="4114800">
+            <a:lvl9pPr marL="4114800" lvl="8" indent="-298450">
               <a:spcBef>
                 <a:spcPts val="0"/>
               </a:spcBef>
@@ -4972,15 +5142,19 @@
               <a:defRPr/>
             </a:lvl9pPr>
           </a:lstStyle>
-          <a:p/>
+          <a:p>
+            <a:endParaRPr/>
+          </a:p>
         </p:txBody>
       </p:sp>
       <p:sp>
         <p:nvSpPr>
           <p:cNvPr id="30" name="Google Shape;30;p5"/>
-          <p:cNvSpPr txBox="1"/>
+          <p:cNvSpPr txBox="1">
+            <a:spLocks noGrp="1"/>
+          </p:cNvSpPr>
           <p:nvPr>
-            <p:ph idx="2" type="body"/>
+            <p:ph type="body" idx="2"/>
           </p:nvPr>
         </p:nvSpPr>
         <p:spPr>
@@ -4993,11 +5167,11 @@
           </a:prstGeom>
         </p:spPr>
         <p:txBody>
-          <a:bodyPr anchorCtr="0" anchor="t" bIns="91425" lIns="91425" spcFirstLastPara="1" rIns="91425" wrap="square" tIns="91425">
+          <a:bodyPr spcFirstLastPara="1" wrap="square" lIns="91425" tIns="91425" rIns="91425" bIns="91425" anchor="t" anchorCtr="0">
             <a:normAutofit/>
           </a:bodyPr>
           <a:lstStyle>
-            <a:lvl1pPr indent="-311150" lvl="0" marL="457200">
+            <a:lvl1pPr marL="457200" lvl="0" indent="-311150">
               <a:spcBef>
                 <a:spcPts val="0"/>
               </a:spcBef>
@@ -5008,7 +5182,7 @@
               <a:buChar char="●"/>
               <a:defRPr/>
             </a:lvl1pPr>
-            <a:lvl2pPr indent="-298450" lvl="1" marL="914400">
+            <a:lvl2pPr marL="914400" lvl="1" indent="-298450">
               <a:spcBef>
                 <a:spcPts val="0"/>
               </a:spcBef>
@@ -5019,7 +5193,7 @@
               <a:buChar char="○"/>
               <a:defRPr/>
             </a:lvl2pPr>
-            <a:lvl3pPr indent="-298450" lvl="2" marL="1371600">
+            <a:lvl3pPr marL="1371600" lvl="2" indent="-298450">
               <a:spcBef>
                 <a:spcPts val="0"/>
               </a:spcBef>
@@ -5030,7 +5204,7 @@
               <a:buChar char="■"/>
               <a:defRPr/>
             </a:lvl3pPr>
-            <a:lvl4pPr indent="-298450" lvl="3" marL="1828800">
+            <a:lvl4pPr marL="1828800" lvl="3" indent="-298450">
               <a:spcBef>
                 <a:spcPts val="0"/>
               </a:spcBef>
@@ -5041,7 +5215,7 @@
               <a:buChar char="●"/>
               <a:defRPr/>
             </a:lvl4pPr>
-            <a:lvl5pPr indent="-298450" lvl="4" marL="2286000">
+            <a:lvl5pPr marL="2286000" lvl="4" indent="-298450">
               <a:spcBef>
                 <a:spcPts val="0"/>
               </a:spcBef>
@@ -5052,7 +5226,7 @@
               <a:buChar char="○"/>
               <a:defRPr/>
             </a:lvl5pPr>
-            <a:lvl6pPr indent="-298450" lvl="5" marL="2743200">
+            <a:lvl6pPr marL="2743200" lvl="5" indent="-298450">
               <a:spcBef>
                 <a:spcPts val="0"/>
               </a:spcBef>
@@ -5063,7 +5237,7 @@
               <a:buChar char="■"/>
               <a:defRPr/>
             </a:lvl6pPr>
-            <a:lvl7pPr indent="-298450" lvl="6" marL="3200400">
+            <a:lvl7pPr marL="3200400" lvl="6" indent="-298450">
               <a:spcBef>
                 <a:spcPts val="0"/>
               </a:spcBef>
@@ -5074,7 +5248,7 @@
               <a:buChar char="●"/>
               <a:defRPr/>
             </a:lvl7pPr>
-            <a:lvl8pPr indent="-298450" lvl="7" marL="3657600">
+            <a:lvl8pPr marL="3657600" lvl="7" indent="-298450">
               <a:spcBef>
                 <a:spcPts val="0"/>
               </a:spcBef>
@@ -5085,7 +5259,7 @@
               <a:buChar char="○"/>
               <a:defRPr/>
             </a:lvl8pPr>
-            <a:lvl9pPr indent="-298450" lvl="8" marL="4114800">
+            <a:lvl9pPr marL="4114800" lvl="8" indent="-298450">
               <a:spcBef>
                 <a:spcPts val="0"/>
               </a:spcBef>
@@ -5097,15 +5271,19 @@
               <a:defRPr/>
             </a:lvl9pPr>
           </a:lstStyle>
-          <a:p/>
+          <a:p>
+            <a:endParaRPr/>
+          </a:p>
         </p:txBody>
       </p:sp>
       <p:sp>
         <p:nvSpPr>
           <p:cNvPr id="31" name="Google Shape;31;p5"/>
-          <p:cNvSpPr txBox="1"/>
+          <p:cNvSpPr txBox="1">
+            <a:spLocks noGrp="1"/>
+          </p:cNvSpPr>
           <p:nvPr>
-            <p:ph idx="12" type="sldNum"/>
+            <p:ph type="sldNum" idx="12"/>
           </p:nvPr>
         </p:nvSpPr>
         <p:spPr>
@@ -5118,7 +5296,7 @@
           </a:prstGeom>
         </p:spPr>
         <p:txBody>
-          <a:bodyPr anchorCtr="0" anchor="ctr" bIns="91425" lIns="91425" spcFirstLastPara="1" rIns="91425" wrap="square" tIns="91425">
+          <a:bodyPr spcFirstLastPara="1" wrap="square" lIns="91425" tIns="91425" rIns="91425" bIns="91425" anchor="ctr" anchorCtr="0">
             <a:normAutofit/>
           </a:bodyPr>
           <a:lstStyle>
@@ -5160,7 +5338,7 @@
             </a:lvl9pPr>
           </a:lstStyle>
           <a:p>
-            <a:pPr indent="0" lvl="0" marL="0" rtl="0" algn="r">
+            <a:pPr marL="0" lvl="0" indent="0" algn="r" rtl="0">
               <a:spcBef>
                 <a:spcPts val="0"/>
               </a:spcBef>
@@ -5186,11 +5364,11 @@
 </file>
 
 <file path=ppt/slideLayouts/slideLayout5.xml><?xml version="1.0" encoding="utf-8"?>
-<p:sldLayout xmlns:a="http://schemas.openxmlformats.org/drawingml/2006/main" xmlns:r="http://schemas.openxmlformats.org/officeDocument/2006/relationships" xmlns:mc="http://schemas.openxmlformats.org/markup-compatibility/2006" xmlns:mv="urn:schemas-microsoft-com:mac:vml" xmlns:p="http://schemas.openxmlformats.org/presentationml/2006/main" xmlns:c="http://schemas.openxmlformats.org/drawingml/2006/chart" xmlns:dgm="http://schemas.openxmlformats.org/drawingml/2006/diagram" xmlns:o="urn:schemas-microsoft-com:office:office" xmlns:v="urn:schemas-microsoft-com:vml" xmlns:pvml="urn:schemas-microsoft-com:office:powerpoint" xmlns:com="http://schemas.openxmlformats.org/drawingml/2006/compatibility" xmlns:p14="http://schemas.microsoft.com/office/powerpoint/2010/main" xmlns:p15="http://schemas.microsoft.com/office/powerpoint/2012/main" xmlns:ahyp="http://schemas.microsoft.com/office/drawing/2018/hyperlinkcolor" matchingName="Title only" type="titleOnly">
+<p:sldLayout xmlns:a="http://schemas.openxmlformats.org/drawingml/2006/main" xmlns:r="http://schemas.openxmlformats.org/officeDocument/2006/relationships" xmlns:p="http://schemas.openxmlformats.org/presentationml/2006/main" matchingName="Title only" type="titleOnly">
   <p:cSld name="TITLE_ONLY">
     <p:spTree>
       <p:nvGrpSpPr>
-        <p:cNvPr id="32" name="Shape 32"/>
+        <p:cNvPr id="1" name="Shape 32"/>
         <p:cNvGrpSpPr/>
         <p:nvPr/>
       </p:nvGrpSpPr>
@@ -5224,23 +5402,20 @@
           </a:ln>
         </p:spPr>
         <p:txBody>
-          <a:bodyPr anchorCtr="0" anchor="ctr" bIns="91425" lIns="91425" spcFirstLastPara="1" rIns="91425" wrap="square" tIns="91425">
+          <a:bodyPr spcFirstLastPara="1" wrap="square" lIns="91425" tIns="91425" rIns="91425" bIns="91425" anchor="ctr" anchorCtr="0">
             <a:noAutofit/>
           </a:bodyPr>
           <a:lstStyle/>
           <a:p>
-            <a:pPr indent="0" lvl="0" marL="0" rtl="0" algn="l">
-              <a:spcBef>
-                <a:spcPts val="0"/>
-              </a:spcBef>
-              <a:spcAft>
-                <a:spcPts val="0"/>
-              </a:spcAft>
-              <a:buNone/>
-            </a:pPr>
-            <a:r>
-              <a:t/>
-            </a:r>
+            <a:pPr marL="0" lvl="0" indent="0" algn="l" rtl="0">
+              <a:spcBef>
+                <a:spcPts val="0"/>
+              </a:spcBef>
+              <a:spcAft>
+                <a:spcPts val="0"/>
+              </a:spcAft>
+              <a:buNone/>
+            </a:pPr>
             <a:endParaRPr/>
           </a:p>
         </p:txBody>
@@ -5248,7 +5423,9 @@
       <p:sp>
         <p:nvSpPr>
           <p:cNvPr id="34" name="Google Shape;34;p6"/>
-          <p:cNvSpPr txBox="1"/>
+          <p:cNvSpPr txBox="1">
+            <a:spLocks noGrp="1"/>
+          </p:cNvSpPr>
           <p:nvPr>
             <p:ph type="title"/>
           </p:nvPr>
@@ -5263,7 +5440,7 @@
           </a:prstGeom>
         </p:spPr>
         <p:txBody>
-          <a:bodyPr anchorCtr="0" anchor="t" bIns="91425" lIns="91425" spcFirstLastPara="1" rIns="91425" wrap="square" tIns="91425">
+          <a:bodyPr spcFirstLastPara="1" wrap="square" lIns="91425" tIns="91425" rIns="91425" bIns="91425" anchor="t" anchorCtr="0">
             <a:normAutofit/>
           </a:bodyPr>
           <a:lstStyle>
@@ -5430,15 +5607,19 @@
               </a:defRPr>
             </a:lvl9pPr>
           </a:lstStyle>
-          <a:p/>
+          <a:p>
+            <a:endParaRPr/>
+          </a:p>
         </p:txBody>
       </p:sp>
       <p:sp>
         <p:nvSpPr>
           <p:cNvPr id="35" name="Google Shape;35;p6"/>
-          <p:cNvSpPr txBox="1"/>
+          <p:cNvSpPr txBox="1">
+            <a:spLocks noGrp="1"/>
+          </p:cNvSpPr>
           <p:nvPr>
-            <p:ph idx="12" type="sldNum"/>
+            <p:ph type="sldNum" idx="12"/>
           </p:nvPr>
         </p:nvSpPr>
         <p:spPr>
@@ -5451,7 +5632,7 @@
           </a:prstGeom>
         </p:spPr>
         <p:txBody>
-          <a:bodyPr anchorCtr="0" anchor="ctr" bIns="91425" lIns="91425" spcFirstLastPara="1" rIns="91425" wrap="square" tIns="91425">
+          <a:bodyPr spcFirstLastPara="1" wrap="square" lIns="91425" tIns="91425" rIns="91425" bIns="91425" anchor="ctr" anchorCtr="0">
             <a:normAutofit/>
           </a:bodyPr>
           <a:lstStyle>
@@ -5493,7 +5674,7 @@
             </a:lvl9pPr>
           </a:lstStyle>
           <a:p>
-            <a:pPr indent="0" lvl="0" marL="0" rtl="0" algn="r">
+            <a:pPr marL="0" lvl="0" indent="0" algn="r" rtl="0">
               <a:spcBef>
                 <a:spcPts val="0"/>
               </a:spcBef>
@@ -5519,11 +5700,11 @@
 </file>
 
 <file path=ppt/slideLayouts/slideLayout6.xml><?xml version="1.0" encoding="utf-8"?>
-<p:sldLayout xmlns:a="http://schemas.openxmlformats.org/drawingml/2006/main" xmlns:r="http://schemas.openxmlformats.org/officeDocument/2006/relationships" xmlns:mc="http://schemas.openxmlformats.org/markup-compatibility/2006" xmlns:mv="urn:schemas-microsoft-com:mac:vml" xmlns:p="http://schemas.openxmlformats.org/presentationml/2006/main" xmlns:c="http://schemas.openxmlformats.org/drawingml/2006/chart" xmlns:dgm="http://schemas.openxmlformats.org/drawingml/2006/diagram" xmlns:o="urn:schemas-microsoft-com:office:office" xmlns:v="urn:schemas-microsoft-com:vml" xmlns:pvml="urn:schemas-microsoft-com:office:powerpoint" xmlns:com="http://schemas.openxmlformats.org/drawingml/2006/compatibility" xmlns:p14="http://schemas.microsoft.com/office/powerpoint/2010/main" xmlns:p15="http://schemas.microsoft.com/office/powerpoint/2012/main" xmlns:ahyp="http://schemas.microsoft.com/office/drawing/2018/hyperlinkcolor" matchingName="One column text">
+<p:sldLayout xmlns:a="http://schemas.openxmlformats.org/drawingml/2006/main" xmlns:r="http://schemas.openxmlformats.org/officeDocument/2006/relationships" xmlns:p="http://schemas.openxmlformats.org/presentationml/2006/main" matchingName="One column text">
   <p:cSld name="ONE_COLUMN_TEXT">
     <p:spTree>
       <p:nvGrpSpPr>
-        <p:cNvPr id="36" name="Shape 36"/>
+        <p:cNvPr id="1" name="Shape 36"/>
         <p:cNvGrpSpPr/>
         <p:nvPr/>
       </p:nvGrpSpPr>
@@ -5557,23 +5738,20 @@
           </a:ln>
         </p:spPr>
         <p:txBody>
-          <a:bodyPr anchorCtr="0" anchor="ctr" bIns="91425" lIns="91425" spcFirstLastPara="1" rIns="91425" wrap="square" tIns="91425">
+          <a:bodyPr spcFirstLastPara="1" wrap="square" lIns="91425" tIns="91425" rIns="91425" bIns="91425" anchor="ctr" anchorCtr="0">
             <a:noAutofit/>
           </a:bodyPr>
           <a:lstStyle/>
           <a:p>
-            <a:pPr indent="0" lvl="0" marL="0" rtl="0" algn="l">
-              <a:spcBef>
-                <a:spcPts val="0"/>
-              </a:spcBef>
-              <a:spcAft>
-                <a:spcPts val="0"/>
-              </a:spcAft>
-              <a:buNone/>
-            </a:pPr>
-            <a:r>
-              <a:t/>
-            </a:r>
+            <a:pPr marL="0" lvl="0" indent="0" algn="l" rtl="0">
+              <a:spcBef>
+                <a:spcPts val="0"/>
+              </a:spcBef>
+              <a:spcAft>
+                <a:spcPts val="0"/>
+              </a:spcAft>
+              <a:buNone/>
+            </a:pPr>
             <a:endParaRPr/>
           </a:p>
         </p:txBody>
@@ -5581,7 +5759,9 @@
       <p:sp>
         <p:nvSpPr>
           <p:cNvPr id="38" name="Google Shape;38;p7"/>
-          <p:cNvSpPr txBox="1"/>
+          <p:cNvSpPr txBox="1">
+            <a:spLocks noGrp="1"/>
+          </p:cNvSpPr>
           <p:nvPr>
             <p:ph type="title"/>
           </p:nvPr>
@@ -5596,7 +5776,7 @@
           </a:prstGeom>
         </p:spPr>
         <p:txBody>
-          <a:bodyPr anchorCtr="0" anchor="t" bIns="91425" lIns="91425" spcFirstLastPara="1" rIns="91425" wrap="square" tIns="91425">
+          <a:bodyPr spcFirstLastPara="1" wrap="square" lIns="91425" tIns="91425" rIns="91425" bIns="91425" anchor="t" anchorCtr="0">
             <a:normAutofit/>
           </a:bodyPr>
           <a:lstStyle>
@@ -5763,15 +5943,19 @@
               </a:defRPr>
             </a:lvl9pPr>
           </a:lstStyle>
-          <a:p/>
+          <a:p>
+            <a:endParaRPr/>
+          </a:p>
         </p:txBody>
       </p:sp>
       <p:sp>
         <p:nvSpPr>
           <p:cNvPr id="39" name="Google Shape;39;p7"/>
-          <p:cNvSpPr txBox="1"/>
+          <p:cNvSpPr txBox="1">
+            <a:spLocks noGrp="1"/>
+          </p:cNvSpPr>
           <p:nvPr>
-            <p:ph idx="1" type="body"/>
+            <p:ph type="body" idx="1"/>
           </p:nvPr>
         </p:nvSpPr>
         <p:spPr>
@@ -5784,11 +5968,11 @@
           </a:prstGeom>
         </p:spPr>
         <p:txBody>
-          <a:bodyPr anchorCtr="0" anchor="t" bIns="91425" lIns="91425" spcFirstLastPara="1" rIns="91425" wrap="square" tIns="91425">
+          <a:bodyPr spcFirstLastPara="1" wrap="square" lIns="91425" tIns="91425" rIns="91425" bIns="91425" anchor="t" anchorCtr="0">
             <a:normAutofit/>
           </a:bodyPr>
           <a:lstStyle>
-            <a:lvl1pPr indent="-311150" lvl="0" marL="457200">
+            <a:lvl1pPr marL="457200" lvl="0" indent="-311150">
               <a:spcBef>
                 <a:spcPts val="0"/>
               </a:spcBef>
@@ -5806,7 +5990,7 @@
                 </a:solidFill>
               </a:defRPr>
             </a:lvl1pPr>
-            <a:lvl2pPr indent="-298450" lvl="1" marL="914400">
+            <a:lvl2pPr marL="914400" lvl="1" indent="-298450">
               <a:spcBef>
                 <a:spcPts val="0"/>
               </a:spcBef>
@@ -5824,7 +6008,7 @@
                 </a:solidFill>
               </a:defRPr>
             </a:lvl2pPr>
-            <a:lvl3pPr indent="-298450" lvl="2" marL="1371600">
+            <a:lvl3pPr marL="1371600" lvl="2" indent="-298450">
               <a:spcBef>
                 <a:spcPts val="0"/>
               </a:spcBef>
@@ -5842,7 +6026,7 @@
                 </a:solidFill>
               </a:defRPr>
             </a:lvl3pPr>
-            <a:lvl4pPr indent="-298450" lvl="3" marL="1828800">
+            <a:lvl4pPr marL="1828800" lvl="3" indent="-298450">
               <a:spcBef>
                 <a:spcPts val="0"/>
               </a:spcBef>
@@ -5860,7 +6044,7 @@
                 </a:solidFill>
               </a:defRPr>
             </a:lvl4pPr>
-            <a:lvl5pPr indent="-298450" lvl="4" marL="2286000">
+            <a:lvl5pPr marL="2286000" lvl="4" indent="-298450">
               <a:spcBef>
                 <a:spcPts val="0"/>
               </a:spcBef>
@@ -5878,7 +6062,7 @@
                 </a:solidFill>
               </a:defRPr>
             </a:lvl5pPr>
-            <a:lvl6pPr indent="-298450" lvl="5" marL="2743200">
+            <a:lvl6pPr marL="2743200" lvl="5" indent="-298450">
               <a:spcBef>
                 <a:spcPts val="0"/>
               </a:spcBef>
@@ -5896,7 +6080,7 @@
                 </a:solidFill>
               </a:defRPr>
             </a:lvl6pPr>
-            <a:lvl7pPr indent="-298450" lvl="6" marL="3200400">
+            <a:lvl7pPr marL="3200400" lvl="6" indent="-298450">
               <a:spcBef>
                 <a:spcPts val="0"/>
               </a:spcBef>
@@ -5914,7 +6098,7 @@
                 </a:solidFill>
               </a:defRPr>
             </a:lvl7pPr>
-            <a:lvl8pPr indent="-298450" lvl="7" marL="3657600">
+            <a:lvl8pPr marL="3657600" lvl="7" indent="-298450">
               <a:spcBef>
                 <a:spcPts val="0"/>
               </a:spcBef>
@@ -5932,7 +6116,7 @@
                 </a:solidFill>
               </a:defRPr>
             </a:lvl8pPr>
-            <a:lvl9pPr indent="-298450" lvl="8" marL="4114800">
+            <a:lvl9pPr marL="4114800" lvl="8" indent="-298450">
               <a:spcBef>
                 <a:spcPts val="0"/>
               </a:spcBef>
@@ -5951,15 +6135,19 @@
               </a:defRPr>
             </a:lvl9pPr>
           </a:lstStyle>
-          <a:p/>
+          <a:p>
+            <a:endParaRPr/>
+          </a:p>
         </p:txBody>
       </p:sp>
       <p:sp>
         <p:nvSpPr>
           <p:cNvPr id="40" name="Google Shape;40;p7"/>
-          <p:cNvSpPr txBox="1"/>
+          <p:cNvSpPr txBox="1">
+            <a:spLocks noGrp="1"/>
+          </p:cNvSpPr>
           <p:nvPr>
-            <p:ph idx="12" type="sldNum"/>
+            <p:ph type="sldNum" idx="12"/>
           </p:nvPr>
         </p:nvSpPr>
         <p:spPr>
@@ -5972,7 +6160,7 @@
           </a:prstGeom>
         </p:spPr>
         <p:txBody>
-          <a:bodyPr anchorCtr="0" anchor="ctr" bIns="91425" lIns="91425" spcFirstLastPara="1" rIns="91425" wrap="square" tIns="91425">
+          <a:bodyPr spcFirstLastPara="1" wrap="square" lIns="91425" tIns="91425" rIns="91425" bIns="91425" anchor="ctr" anchorCtr="0">
             <a:normAutofit/>
           </a:bodyPr>
           <a:lstStyle>
@@ -6014,7 +6202,7 @@
             </a:lvl9pPr>
           </a:lstStyle>
           <a:p>
-            <a:pPr indent="0" lvl="0" marL="0" rtl="0" algn="r">
+            <a:pPr marL="0" lvl="0" indent="0" algn="r" rtl="0">
               <a:spcBef>
                 <a:spcPts val="0"/>
               </a:spcBef>
@@ -6040,18 +6228,19 @@
 </file>
 
 <file path=ppt/slideLayouts/slideLayout7.xml><?xml version="1.0" encoding="utf-8"?>
-<p:sldLayout xmlns:a="http://schemas.openxmlformats.org/drawingml/2006/main" xmlns:r="http://schemas.openxmlformats.org/officeDocument/2006/relationships" xmlns:mc="http://schemas.openxmlformats.org/markup-compatibility/2006" xmlns:mv="urn:schemas-microsoft-com:mac:vml" xmlns:p="http://schemas.openxmlformats.org/presentationml/2006/main" xmlns:c="http://schemas.openxmlformats.org/drawingml/2006/chart" xmlns:dgm="http://schemas.openxmlformats.org/drawingml/2006/diagram" xmlns:o="urn:schemas-microsoft-com:office:office" xmlns:v="urn:schemas-microsoft-com:vml" xmlns:pvml="urn:schemas-microsoft-com:office:powerpoint" xmlns:com="http://schemas.openxmlformats.org/drawingml/2006/compatibility" xmlns:p14="http://schemas.microsoft.com/office/powerpoint/2010/main" xmlns:p15="http://schemas.microsoft.com/office/powerpoint/2012/main" xmlns:ahyp="http://schemas.microsoft.com/office/drawing/2018/hyperlinkcolor" matchingName="Main point">
+<p:sldLayout xmlns:a="http://schemas.openxmlformats.org/drawingml/2006/main" xmlns:r="http://schemas.openxmlformats.org/officeDocument/2006/relationships" xmlns:p="http://schemas.openxmlformats.org/presentationml/2006/main" matchingName="Main point">
   <p:cSld name="MAIN_POINT">
     <p:bg>
       <p:bgPr>
         <a:solidFill>
           <a:schemeClr val="accent3"/>
         </a:solidFill>
+        <a:effectLst/>
       </p:bgPr>
     </p:bg>
     <p:spTree>
       <p:nvGrpSpPr>
-        <p:cNvPr id="41" name="Shape 41"/>
+        <p:cNvPr id="1" name="Shape 41"/>
         <p:cNvGrpSpPr/>
         <p:nvPr/>
       </p:nvGrpSpPr>
@@ -6066,7 +6255,9 @@
       <p:sp>
         <p:nvSpPr>
           <p:cNvPr id="42" name="Google Shape;42;p8"/>
-          <p:cNvSpPr txBox="1"/>
+          <p:cNvSpPr txBox="1">
+            <a:spLocks noGrp="1"/>
+          </p:cNvSpPr>
           <p:nvPr>
             <p:ph type="title"/>
           </p:nvPr>
@@ -6081,7 +6272,7 @@
           </a:prstGeom>
         </p:spPr>
         <p:txBody>
-          <a:bodyPr anchorCtr="0" anchor="ctr" bIns="91425" lIns="91425" spcFirstLastPara="1" rIns="91425" wrap="square" tIns="91425">
+          <a:bodyPr spcFirstLastPara="1" wrap="square" lIns="91425" tIns="91425" rIns="91425" bIns="91425" anchor="ctr" anchorCtr="0">
             <a:normAutofit/>
           </a:bodyPr>
           <a:lstStyle>
@@ -6185,15 +6376,19 @@
               <a:defRPr sz="3600"/>
             </a:lvl9pPr>
           </a:lstStyle>
-          <a:p/>
+          <a:p>
+            <a:endParaRPr/>
+          </a:p>
         </p:txBody>
       </p:sp>
       <p:sp>
         <p:nvSpPr>
           <p:cNvPr id="43" name="Google Shape;43;p8"/>
-          <p:cNvSpPr txBox="1"/>
+          <p:cNvSpPr txBox="1">
+            <a:spLocks noGrp="1"/>
+          </p:cNvSpPr>
           <p:nvPr>
-            <p:ph idx="12" type="sldNum"/>
+            <p:ph type="sldNum" idx="12"/>
           </p:nvPr>
         </p:nvSpPr>
         <p:spPr>
@@ -6206,7 +6401,7 @@
           </a:prstGeom>
         </p:spPr>
         <p:txBody>
-          <a:bodyPr anchorCtr="0" anchor="ctr" bIns="91425" lIns="91425" spcFirstLastPara="1" rIns="91425" wrap="square" tIns="91425">
+          <a:bodyPr spcFirstLastPara="1" wrap="square" lIns="91425" tIns="91425" rIns="91425" bIns="91425" anchor="ctr" anchorCtr="0">
             <a:normAutofit/>
           </a:bodyPr>
           <a:lstStyle>
@@ -6284,7 +6479,7 @@
             </a:lvl9pPr>
           </a:lstStyle>
           <a:p>
-            <a:pPr indent="0" lvl="0" marL="0" rtl="0" algn="r">
+            <a:pPr marL="0" lvl="0" indent="0" algn="r" rtl="0">
               <a:spcBef>
                 <a:spcPts val="0"/>
               </a:spcBef>
@@ -6310,11 +6505,11 @@
 </file>
 
 <file path=ppt/slideLayouts/slideLayout8.xml><?xml version="1.0" encoding="utf-8"?>
-<p:sldLayout xmlns:a="http://schemas.openxmlformats.org/drawingml/2006/main" xmlns:r="http://schemas.openxmlformats.org/officeDocument/2006/relationships" xmlns:mc="http://schemas.openxmlformats.org/markup-compatibility/2006" xmlns:mv="urn:schemas-microsoft-com:mac:vml" xmlns:p="http://schemas.openxmlformats.org/presentationml/2006/main" xmlns:c="http://schemas.openxmlformats.org/drawingml/2006/chart" xmlns:dgm="http://schemas.openxmlformats.org/drawingml/2006/diagram" xmlns:o="urn:schemas-microsoft-com:office:office" xmlns:v="urn:schemas-microsoft-com:vml" xmlns:pvml="urn:schemas-microsoft-com:office:powerpoint" xmlns:com="http://schemas.openxmlformats.org/drawingml/2006/compatibility" xmlns:p14="http://schemas.microsoft.com/office/powerpoint/2010/main" xmlns:p15="http://schemas.microsoft.com/office/powerpoint/2012/main" xmlns:ahyp="http://schemas.microsoft.com/office/drawing/2018/hyperlinkcolor" matchingName="Section title and description">
+<p:sldLayout xmlns:a="http://schemas.openxmlformats.org/drawingml/2006/main" xmlns:r="http://schemas.openxmlformats.org/officeDocument/2006/relationships" xmlns:p="http://schemas.openxmlformats.org/presentationml/2006/main" matchingName="Section title and description">
   <p:cSld name="SECTION_TITLE_AND_DESCRIPTION">
     <p:spTree>
       <p:nvGrpSpPr>
-        <p:cNvPr id="44" name="Shape 44"/>
+        <p:cNvPr id="1" name="Shape 44"/>
         <p:cNvGrpSpPr/>
         <p:nvPr/>
       </p:nvGrpSpPr>
@@ -6348,23 +6543,20 @@
           </a:ln>
         </p:spPr>
         <p:txBody>
-          <a:bodyPr anchorCtr="0" anchor="ctr" bIns="91425" lIns="91425" spcFirstLastPara="1" rIns="91425" wrap="square" tIns="91425">
+          <a:bodyPr spcFirstLastPara="1" wrap="square" lIns="91425" tIns="91425" rIns="91425" bIns="91425" anchor="ctr" anchorCtr="0">
             <a:noAutofit/>
           </a:bodyPr>
           <a:lstStyle/>
           <a:p>
-            <a:pPr indent="0" lvl="0" marL="0" rtl="0" algn="l">
-              <a:spcBef>
-                <a:spcPts val="0"/>
-              </a:spcBef>
-              <a:spcAft>
-                <a:spcPts val="0"/>
-              </a:spcAft>
-              <a:buNone/>
-            </a:pPr>
-            <a:r>
-              <a:t/>
-            </a:r>
+            <a:pPr marL="0" lvl="0" indent="0" algn="l" rtl="0">
+              <a:spcBef>
+                <a:spcPts val="0"/>
+              </a:spcBef>
+              <a:spcAft>
+                <a:spcPts val="0"/>
+              </a:spcAft>
+              <a:buNone/>
+            </a:pPr>
             <a:endParaRPr/>
           </a:p>
         </p:txBody>
@@ -6372,7 +6564,9 @@
       <p:sp>
         <p:nvSpPr>
           <p:cNvPr id="46" name="Google Shape;46;p9"/>
-          <p:cNvSpPr txBox="1"/>
+          <p:cNvSpPr txBox="1">
+            <a:spLocks noGrp="1"/>
+          </p:cNvSpPr>
           <p:nvPr>
             <p:ph type="title"/>
           </p:nvPr>
@@ -6387,7 +6581,7 @@
           </a:prstGeom>
         </p:spPr>
         <p:txBody>
-          <a:bodyPr anchorCtr="0" anchor="t" bIns="91425" lIns="91425" spcFirstLastPara="1" rIns="91425" wrap="square" tIns="91425">
+          <a:bodyPr spcFirstLastPara="1" wrap="square" lIns="91425" tIns="91425" rIns="91425" bIns="91425" anchor="t" anchorCtr="0">
             <a:normAutofit/>
           </a:bodyPr>
           <a:lstStyle>
@@ -6554,15 +6748,19 @@
               </a:defRPr>
             </a:lvl9pPr>
           </a:lstStyle>
-          <a:p/>
+          <a:p>
+            <a:endParaRPr/>
+          </a:p>
         </p:txBody>
       </p:sp>
       <p:sp>
         <p:nvSpPr>
           <p:cNvPr id="47" name="Google Shape;47;p9"/>
-          <p:cNvSpPr txBox="1"/>
+          <p:cNvSpPr txBox="1">
+            <a:spLocks noGrp="1"/>
+          </p:cNvSpPr>
           <p:nvPr>
-            <p:ph idx="1" type="subTitle"/>
+            <p:ph type="subTitle" idx="1"/>
           </p:nvPr>
         </p:nvSpPr>
         <p:spPr>
@@ -6575,7 +6773,7 @@
           </a:prstGeom>
         </p:spPr>
         <p:txBody>
-          <a:bodyPr anchorCtr="0" anchor="t" bIns="91425" lIns="91425" spcFirstLastPara="1" rIns="91425" wrap="square" tIns="91425">
+          <a:bodyPr spcFirstLastPara="1" wrap="square" lIns="91425" tIns="91425" rIns="91425" bIns="91425" anchor="t" anchorCtr="0">
             <a:normAutofit/>
           </a:bodyPr>
           <a:lstStyle>
@@ -6769,15 +6967,19 @@
               </a:defRPr>
             </a:lvl9pPr>
           </a:lstStyle>
-          <a:p/>
+          <a:p>
+            <a:endParaRPr/>
+          </a:p>
         </p:txBody>
       </p:sp>
       <p:sp>
         <p:nvSpPr>
           <p:cNvPr id="48" name="Google Shape;48;p9"/>
-          <p:cNvSpPr txBox="1"/>
+          <p:cNvSpPr txBox="1">
+            <a:spLocks noGrp="1"/>
+          </p:cNvSpPr>
           <p:nvPr>
-            <p:ph idx="2" type="body"/>
+            <p:ph type="body" idx="2"/>
           </p:nvPr>
         </p:nvSpPr>
         <p:spPr>
@@ -6790,11 +6992,11 @@
           </a:prstGeom>
         </p:spPr>
         <p:txBody>
-          <a:bodyPr anchorCtr="0" anchor="t" bIns="91425" lIns="91425" spcFirstLastPara="1" rIns="91425" wrap="square" tIns="91425">
+          <a:bodyPr spcFirstLastPara="1" wrap="square" lIns="91425" tIns="91425" rIns="91425" bIns="91425" anchor="t" anchorCtr="0">
             <a:normAutofit/>
           </a:bodyPr>
           <a:lstStyle>
-            <a:lvl1pPr indent="-311150" lvl="0" marL="457200">
+            <a:lvl1pPr marL="457200" lvl="0" indent="-311150">
               <a:spcBef>
                 <a:spcPts val="0"/>
               </a:spcBef>
@@ -6805,7 +7007,7 @@
               <a:buChar char="●"/>
               <a:defRPr/>
             </a:lvl1pPr>
-            <a:lvl2pPr indent="-298450" lvl="1" marL="914400">
+            <a:lvl2pPr marL="914400" lvl="1" indent="-298450">
               <a:spcBef>
                 <a:spcPts val="0"/>
               </a:spcBef>
@@ -6816,7 +7018,7 @@
               <a:buChar char="○"/>
               <a:defRPr/>
             </a:lvl2pPr>
-            <a:lvl3pPr indent="-298450" lvl="2" marL="1371600">
+            <a:lvl3pPr marL="1371600" lvl="2" indent="-298450">
               <a:spcBef>
                 <a:spcPts val="0"/>
               </a:spcBef>
@@ -6827,7 +7029,7 @@
               <a:buChar char="■"/>
               <a:defRPr/>
             </a:lvl3pPr>
-            <a:lvl4pPr indent="-298450" lvl="3" marL="1828800">
+            <a:lvl4pPr marL="1828800" lvl="3" indent="-298450">
               <a:spcBef>
                 <a:spcPts val="0"/>
               </a:spcBef>
@@ -6838,7 +7040,7 @@
               <a:buChar char="●"/>
               <a:defRPr/>
             </a:lvl4pPr>
-            <a:lvl5pPr indent="-298450" lvl="4" marL="2286000">
+            <a:lvl5pPr marL="2286000" lvl="4" indent="-298450">
               <a:spcBef>
                 <a:spcPts val="0"/>
               </a:spcBef>
@@ -6849,7 +7051,7 @@
               <a:buChar char="○"/>
               <a:defRPr/>
             </a:lvl5pPr>
-            <a:lvl6pPr indent="-298450" lvl="5" marL="2743200">
+            <a:lvl6pPr marL="2743200" lvl="5" indent="-298450">
               <a:spcBef>
                 <a:spcPts val="0"/>
               </a:spcBef>
@@ -6860,7 +7062,7 @@
               <a:buChar char="■"/>
               <a:defRPr/>
             </a:lvl6pPr>
-            <a:lvl7pPr indent="-298450" lvl="6" marL="3200400">
+            <a:lvl7pPr marL="3200400" lvl="6" indent="-298450">
               <a:spcBef>
                 <a:spcPts val="0"/>
               </a:spcBef>
@@ -6871,7 +7073,7 @@
               <a:buChar char="●"/>
               <a:defRPr/>
             </a:lvl7pPr>
-            <a:lvl8pPr indent="-298450" lvl="7" marL="3657600">
+            <a:lvl8pPr marL="3657600" lvl="7" indent="-298450">
               <a:spcBef>
                 <a:spcPts val="0"/>
               </a:spcBef>
@@ -6882,7 +7084,7 @@
               <a:buChar char="○"/>
               <a:defRPr/>
             </a:lvl8pPr>
-            <a:lvl9pPr indent="-298450" lvl="8" marL="4114800">
+            <a:lvl9pPr marL="4114800" lvl="8" indent="-298450">
               <a:spcBef>
                 <a:spcPts val="0"/>
               </a:spcBef>
@@ -6894,15 +7096,19 @@
               <a:defRPr/>
             </a:lvl9pPr>
           </a:lstStyle>
-          <a:p/>
+          <a:p>
+            <a:endParaRPr/>
+          </a:p>
         </p:txBody>
       </p:sp>
       <p:sp>
         <p:nvSpPr>
           <p:cNvPr id="49" name="Google Shape;49;p9"/>
-          <p:cNvSpPr txBox="1"/>
+          <p:cNvSpPr txBox="1">
+            <a:spLocks noGrp="1"/>
+          </p:cNvSpPr>
           <p:nvPr>
-            <p:ph idx="12" type="sldNum"/>
+            <p:ph type="sldNum" idx="12"/>
           </p:nvPr>
         </p:nvSpPr>
         <p:spPr>
@@ -6915,7 +7121,7 @@
           </a:prstGeom>
         </p:spPr>
         <p:txBody>
-          <a:bodyPr anchorCtr="0" anchor="ctr" bIns="91425" lIns="91425" spcFirstLastPara="1" rIns="91425" wrap="square" tIns="91425">
+          <a:bodyPr spcFirstLastPara="1" wrap="square" lIns="91425" tIns="91425" rIns="91425" bIns="91425" anchor="ctr" anchorCtr="0">
             <a:normAutofit/>
           </a:bodyPr>
           <a:lstStyle>
@@ -6957,7 +7163,7 @@
             </a:lvl9pPr>
           </a:lstStyle>
           <a:p>
-            <a:pPr indent="0" lvl="0" marL="0" rtl="0" algn="r">
+            <a:pPr marL="0" lvl="0" indent="0" algn="r" rtl="0">
               <a:spcBef>
                 <a:spcPts val="0"/>
               </a:spcBef>
@@ -6983,11 +7189,11 @@
 </file>
 
 <file path=ppt/slideLayouts/slideLayout9.xml><?xml version="1.0" encoding="utf-8"?>
-<p:sldLayout xmlns:a="http://schemas.openxmlformats.org/drawingml/2006/main" xmlns:r="http://schemas.openxmlformats.org/officeDocument/2006/relationships" xmlns:mc="http://schemas.openxmlformats.org/markup-compatibility/2006" xmlns:mv="urn:schemas-microsoft-com:mac:vml" xmlns:p="http://schemas.openxmlformats.org/presentationml/2006/main" xmlns:c="http://schemas.openxmlformats.org/drawingml/2006/chart" xmlns:dgm="http://schemas.openxmlformats.org/drawingml/2006/diagram" xmlns:o="urn:schemas-microsoft-com:office:office" xmlns:v="urn:schemas-microsoft-com:vml" xmlns:pvml="urn:schemas-microsoft-com:office:powerpoint" xmlns:com="http://schemas.openxmlformats.org/drawingml/2006/compatibility" xmlns:p14="http://schemas.microsoft.com/office/powerpoint/2010/main" xmlns:p15="http://schemas.microsoft.com/office/powerpoint/2012/main" xmlns:ahyp="http://schemas.microsoft.com/office/drawing/2018/hyperlinkcolor" matchingName="Caption">
+<p:sldLayout xmlns:a="http://schemas.openxmlformats.org/drawingml/2006/main" xmlns:r="http://schemas.openxmlformats.org/officeDocument/2006/relationships" xmlns:p="http://schemas.openxmlformats.org/presentationml/2006/main" matchingName="Caption">
   <p:cSld name="CAPTION_ONLY">
     <p:spTree>
       <p:nvGrpSpPr>
-        <p:cNvPr id="50" name="Shape 50"/>
+        <p:cNvPr id="1" name="Shape 50"/>
         <p:cNvGrpSpPr/>
         <p:nvPr/>
       </p:nvGrpSpPr>
@@ -7021,23 +7227,20 @@
           </a:ln>
         </p:spPr>
         <p:txBody>
-          <a:bodyPr anchorCtr="0" anchor="ctr" bIns="91425" lIns="91425" spcFirstLastPara="1" rIns="91425" wrap="square" tIns="91425">
+          <a:bodyPr spcFirstLastPara="1" wrap="square" lIns="91425" tIns="91425" rIns="91425" bIns="91425" anchor="ctr" anchorCtr="0">
             <a:noAutofit/>
           </a:bodyPr>
           <a:lstStyle/>
           <a:p>
-            <a:pPr indent="0" lvl="0" marL="0" rtl="0" algn="l">
-              <a:spcBef>
-                <a:spcPts val="0"/>
-              </a:spcBef>
-              <a:spcAft>
-                <a:spcPts val="0"/>
-              </a:spcAft>
-              <a:buNone/>
-            </a:pPr>
-            <a:r>
-              <a:t/>
-            </a:r>
+            <a:pPr marL="0" lvl="0" indent="0" algn="l" rtl="0">
+              <a:spcBef>
+                <a:spcPts val="0"/>
+              </a:spcBef>
+              <a:spcAft>
+                <a:spcPts val="0"/>
+              </a:spcAft>
+              <a:buNone/>
+            </a:pPr>
             <a:endParaRPr/>
           </a:p>
         </p:txBody>
@@ -7045,9 +7248,11 @@
       <p:sp>
         <p:nvSpPr>
           <p:cNvPr id="52" name="Google Shape;52;p10"/>
-          <p:cNvSpPr txBox="1"/>
+          <p:cNvSpPr txBox="1">
+            <a:spLocks noGrp="1"/>
+          </p:cNvSpPr>
           <p:nvPr>
-            <p:ph idx="1" type="body"/>
+            <p:ph type="body" idx="1"/>
           </p:nvPr>
         </p:nvSpPr>
         <p:spPr>
@@ -7060,11 +7265,11 @@
           </a:prstGeom>
         </p:spPr>
         <p:txBody>
-          <a:bodyPr anchorCtr="0" anchor="ctr" bIns="91425" lIns="91425" spcFirstLastPara="1" rIns="91425" wrap="square" tIns="91425">
+          <a:bodyPr spcFirstLastPara="1" wrap="square" lIns="91425" tIns="91425" rIns="91425" bIns="91425" anchor="ctr" anchorCtr="0">
             <a:normAutofit/>
           </a:bodyPr>
           <a:lstStyle>
-            <a:lvl1pPr indent="-228600" lvl="0" marL="457200">
+            <a:lvl1pPr marL="457200" lvl="0" indent="-228600">
               <a:lnSpc>
                 <a:spcPct val="100000"/>
               </a:lnSpc>
@@ -7091,15 +7296,19 @@
               </a:defRPr>
             </a:lvl1pPr>
           </a:lstStyle>
-          <a:p/>
+          <a:p>
+            <a:endParaRPr/>
+          </a:p>
         </p:txBody>
       </p:sp>
       <p:sp>
         <p:nvSpPr>
           <p:cNvPr id="53" name="Google Shape;53;p10"/>
-          <p:cNvSpPr txBox="1"/>
+          <p:cNvSpPr txBox="1">
+            <a:spLocks noGrp="1"/>
+          </p:cNvSpPr>
           <p:nvPr>
-            <p:ph idx="12" type="sldNum"/>
+            <p:ph type="sldNum" idx="12"/>
           </p:nvPr>
         </p:nvSpPr>
         <p:spPr>
@@ -7112,7 +7321,7 @@
           </a:prstGeom>
         </p:spPr>
         <p:txBody>
-          <a:bodyPr anchorCtr="0" anchor="ctr" bIns="91425" lIns="91425" spcFirstLastPara="1" rIns="91425" wrap="square" tIns="91425">
+          <a:bodyPr spcFirstLastPara="1" wrap="square" lIns="91425" tIns="91425" rIns="91425" bIns="91425" anchor="ctr" anchorCtr="0">
             <a:normAutofit/>
           </a:bodyPr>
           <a:lstStyle>
@@ -7190,7 +7399,7 @@
             </a:lvl9pPr>
           </a:lstStyle>
           <a:p>
-            <a:pPr indent="0" lvl="0" marL="0" rtl="0" algn="r">
+            <a:pPr marL="0" lvl="0" indent="0" algn="r" rtl="0">
               <a:spcBef>
                 <a:spcPts val="0"/>
               </a:spcBef>
@@ -7216,18 +7425,19 @@
 </file>
 
 <file path=ppt/slideMasters/slideMaster1.xml><?xml version="1.0" encoding="utf-8"?>
-<p:sldMaster xmlns:a="http://schemas.openxmlformats.org/drawingml/2006/main" xmlns:r="http://schemas.openxmlformats.org/officeDocument/2006/relationships" xmlns:mc="http://schemas.openxmlformats.org/markup-compatibility/2006" xmlns:mv="urn:schemas-microsoft-com:mac:vml" xmlns:p="http://schemas.openxmlformats.org/presentationml/2006/main" xmlns:c="http://schemas.openxmlformats.org/drawingml/2006/chart" xmlns:dgm="http://schemas.openxmlformats.org/drawingml/2006/diagram" xmlns:o="urn:schemas-microsoft-com:office:office" xmlns:v="urn:schemas-microsoft-com:vml" xmlns:pvml="urn:schemas-microsoft-com:office:powerpoint" xmlns:com="http://schemas.openxmlformats.org/drawingml/2006/compatibility" xmlns:p14="http://schemas.microsoft.com/office/powerpoint/2010/main" xmlns:p15="http://schemas.microsoft.com/office/powerpoint/2012/main" xmlns:ahyp="http://schemas.microsoft.com/office/drawing/2018/hyperlinkcolor">
+<p:sldMaster xmlns:a="http://schemas.openxmlformats.org/drawingml/2006/main" xmlns:r="http://schemas.openxmlformats.org/officeDocument/2006/relationships" xmlns:p="http://schemas.openxmlformats.org/presentationml/2006/main">
   <p:cSld name="paradigm">
     <p:bg>
       <p:bgPr>
         <a:solidFill>
           <a:schemeClr val="lt1"/>
         </a:solidFill>
+        <a:effectLst/>
       </p:bgPr>
     </p:bg>
     <p:spTree>
       <p:nvGrpSpPr>
-        <p:cNvPr id="5" name="Shape 5"/>
+        <p:cNvPr id="1" name="Shape 5"/>
         <p:cNvGrpSpPr/>
         <p:nvPr/>
       </p:nvGrpSpPr>
@@ -7242,7 +7452,9 @@
       <p:sp>
         <p:nvSpPr>
           <p:cNvPr id="6" name="Google Shape;6;p1"/>
-          <p:cNvSpPr txBox="1"/>
+          <p:cNvSpPr txBox="1">
+            <a:spLocks noGrp="1"/>
+          </p:cNvSpPr>
           <p:nvPr>
             <p:ph type="title"/>
           </p:nvPr>
@@ -7261,7 +7473,7 @@
           </a:ln>
         </p:spPr>
         <p:txBody>
-          <a:bodyPr anchorCtr="0" anchor="t" bIns="91425" lIns="91425" spcFirstLastPara="1" rIns="91425" wrap="square" tIns="91425">
+          <a:bodyPr spcFirstLastPara="1" wrap="square" lIns="91425" tIns="91425" rIns="91425" bIns="91425" anchor="t" anchorCtr="0">
             <a:normAutofit/>
           </a:bodyPr>
           <a:lstStyle>
@@ -7473,15 +7685,19 @@
               </a:defRPr>
             </a:lvl9pPr>
           </a:lstStyle>
-          <a:p/>
+          <a:p>
+            <a:endParaRPr/>
+          </a:p>
         </p:txBody>
       </p:sp>
       <p:sp>
         <p:nvSpPr>
           <p:cNvPr id="7" name="Google Shape;7;p1"/>
-          <p:cNvSpPr txBox="1"/>
+          <p:cNvSpPr txBox="1">
+            <a:spLocks noGrp="1"/>
+          </p:cNvSpPr>
           <p:nvPr>
-            <p:ph idx="1" type="body"/>
+            <p:ph type="body" idx="1"/>
           </p:nvPr>
         </p:nvSpPr>
         <p:spPr>
@@ -7498,11 +7714,11 @@
           </a:ln>
         </p:spPr>
         <p:txBody>
-          <a:bodyPr anchorCtr="0" anchor="t" bIns="91425" lIns="91425" spcFirstLastPara="1" rIns="91425" wrap="square" tIns="91425">
+          <a:bodyPr spcFirstLastPara="1" wrap="square" lIns="91425" tIns="91425" rIns="91425" bIns="91425" anchor="t" anchorCtr="0">
             <a:normAutofit/>
           </a:bodyPr>
           <a:lstStyle>
-            <a:lvl1pPr indent="-311150" lvl="0" marL="457200">
+            <a:lvl1pPr marL="457200" lvl="0" indent="-311150">
               <a:lnSpc>
                 <a:spcPct val="115000"/>
               </a:lnSpc>
@@ -7528,7 +7744,7 @@
                 <a:sym typeface="Roboto"/>
               </a:defRPr>
             </a:lvl1pPr>
-            <a:lvl2pPr indent="-298450" lvl="1" marL="914400">
+            <a:lvl2pPr marL="914400" lvl="1" indent="-298450">
               <a:lnSpc>
                 <a:spcPct val="115000"/>
               </a:lnSpc>
@@ -7554,7 +7770,7 @@
                 <a:sym typeface="Roboto"/>
               </a:defRPr>
             </a:lvl2pPr>
-            <a:lvl3pPr indent="-298450" lvl="2" marL="1371600">
+            <a:lvl3pPr marL="1371600" lvl="2" indent="-298450">
               <a:lnSpc>
                 <a:spcPct val="115000"/>
               </a:lnSpc>
@@ -7580,7 +7796,7 @@
                 <a:sym typeface="Roboto"/>
               </a:defRPr>
             </a:lvl3pPr>
-            <a:lvl4pPr indent="-298450" lvl="3" marL="1828800">
+            <a:lvl4pPr marL="1828800" lvl="3" indent="-298450">
               <a:lnSpc>
                 <a:spcPct val="115000"/>
               </a:lnSpc>
@@ -7606,7 +7822,7 @@
                 <a:sym typeface="Roboto"/>
               </a:defRPr>
             </a:lvl4pPr>
-            <a:lvl5pPr indent="-298450" lvl="4" marL="2286000">
+            <a:lvl5pPr marL="2286000" lvl="4" indent="-298450">
               <a:lnSpc>
                 <a:spcPct val="115000"/>
               </a:lnSpc>
@@ -7632,7 +7848,7 @@
                 <a:sym typeface="Roboto"/>
               </a:defRPr>
             </a:lvl5pPr>
-            <a:lvl6pPr indent="-298450" lvl="5" marL="2743200">
+            <a:lvl6pPr marL="2743200" lvl="5" indent="-298450">
               <a:lnSpc>
                 <a:spcPct val="115000"/>
               </a:lnSpc>
@@ -7658,7 +7874,7 @@
                 <a:sym typeface="Roboto"/>
               </a:defRPr>
             </a:lvl6pPr>
-            <a:lvl7pPr indent="-298450" lvl="6" marL="3200400">
+            <a:lvl7pPr marL="3200400" lvl="6" indent="-298450">
               <a:lnSpc>
                 <a:spcPct val="115000"/>
               </a:lnSpc>
@@ -7684,7 +7900,7 @@
                 <a:sym typeface="Roboto"/>
               </a:defRPr>
             </a:lvl7pPr>
-            <a:lvl8pPr indent="-298450" lvl="7" marL="3657600">
+            <a:lvl8pPr marL="3657600" lvl="7" indent="-298450">
               <a:lnSpc>
                 <a:spcPct val="115000"/>
               </a:lnSpc>
@@ -7710,7 +7926,7 @@
                 <a:sym typeface="Roboto"/>
               </a:defRPr>
             </a:lvl8pPr>
-            <a:lvl9pPr indent="-298450" lvl="8" marL="4114800">
+            <a:lvl9pPr marL="4114800" lvl="8" indent="-298450">
               <a:lnSpc>
                 <a:spcPct val="115000"/>
               </a:lnSpc>
@@ -7737,15 +7953,19 @@
               </a:defRPr>
             </a:lvl9pPr>
           </a:lstStyle>
-          <a:p/>
+          <a:p>
+            <a:endParaRPr/>
+          </a:p>
         </p:txBody>
       </p:sp>
       <p:sp>
         <p:nvSpPr>
           <p:cNvPr id="8" name="Google Shape;8;p1"/>
-          <p:cNvSpPr txBox="1"/>
+          <p:cNvSpPr txBox="1">
+            <a:spLocks noGrp="1"/>
+          </p:cNvSpPr>
           <p:nvPr>
-            <p:ph idx="12" type="sldNum"/>
+            <p:ph type="sldNum" idx="12"/>
           </p:nvPr>
         </p:nvSpPr>
         <p:spPr>
@@ -7762,7 +7982,7 @@
           </a:ln>
         </p:spPr>
         <p:txBody>
-          <a:bodyPr anchorCtr="0" anchor="ctr" bIns="91425" lIns="91425" spcFirstLastPara="1" rIns="91425" wrap="square" tIns="91425">
+          <a:bodyPr spcFirstLastPara="1" wrap="square" lIns="91425" tIns="91425" rIns="91425" bIns="91425" anchor="ctr" anchorCtr="0">
             <a:normAutofit/>
           </a:bodyPr>
           <a:lstStyle>
@@ -7876,7 +8096,7 @@
             </a:lvl9pPr>
           </a:lstStyle>
           <a:p>
-            <a:pPr indent="0" lvl="0" marL="0" rtl="0" algn="r">
+            <a:pPr marL="0" lvl="0" indent="0" algn="r" rtl="0">
               <a:spcBef>
                 <a:spcPts val="0"/>
               </a:spcBef>
@@ -7895,7 +8115,7 @@
       </p:sp>
     </p:spTree>
   </p:cSld>
-  <p:clrMap accent1="accent1" accent2="accent2" accent3="accent3" accent4="accent4" accent5="accent5" accent6="accent6" bg1="lt1" bg2="dk2" tx1="dk1" tx2="lt2" folHlink="folHlink" hlink="hlink"/>
+  <p:clrMap bg1="lt1" tx1="dk1" bg2="dk2" tx2="lt2" accent1="accent1" accent2="accent2" accent3="accent3" accent4="accent4" accent5="accent5" accent6="accent6" hlink="hlink" folHlink="folHlink"/>
   <p:sldLayoutIdLst>
     <p:sldLayoutId id="2147483648" r:id="rId1"/>
     <p:sldLayoutId id="2147483649" r:id="rId2"/>
@@ -7909,10 +8129,10 @@
     <p:sldLayoutId id="2147483657" r:id="rId10"/>
     <p:sldLayoutId id="2147483658" r:id="rId11"/>
   </p:sldLayoutIdLst>
-  <p:hf dt="0" ftr="0" hdr="0" sldNum="0"/>
+  <p:hf sldNum="0" hdr="0" ftr="0" dt="0"/>
   <p:txStyles>
     <p:titleStyle>
-      <a:defPPr lvl="0" marR="0" rtl="0" algn="l">
+      <a:defPPr marR="0" lvl="0" algn="l" rtl="0">
         <a:lnSpc>
           <a:spcPct val="100000"/>
         </a:lnSpc>
@@ -7923,7 +8143,7 @@
           <a:spcPts val="0"/>
         </a:spcAft>
       </a:defPPr>
-      <a:lvl1pPr lvl="0" marR="0" rtl="0" algn="l">
+      <a:lvl1pPr marR="0" lvl="0" algn="l" rtl="0">
         <a:lnSpc>
           <a:spcPct val="100000"/>
         </a:lnSpc>
@@ -7937,7 +8157,7 @@
           <a:srgbClr val="000000"/>
         </a:buClr>
         <a:buFont typeface="Arial"/>
-        <a:defRPr b="0" i="0" sz="1400" u="none" cap="none" strike="noStrike">
+        <a:defRPr sz="1400" b="0" i="0" u="none" strike="noStrike" cap="none">
           <a:solidFill>
             <a:srgbClr val="000000"/>
           </a:solidFill>
@@ -7947,7 +8167,7 @@
           <a:sym typeface="Arial"/>
         </a:defRPr>
       </a:lvl1pPr>
-      <a:lvl2pPr lvl="1" marR="0" rtl="0" algn="l">
+      <a:lvl2pPr marR="0" lvl="1" algn="l" rtl="0">
         <a:lnSpc>
           <a:spcPct val="100000"/>
         </a:lnSpc>
@@ -7961,7 +8181,7 @@
           <a:srgbClr val="000000"/>
         </a:buClr>
         <a:buFont typeface="Arial"/>
-        <a:defRPr b="0" i="0" sz="1400" u="none" cap="none" strike="noStrike">
+        <a:defRPr sz="1400" b="0" i="0" u="none" strike="noStrike" cap="none">
           <a:solidFill>
             <a:srgbClr val="000000"/>
           </a:solidFill>
@@ -7971,7 +8191,7 @@
           <a:sym typeface="Arial"/>
         </a:defRPr>
       </a:lvl2pPr>
-      <a:lvl3pPr lvl="2" marR="0" rtl="0" algn="l">
+      <a:lvl3pPr marR="0" lvl="2" algn="l" rtl="0">
         <a:lnSpc>
           <a:spcPct val="100000"/>
         </a:lnSpc>
@@ -7985,7 +8205,7 @@
           <a:srgbClr val="000000"/>
         </a:buClr>
         <a:buFont typeface="Arial"/>
-        <a:defRPr b="0" i="0" sz="1400" u="none" cap="none" strike="noStrike">
+        <a:defRPr sz="1400" b="0" i="0" u="none" strike="noStrike" cap="none">
           <a:solidFill>
             <a:srgbClr val="000000"/>
           </a:solidFill>
@@ -7995,7 +8215,7 @@
           <a:sym typeface="Arial"/>
         </a:defRPr>
       </a:lvl3pPr>
-      <a:lvl4pPr lvl="3" marR="0" rtl="0" algn="l">
+      <a:lvl4pPr marR="0" lvl="3" algn="l" rtl="0">
         <a:lnSpc>
           <a:spcPct val="100000"/>
         </a:lnSpc>
@@ -8009,7 +8229,7 @@
           <a:srgbClr val="000000"/>
         </a:buClr>
         <a:buFont typeface="Arial"/>
-        <a:defRPr b="0" i="0" sz="1400" u="none" cap="none" strike="noStrike">
+        <a:defRPr sz="1400" b="0" i="0" u="none" strike="noStrike" cap="none">
           <a:solidFill>
             <a:srgbClr val="000000"/>
           </a:solidFill>
@@ -8019,7 +8239,7 @@
           <a:sym typeface="Arial"/>
         </a:defRPr>
       </a:lvl4pPr>
-      <a:lvl5pPr lvl="4" marR="0" rtl="0" algn="l">
+      <a:lvl5pPr marR="0" lvl="4" algn="l" rtl="0">
         <a:lnSpc>
           <a:spcPct val="100000"/>
         </a:lnSpc>
@@ -8033,7 +8253,7 @@
           <a:srgbClr val="000000"/>
         </a:buClr>
         <a:buFont typeface="Arial"/>
-        <a:defRPr b="0" i="0" sz="1400" u="none" cap="none" strike="noStrike">
+        <a:defRPr sz="1400" b="0" i="0" u="none" strike="noStrike" cap="none">
           <a:solidFill>
             <a:srgbClr val="000000"/>
           </a:solidFill>
@@ -8043,7 +8263,7 @@
           <a:sym typeface="Arial"/>
         </a:defRPr>
       </a:lvl5pPr>
-      <a:lvl6pPr lvl="5" marR="0" rtl="0" algn="l">
+      <a:lvl6pPr marR="0" lvl="5" algn="l" rtl="0">
         <a:lnSpc>
           <a:spcPct val="100000"/>
         </a:lnSpc>
@@ -8057,7 +8277,7 @@
           <a:srgbClr val="000000"/>
         </a:buClr>
         <a:buFont typeface="Arial"/>
-        <a:defRPr b="0" i="0" sz="1400" u="none" cap="none" strike="noStrike">
+        <a:defRPr sz="1400" b="0" i="0" u="none" strike="noStrike" cap="none">
           <a:solidFill>
             <a:srgbClr val="000000"/>
           </a:solidFill>
@@ -8067,7 +8287,7 @@
           <a:sym typeface="Arial"/>
         </a:defRPr>
       </a:lvl6pPr>
-      <a:lvl7pPr lvl="6" marR="0" rtl="0" algn="l">
+      <a:lvl7pPr marR="0" lvl="6" algn="l" rtl="0">
         <a:lnSpc>
           <a:spcPct val="100000"/>
         </a:lnSpc>
@@ -8081,7 +8301,7 @@
           <a:srgbClr val="000000"/>
         </a:buClr>
         <a:buFont typeface="Arial"/>
-        <a:defRPr b="0" i="0" sz="1400" u="none" cap="none" strike="noStrike">
+        <a:defRPr sz="1400" b="0" i="0" u="none" strike="noStrike" cap="none">
           <a:solidFill>
             <a:srgbClr val="000000"/>
           </a:solidFill>
@@ -8091,7 +8311,7 @@
           <a:sym typeface="Arial"/>
         </a:defRPr>
       </a:lvl7pPr>
-      <a:lvl8pPr lvl="7" marR="0" rtl="0" algn="l">
+      <a:lvl8pPr marR="0" lvl="7" algn="l" rtl="0">
         <a:lnSpc>
           <a:spcPct val="100000"/>
         </a:lnSpc>
@@ -8105,7 +8325,7 @@
           <a:srgbClr val="000000"/>
         </a:buClr>
         <a:buFont typeface="Arial"/>
-        <a:defRPr b="0" i="0" sz="1400" u="none" cap="none" strike="noStrike">
+        <a:defRPr sz="1400" b="0" i="0" u="none" strike="noStrike" cap="none">
           <a:solidFill>
             <a:srgbClr val="000000"/>
           </a:solidFill>
@@ -8115,7 +8335,7 @@
           <a:sym typeface="Arial"/>
         </a:defRPr>
       </a:lvl8pPr>
-      <a:lvl9pPr lvl="8" marR="0" rtl="0" algn="l">
+      <a:lvl9pPr marR="0" lvl="8" algn="l" rtl="0">
         <a:lnSpc>
           <a:spcPct val="100000"/>
         </a:lnSpc>
@@ -8129,7 +8349,7 @@
           <a:srgbClr val="000000"/>
         </a:buClr>
         <a:buFont typeface="Arial"/>
-        <a:defRPr b="0" i="0" sz="1400" u="none" cap="none" strike="noStrike">
+        <a:defRPr sz="1400" b="0" i="0" u="none" strike="noStrike" cap="none">
           <a:solidFill>
             <a:srgbClr val="000000"/>
           </a:solidFill>
@@ -8141,7 +8361,7 @@
       </a:lvl9pPr>
     </p:titleStyle>
     <p:bodyStyle>
-      <a:defPPr lvl="0" marR="0" rtl="0" algn="l">
+      <a:defPPr marR="0" lvl="0" algn="l" rtl="0">
         <a:lnSpc>
           <a:spcPct val="100000"/>
         </a:lnSpc>
@@ -8152,7 +8372,7 @@
           <a:spcPts val="0"/>
         </a:spcAft>
       </a:defPPr>
-      <a:lvl1pPr lvl="0" marR="0" rtl="0" algn="l">
+      <a:lvl1pPr marR="0" lvl="0" algn="l" rtl="0">
         <a:lnSpc>
           <a:spcPct val="100000"/>
         </a:lnSpc>
@@ -8166,7 +8386,7 @@
           <a:srgbClr val="000000"/>
         </a:buClr>
         <a:buFont typeface="Arial"/>
-        <a:defRPr b="0" i="0" sz="1400" u="none" cap="none" strike="noStrike">
+        <a:defRPr sz="1400" b="0" i="0" u="none" strike="noStrike" cap="none">
           <a:solidFill>
             <a:srgbClr val="000000"/>
           </a:solidFill>
@@ -8176,7 +8396,7 @@
           <a:sym typeface="Arial"/>
         </a:defRPr>
       </a:lvl1pPr>
-      <a:lvl2pPr lvl="1" marR="0" rtl="0" algn="l">
+      <a:lvl2pPr marR="0" lvl="1" algn="l" rtl="0">
         <a:lnSpc>
           <a:spcPct val="100000"/>
         </a:lnSpc>
@@ -8190,7 +8410,7 @@
           <a:srgbClr val="000000"/>
         </a:buClr>
         <a:buFont typeface="Arial"/>
-        <a:defRPr b="0" i="0" sz="1400" u="none" cap="none" strike="noStrike">
+        <a:defRPr sz="1400" b="0" i="0" u="none" strike="noStrike" cap="none">
           <a:solidFill>
             <a:srgbClr val="000000"/>
           </a:solidFill>
@@ -8200,7 +8420,7 @@
           <a:sym typeface="Arial"/>
         </a:defRPr>
       </a:lvl2pPr>
-      <a:lvl3pPr lvl="2" marR="0" rtl="0" algn="l">
+      <a:lvl3pPr marR="0" lvl="2" algn="l" rtl="0">
         <a:lnSpc>
           <a:spcPct val="100000"/>
         </a:lnSpc>
@@ -8214,7 +8434,7 @@
           <a:srgbClr val="000000"/>
         </a:buClr>
         <a:buFont typeface="Arial"/>
-        <a:defRPr b="0" i="0" sz="1400" u="none" cap="none" strike="noStrike">
+        <a:defRPr sz="1400" b="0" i="0" u="none" strike="noStrike" cap="none">
           <a:solidFill>
             <a:srgbClr val="000000"/>
           </a:solidFill>
@@ -8224,7 +8444,7 @@
           <a:sym typeface="Arial"/>
         </a:defRPr>
       </a:lvl3pPr>
-      <a:lvl4pPr lvl="3" marR="0" rtl="0" algn="l">
+      <a:lvl4pPr marR="0" lvl="3" algn="l" rtl="0">
         <a:lnSpc>
           <a:spcPct val="100000"/>
         </a:lnSpc>
@@ -8238,7 +8458,7 @@
           <a:srgbClr val="000000"/>
         </a:buClr>
         <a:buFont typeface="Arial"/>
-        <a:defRPr b="0" i="0" sz="1400" u="none" cap="none" strike="noStrike">
+        <a:defRPr sz="1400" b="0" i="0" u="none" strike="noStrike" cap="none">
           <a:solidFill>
             <a:srgbClr val="000000"/>
           </a:solidFill>
@@ -8248,7 +8468,7 @@
           <a:sym typeface="Arial"/>
         </a:defRPr>
       </a:lvl4pPr>
-      <a:lvl5pPr lvl="4" marR="0" rtl="0" algn="l">
+      <a:lvl5pPr marR="0" lvl="4" algn="l" rtl="0">
         <a:lnSpc>
           <a:spcPct val="100000"/>
         </a:lnSpc>
@@ -8262,7 +8482,7 @@
           <a:srgbClr val="000000"/>
         </a:buClr>
         <a:buFont typeface="Arial"/>
-        <a:defRPr b="0" i="0" sz="1400" u="none" cap="none" strike="noStrike">
+        <a:defRPr sz="1400" b="0" i="0" u="none" strike="noStrike" cap="none">
           <a:solidFill>
             <a:srgbClr val="000000"/>
           </a:solidFill>
@@ -8272,7 +8492,7 @@
           <a:sym typeface="Arial"/>
         </a:defRPr>
       </a:lvl5pPr>
-      <a:lvl6pPr lvl="5" marR="0" rtl="0" algn="l">
+      <a:lvl6pPr marR="0" lvl="5" algn="l" rtl="0">
         <a:lnSpc>
           <a:spcPct val="100000"/>
         </a:lnSpc>
@@ -8286,7 +8506,7 @@
           <a:srgbClr val="000000"/>
         </a:buClr>
         <a:buFont typeface="Arial"/>
-        <a:defRPr b="0" i="0" sz="1400" u="none" cap="none" strike="noStrike">
+        <a:defRPr sz="1400" b="0" i="0" u="none" strike="noStrike" cap="none">
           <a:solidFill>
             <a:srgbClr val="000000"/>
           </a:solidFill>
@@ -8296,7 +8516,7 @@
           <a:sym typeface="Arial"/>
         </a:defRPr>
       </a:lvl6pPr>
-      <a:lvl7pPr lvl="6" marR="0" rtl="0" algn="l">
+      <a:lvl7pPr marR="0" lvl="6" algn="l" rtl="0">
         <a:lnSpc>
           <a:spcPct val="100000"/>
         </a:lnSpc>
@@ -8310,7 +8530,7 @@
           <a:srgbClr val="000000"/>
         </a:buClr>
         <a:buFont typeface="Arial"/>
-        <a:defRPr b="0" i="0" sz="1400" u="none" cap="none" strike="noStrike">
+        <a:defRPr sz="1400" b="0" i="0" u="none" strike="noStrike" cap="none">
           <a:solidFill>
             <a:srgbClr val="000000"/>
           </a:solidFill>
@@ -8320,7 +8540,7 @@
           <a:sym typeface="Arial"/>
         </a:defRPr>
       </a:lvl7pPr>
-      <a:lvl8pPr lvl="7" marR="0" rtl="0" algn="l">
+      <a:lvl8pPr marR="0" lvl="7" algn="l" rtl="0">
         <a:lnSpc>
           <a:spcPct val="100000"/>
         </a:lnSpc>
@@ -8334,7 +8554,7 @@
           <a:srgbClr val="000000"/>
         </a:buClr>
         <a:buFont typeface="Arial"/>
-        <a:defRPr b="0" i="0" sz="1400" u="none" cap="none" strike="noStrike">
+        <a:defRPr sz="1400" b="0" i="0" u="none" strike="noStrike" cap="none">
           <a:solidFill>
             <a:srgbClr val="000000"/>
           </a:solidFill>
@@ -8344,7 +8564,7 @@
           <a:sym typeface="Arial"/>
         </a:defRPr>
       </a:lvl8pPr>
-      <a:lvl9pPr lvl="8" marR="0" rtl="0" algn="l">
+      <a:lvl9pPr marR="0" lvl="8" algn="l" rtl="0">
         <a:lnSpc>
           <a:spcPct val="100000"/>
         </a:lnSpc>
@@ -8358,7 +8578,7 @@
           <a:srgbClr val="000000"/>
         </a:buClr>
         <a:buFont typeface="Arial"/>
-        <a:defRPr b="0" i="0" sz="1400" u="none" cap="none" strike="noStrike">
+        <a:defRPr sz="1400" b="0" i="0" u="none" strike="noStrike" cap="none">
           <a:solidFill>
             <a:srgbClr val="000000"/>
           </a:solidFill>
@@ -8370,7 +8590,7 @@
       </a:lvl9pPr>
     </p:bodyStyle>
     <p:otherStyle>
-      <a:defPPr lvl="0" marR="0" rtl="0" algn="l">
+      <a:defPPr marR="0" lvl="0" algn="l" rtl="0">
         <a:lnSpc>
           <a:spcPct val="100000"/>
         </a:lnSpc>
@@ -8381,7 +8601,7 @@
           <a:spcPts val="0"/>
         </a:spcAft>
       </a:defPPr>
-      <a:lvl1pPr lvl="0" marR="0" rtl="0" algn="l">
+      <a:lvl1pPr marR="0" lvl="0" algn="l" rtl="0">
         <a:lnSpc>
           <a:spcPct val="100000"/>
         </a:lnSpc>
@@ -8395,7 +8615,7 @@
           <a:srgbClr val="000000"/>
         </a:buClr>
         <a:buFont typeface="Arial"/>
-        <a:defRPr b="0" i="0" sz="1400" u="none" cap="none" strike="noStrike">
+        <a:defRPr sz="1400" b="0" i="0" u="none" strike="noStrike" cap="none">
           <a:solidFill>
             <a:srgbClr val="000000"/>
           </a:solidFill>
@@ -8405,7 +8625,7 @@
           <a:sym typeface="Arial"/>
         </a:defRPr>
       </a:lvl1pPr>
-      <a:lvl2pPr lvl="1" marR="0" rtl="0" algn="l">
+      <a:lvl2pPr marR="0" lvl="1" algn="l" rtl="0">
         <a:lnSpc>
           <a:spcPct val="100000"/>
         </a:lnSpc>
@@ -8419,7 +8639,7 @@
           <a:srgbClr val="000000"/>
         </a:buClr>
         <a:buFont typeface="Arial"/>
-        <a:defRPr b="0" i="0" sz="1400" u="none" cap="none" strike="noStrike">
+        <a:defRPr sz="1400" b="0" i="0" u="none" strike="noStrike" cap="none">
           <a:solidFill>
             <a:srgbClr val="000000"/>
           </a:solidFill>
@@ -8429,7 +8649,7 @@
           <a:sym typeface="Arial"/>
         </a:defRPr>
       </a:lvl2pPr>
-      <a:lvl3pPr lvl="2" marR="0" rtl="0" algn="l">
+      <a:lvl3pPr marR="0" lvl="2" algn="l" rtl="0">
         <a:lnSpc>
           <a:spcPct val="100000"/>
         </a:lnSpc>
@@ -8443,7 +8663,7 @@
           <a:srgbClr val="000000"/>
         </a:buClr>
         <a:buFont typeface="Arial"/>
-        <a:defRPr b="0" i="0" sz="1400" u="none" cap="none" strike="noStrike">
+        <a:defRPr sz="1400" b="0" i="0" u="none" strike="noStrike" cap="none">
           <a:solidFill>
             <a:srgbClr val="000000"/>
           </a:solidFill>
@@ -8453,7 +8673,7 @@
           <a:sym typeface="Arial"/>
         </a:defRPr>
       </a:lvl3pPr>
-      <a:lvl4pPr lvl="3" marR="0" rtl="0" algn="l">
+      <a:lvl4pPr marR="0" lvl="3" algn="l" rtl="0">
         <a:lnSpc>
           <a:spcPct val="100000"/>
         </a:lnSpc>
@@ -8467,7 +8687,7 @@
           <a:srgbClr val="000000"/>
         </a:buClr>
         <a:buFont typeface="Arial"/>
-        <a:defRPr b="0" i="0" sz="1400" u="none" cap="none" strike="noStrike">
+        <a:defRPr sz="1400" b="0" i="0" u="none" strike="noStrike" cap="none">
           <a:solidFill>
             <a:srgbClr val="000000"/>
           </a:solidFill>
@@ -8477,7 +8697,7 @@
           <a:sym typeface="Arial"/>
         </a:defRPr>
       </a:lvl4pPr>
-      <a:lvl5pPr lvl="4" marR="0" rtl="0" algn="l">
+      <a:lvl5pPr marR="0" lvl="4" algn="l" rtl="0">
         <a:lnSpc>
           <a:spcPct val="100000"/>
         </a:lnSpc>
@@ -8491,7 +8711,7 @@
           <a:srgbClr val="000000"/>
         </a:buClr>
         <a:buFont typeface="Arial"/>
-        <a:defRPr b="0" i="0" sz="1400" u="none" cap="none" strike="noStrike">
+        <a:defRPr sz="1400" b="0" i="0" u="none" strike="noStrike" cap="none">
           <a:solidFill>
             <a:srgbClr val="000000"/>
           </a:solidFill>
@@ -8501,7 +8721,7 @@
           <a:sym typeface="Arial"/>
         </a:defRPr>
       </a:lvl5pPr>
-      <a:lvl6pPr lvl="5" marR="0" rtl="0" algn="l">
+      <a:lvl6pPr marR="0" lvl="5" algn="l" rtl="0">
         <a:lnSpc>
           <a:spcPct val="100000"/>
         </a:lnSpc>
@@ -8515,7 +8735,7 @@
           <a:srgbClr val="000000"/>
         </a:buClr>
         <a:buFont typeface="Arial"/>
-        <a:defRPr b="0" i="0" sz="1400" u="none" cap="none" strike="noStrike">
+        <a:defRPr sz="1400" b="0" i="0" u="none" strike="noStrike" cap="none">
           <a:solidFill>
             <a:srgbClr val="000000"/>
           </a:solidFill>
@@ -8525,7 +8745,7 @@
           <a:sym typeface="Arial"/>
         </a:defRPr>
       </a:lvl6pPr>
-      <a:lvl7pPr lvl="6" marR="0" rtl="0" algn="l">
+      <a:lvl7pPr marR="0" lvl="6" algn="l" rtl="0">
         <a:lnSpc>
           <a:spcPct val="100000"/>
         </a:lnSpc>
@@ -8539,7 +8759,7 @@
           <a:srgbClr val="000000"/>
         </a:buClr>
         <a:buFont typeface="Arial"/>
-        <a:defRPr b="0" i="0" sz="1400" u="none" cap="none" strike="noStrike">
+        <a:defRPr sz="1400" b="0" i="0" u="none" strike="noStrike" cap="none">
           <a:solidFill>
             <a:srgbClr val="000000"/>
           </a:solidFill>
@@ -8549,7 +8769,7 @@
           <a:sym typeface="Arial"/>
         </a:defRPr>
       </a:lvl7pPr>
-      <a:lvl8pPr lvl="7" marR="0" rtl="0" algn="l">
+      <a:lvl8pPr marR="0" lvl="7" algn="l" rtl="0">
         <a:lnSpc>
           <a:spcPct val="100000"/>
         </a:lnSpc>
@@ -8563,7 +8783,7 @@
           <a:srgbClr val="000000"/>
         </a:buClr>
         <a:buFont typeface="Arial"/>
-        <a:defRPr b="0" i="0" sz="1400" u="none" cap="none" strike="noStrike">
+        <a:defRPr sz="1400" b="0" i="0" u="none" strike="noStrike" cap="none">
           <a:solidFill>
             <a:srgbClr val="000000"/>
           </a:solidFill>
@@ -8573,7 +8793,7 @@
           <a:sym typeface="Arial"/>
         </a:defRPr>
       </a:lvl8pPr>
-      <a:lvl9pPr lvl="8" marR="0" rtl="0" algn="l">
+      <a:lvl9pPr marR="0" lvl="8" algn="l" rtl="0">
         <a:lnSpc>
           <a:spcPct val="100000"/>
         </a:lnSpc>
@@ -8587,7 +8807,7 @@
           <a:srgbClr val="000000"/>
         </a:buClr>
         <a:buFont typeface="Arial"/>
-        <a:defRPr b="0" i="0" sz="1400" u="none" cap="none" strike="noStrike">
+        <a:defRPr sz="1400" b="0" i="0" u="none" strike="noStrike" cap="none">
           <a:solidFill>
             <a:srgbClr val="000000"/>
           </a:solidFill>
@@ -8603,11 +8823,11 @@
 </file>
 
 <file path=ppt/slides/slide1.xml><?xml version="1.0" encoding="utf-8"?>
-<p:sld xmlns:a="http://schemas.openxmlformats.org/drawingml/2006/main" xmlns:r="http://schemas.openxmlformats.org/officeDocument/2006/relationships" xmlns:mc="http://schemas.openxmlformats.org/markup-compatibility/2006" xmlns:mv="urn:schemas-microsoft-com:mac:vml" xmlns:p="http://schemas.openxmlformats.org/presentationml/2006/main" xmlns:c="http://schemas.openxmlformats.org/drawingml/2006/chart" xmlns:dgm="http://schemas.openxmlformats.org/drawingml/2006/diagram" xmlns:o="urn:schemas-microsoft-com:office:office" xmlns:v="urn:schemas-microsoft-com:vml" xmlns:pvml="urn:schemas-microsoft-com:office:powerpoint" xmlns:com="http://schemas.openxmlformats.org/drawingml/2006/compatibility" xmlns:p14="http://schemas.microsoft.com/office/powerpoint/2010/main" xmlns:p15="http://schemas.microsoft.com/office/powerpoint/2012/main" xmlns:ahyp="http://schemas.microsoft.com/office/drawing/2018/hyperlinkcolor">
+<p:sld xmlns:a="http://schemas.openxmlformats.org/drawingml/2006/main" xmlns:r="http://schemas.openxmlformats.org/officeDocument/2006/relationships" xmlns:p="http://schemas.openxmlformats.org/presentationml/2006/main">
   <p:cSld>
     <p:spTree>
       <p:nvGrpSpPr>
-        <p:cNvPr id="63" name="Shape 63"/>
+        <p:cNvPr id="1" name="Shape 63"/>
         <p:cNvGrpSpPr/>
         <p:nvPr/>
       </p:nvGrpSpPr>
@@ -8622,7 +8842,9 @@
       <p:sp>
         <p:nvSpPr>
           <p:cNvPr id="64" name="Google Shape;64;p13"/>
-          <p:cNvSpPr txBox="1"/>
+          <p:cNvSpPr txBox="1">
+            <a:spLocks noGrp="1"/>
+          </p:cNvSpPr>
           <p:nvPr>
             <p:ph type="ctrTitle"/>
           </p:nvPr>
@@ -8637,12 +8859,12 @@
           </a:prstGeom>
         </p:spPr>
         <p:txBody>
-          <a:bodyPr anchorCtr="0" anchor="t" bIns="91425" lIns="91425" spcFirstLastPara="1" rIns="91425" wrap="square" tIns="91425">
+          <a:bodyPr spcFirstLastPara="1" wrap="square" lIns="91425" tIns="91425" rIns="91425" bIns="91425" anchor="t" anchorCtr="0">
             <a:normAutofit/>
           </a:bodyPr>
           <a:lstStyle/>
           <a:p>
-            <a:pPr indent="0" lvl="0" marL="0" rtl="0" algn="l">
+            <a:pPr marL="0" lvl="0" indent="0" algn="l" rtl="0">
               <a:spcBef>
                 <a:spcPts val="0"/>
               </a:spcBef>
@@ -8662,9 +8884,11 @@
       <p:sp>
         <p:nvSpPr>
           <p:cNvPr id="65" name="Google Shape;65;p13"/>
-          <p:cNvSpPr txBox="1"/>
+          <p:cNvSpPr txBox="1">
+            <a:spLocks noGrp="1"/>
+          </p:cNvSpPr>
           <p:nvPr>
-            <p:ph idx="1" type="subTitle"/>
+            <p:ph type="subTitle" idx="1"/>
           </p:nvPr>
         </p:nvSpPr>
         <p:spPr>
@@ -8677,12 +8901,12 @@
           </a:prstGeom>
         </p:spPr>
         <p:txBody>
-          <a:bodyPr anchorCtr="0" anchor="t" bIns="91425" lIns="91425" spcFirstLastPara="1" rIns="91425" wrap="square" tIns="91425">
+          <a:bodyPr spcFirstLastPara="1" wrap="square" lIns="91425" tIns="91425" rIns="91425" bIns="91425" anchor="t" anchorCtr="0">
             <a:normAutofit/>
           </a:bodyPr>
           <a:lstStyle/>
           <a:p>
-            <a:pPr indent="0" lvl="0" marL="0" rtl="0" algn="l">
+            <a:pPr marL="0" lvl="0" indent="0" algn="l" rtl="0">
               <a:spcBef>
                 <a:spcPts val="0"/>
               </a:spcBef>
@@ -8719,12 +8943,12 @@
           </a:ln>
         </p:spPr>
         <p:txBody>
-          <a:bodyPr anchorCtr="0" anchor="t" bIns="91425" lIns="91425" spcFirstLastPara="1" rIns="91425" wrap="square" tIns="91425">
+          <a:bodyPr spcFirstLastPara="1" wrap="square" lIns="91425" tIns="91425" rIns="91425" bIns="91425" anchor="t" anchorCtr="0">
             <a:spAutoFit/>
           </a:bodyPr>
           <a:lstStyle/>
           <a:p>
-            <a:pPr indent="0" lvl="0" marL="0" rtl="0" algn="l">
+            <a:pPr marL="0" lvl="0" indent="0" algn="l" rtl="0">
               <a:spcBef>
                 <a:spcPts val="0"/>
               </a:spcBef>
@@ -8756,7 +8980,7 @@
             </a:endParaRPr>
           </a:p>
           <a:p>
-            <a:pPr indent="0" lvl="0" marL="0" rtl="0" algn="l">
+            <a:pPr marL="0" lvl="0" indent="0" algn="l" rtl="0">
               <a:spcBef>
                 <a:spcPts val="0"/>
               </a:spcBef>
@@ -8798,11 +9022,11 @@
 </file>
 
 <file path=ppt/slides/slide10.xml><?xml version="1.0" encoding="utf-8"?>
-<p:sld xmlns:a="http://schemas.openxmlformats.org/drawingml/2006/main" xmlns:r="http://schemas.openxmlformats.org/officeDocument/2006/relationships" xmlns:mc="http://schemas.openxmlformats.org/markup-compatibility/2006" xmlns:mv="urn:schemas-microsoft-com:mac:vml" xmlns:p="http://schemas.openxmlformats.org/presentationml/2006/main" xmlns:c="http://schemas.openxmlformats.org/drawingml/2006/chart" xmlns:dgm="http://schemas.openxmlformats.org/drawingml/2006/diagram" xmlns:o="urn:schemas-microsoft-com:office:office" xmlns:v="urn:schemas-microsoft-com:vml" xmlns:pvml="urn:schemas-microsoft-com:office:powerpoint" xmlns:com="http://schemas.openxmlformats.org/drawingml/2006/compatibility" xmlns:p14="http://schemas.microsoft.com/office/powerpoint/2010/main" xmlns:p15="http://schemas.microsoft.com/office/powerpoint/2012/main" xmlns:ahyp="http://schemas.microsoft.com/office/drawing/2018/hyperlinkcolor">
+<p:sld xmlns:a="http://schemas.openxmlformats.org/drawingml/2006/main" xmlns:r="http://schemas.openxmlformats.org/officeDocument/2006/relationships" xmlns:p="http://schemas.openxmlformats.org/presentationml/2006/main">
   <p:cSld>
     <p:spTree>
       <p:nvGrpSpPr>
-        <p:cNvPr id="125" name="Shape 125"/>
+        <p:cNvPr id="1" name="Shape 125"/>
         <p:cNvGrpSpPr/>
         <p:nvPr/>
       </p:nvGrpSpPr>
@@ -8817,7 +9041,9 @@
       <p:sp>
         <p:nvSpPr>
           <p:cNvPr id="126" name="Google Shape;126;p22"/>
-          <p:cNvSpPr txBox="1"/>
+          <p:cNvSpPr txBox="1">
+            <a:spLocks noGrp="1"/>
+          </p:cNvSpPr>
           <p:nvPr>
             <p:ph type="title"/>
           </p:nvPr>
@@ -8832,12 +9058,12 @@
           </a:prstGeom>
         </p:spPr>
         <p:txBody>
-          <a:bodyPr anchorCtr="0" anchor="t" bIns="91425" lIns="91425" spcFirstLastPara="1" rIns="91425" wrap="square" tIns="91425">
+          <a:bodyPr spcFirstLastPara="1" wrap="square" lIns="91425" tIns="91425" rIns="91425" bIns="91425" anchor="t" anchorCtr="0">
             <a:normAutofit/>
           </a:bodyPr>
           <a:lstStyle/>
           <a:p>
-            <a:pPr indent="0" lvl="0" marL="0" rtl="0" algn="l">
+            <a:pPr marL="0" lvl="0" indent="0" algn="l" rtl="0">
               <a:spcBef>
                 <a:spcPts val="0"/>
               </a:spcBef>
@@ -8857,9 +9083,11 @@
       <p:sp>
         <p:nvSpPr>
           <p:cNvPr id="127" name="Google Shape;127;p22"/>
-          <p:cNvSpPr txBox="1"/>
+          <p:cNvSpPr txBox="1">
+            <a:spLocks noGrp="1"/>
+          </p:cNvSpPr>
           <p:nvPr>
-            <p:ph idx="1" type="body"/>
+            <p:ph type="body" idx="1"/>
           </p:nvPr>
         </p:nvSpPr>
         <p:spPr>
@@ -8872,12 +9100,12 @@
           </a:prstGeom>
         </p:spPr>
         <p:txBody>
-          <a:bodyPr anchorCtr="0" anchor="t" bIns="91425" lIns="91425" spcFirstLastPara="1" rIns="91425" wrap="square" tIns="91425">
+          <a:bodyPr spcFirstLastPara="1" wrap="square" lIns="91425" tIns="91425" rIns="91425" bIns="91425" anchor="t" anchorCtr="0">
             <a:normAutofit/>
           </a:bodyPr>
           <a:lstStyle/>
           <a:p>
-            <a:pPr indent="0" lvl="0" marL="0" rtl="0" algn="l">
+            <a:pPr marL="0" lvl="0" indent="0" algn="l" rtl="0">
               <a:spcBef>
                 <a:spcPts val="0"/>
               </a:spcBef>
@@ -8893,7 +9121,7 @@
             <a:endParaRPr/>
           </a:p>
           <a:p>
-            <a:pPr indent="0" lvl="0" marL="0" rtl="0" algn="l">
+            <a:pPr marL="0" lvl="0" indent="0" algn="l" rtl="0">
               <a:spcBef>
                 <a:spcPts val="1200"/>
               </a:spcBef>
@@ -8909,7 +9137,7 @@
             <a:endParaRPr/>
           </a:p>
           <a:p>
-            <a:pPr indent="0" lvl="0" marL="0" rtl="0" algn="l">
+            <a:pPr marL="0" lvl="0" indent="0" algn="l" rtl="0">
               <a:spcBef>
                 <a:spcPts val="1200"/>
               </a:spcBef>
@@ -8918,9 +9146,6 @@
               </a:spcAft>
               <a:buNone/>
             </a:pPr>
-            <a:r>
-              <a:t/>
-            </a:r>
             <a:endParaRPr/>
           </a:p>
         </p:txBody>
@@ -8962,11 +9187,11 @@
 </file>
 
 <file path=ppt/slides/slide11.xml><?xml version="1.0" encoding="utf-8"?>
-<p:sld xmlns:a="http://schemas.openxmlformats.org/drawingml/2006/main" xmlns:r="http://schemas.openxmlformats.org/officeDocument/2006/relationships" xmlns:mc="http://schemas.openxmlformats.org/markup-compatibility/2006" xmlns:mv="urn:schemas-microsoft-com:mac:vml" xmlns:p="http://schemas.openxmlformats.org/presentationml/2006/main" xmlns:c="http://schemas.openxmlformats.org/drawingml/2006/chart" xmlns:dgm="http://schemas.openxmlformats.org/drawingml/2006/diagram" xmlns:o="urn:schemas-microsoft-com:office:office" xmlns:v="urn:schemas-microsoft-com:vml" xmlns:pvml="urn:schemas-microsoft-com:office:powerpoint" xmlns:com="http://schemas.openxmlformats.org/drawingml/2006/compatibility" xmlns:p14="http://schemas.microsoft.com/office/powerpoint/2010/main" xmlns:p15="http://schemas.microsoft.com/office/powerpoint/2012/main" xmlns:ahyp="http://schemas.microsoft.com/office/drawing/2018/hyperlinkcolor">
+<p:sld xmlns:a="http://schemas.openxmlformats.org/drawingml/2006/main" xmlns:r="http://schemas.openxmlformats.org/officeDocument/2006/relationships" xmlns:p="http://schemas.openxmlformats.org/presentationml/2006/main">
   <p:cSld>
     <p:spTree>
       <p:nvGrpSpPr>
-        <p:cNvPr id="132" name="Shape 132"/>
+        <p:cNvPr id="1" name="Shape 132"/>
         <p:cNvGrpSpPr/>
         <p:nvPr/>
       </p:nvGrpSpPr>
@@ -8998,12 +9223,12 @@
           </a:ln>
         </p:spPr>
         <p:txBody>
-          <a:bodyPr anchorCtr="0" anchor="t" bIns="91425" lIns="91425" spcFirstLastPara="1" rIns="91425" wrap="square" tIns="91425">
+          <a:bodyPr spcFirstLastPara="1" wrap="square" lIns="91425" tIns="91425" rIns="91425" bIns="91425" anchor="t" anchorCtr="0">
             <a:spAutoFit/>
           </a:bodyPr>
           <a:lstStyle/>
           <a:p>
-            <a:pPr indent="-317500" lvl="0" marL="457200" rtl="0" algn="l">
+            <a:pPr marL="457200" lvl="0" indent="-317500" algn="l" rtl="0">
               <a:spcBef>
                 <a:spcPts val="0"/>
               </a:spcBef>
@@ -9031,7 +9256,7 @@
             </a:endParaRPr>
           </a:p>
           <a:p>
-            <a:pPr indent="-317500" lvl="0" marL="457200" rtl="0" algn="l">
+            <a:pPr marL="457200" lvl="0" indent="-317500" algn="l" rtl="0">
               <a:spcBef>
                 <a:spcPts val="0"/>
               </a:spcBef>
@@ -9059,7 +9284,7 @@
             </a:endParaRPr>
           </a:p>
           <a:p>
-            <a:pPr indent="-317500" lvl="0" marL="457200" rtl="0" algn="l">
+            <a:pPr marL="457200" lvl="0" indent="-317500" algn="l" rtl="0">
               <a:spcBef>
                 <a:spcPts val="0"/>
               </a:spcBef>
@@ -9091,7 +9316,9 @@
       <p:sp>
         <p:nvSpPr>
           <p:cNvPr id="134" name="Google Shape;134;p23"/>
-          <p:cNvSpPr txBox="1"/>
+          <p:cNvSpPr txBox="1">
+            <a:spLocks noGrp="1"/>
+          </p:cNvSpPr>
           <p:nvPr>
             <p:ph type="title"/>
           </p:nvPr>
@@ -9106,12 +9333,12 @@
           </a:prstGeom>
         </p:spPr>
         <p:txBody>
-          <a:bodyPr anchorCtr="0" anchor="t" bIns="91425" lIns="91425" spcFirstLastPara="1" rIns="91425" wrap="square" tIns="91425">
+          <a:bodyPr spcFirstLastPara="1" wrap="square" lIns="91425" tIns="91425" rIns="91425" bIns="91425" anchor="t" anchorCtr="0">
             <a:normAutofit/>
           </a:bodyPr>
           <a:lstStyle/>
           <a:p>
-            <a:pPr indent="0" lvl="0" marL="0" rtl="0" algn="l">
+            <a:pPr marL="0" lvl="0" indent="0" algn="l" rtl="0">
               <a:spcBef>
                 <a:spcPts val="0"/>
               </a:spcBef>
@@ -9137,11 +9364,11 @@
 </file>
 
 <file path=ppt/slides/slide12.xml><?xml version="1.0" encoding="utf-8"?>
-<p:sld xmlns:a="http://schemas.openxmlformats.org/drawingml/2006/main" xmlns:r="http://schemas.openxmlformats.org/officeDocument/2006/relationships" xmlns:mc="http://schemas.openxmlformats.org/markup-compatibility/2006" xmlns:mv="urn:schemas-microsoft-com:mac:vml" xmlns:p="http://schemas.openxmlformats.org/presentationml/2006/main" xmlns:c="http://schemas.openxmlformats.org/drawingml/2006/chart" xmlns:dgm="http://schemas.openxmlformats.org/drawingml/2006/diagram" xmlns:o="urn:schemas-microsoft-com:office:office" xmlns:v="urn:schemas-microsoft-com:vml" xmlns:pvml="urn:schemas-microsoft-com:office:powerpoint" xmlns:com="http://schemas.openxmlformats.org/drawingml/2006/compatibility" xmlns:p14="http://schemas.microsoft.com/office/powerpoint/2010/main" xmlns:p15="http://schemas.microsoft.com/office/powerpoint/2012/main" xmlns:ahyp="http://schemas.microsoft.com/office/drawing/2018/hyperlinkcolor">
+<p:sld xmlns:a="http://schemas.openxmlformats.org/drawingml/2006/main" xmlns:r="http://schemas.openxmlformats.org/officeDocument/2006/relationships" xmlns:p="http://schemas.openxmlformats.org/presentationml/2006/main">
   <p:cSld>
     <p:spTree>
       <p:nvGrpSpPr>
-        <p:cNvPr id="138" name="Shape 138"/>
+        <p:cNvPr id="1" name="Shape 138"/>
         <p:cNvGrpSpPr/>
         <p:nvPr/>
       </p:nvGrpSpPr>
@@ -9156,7 +9383,9 @@
       <p:sp>
         <p:nvSpPr>
           <p:cNvPr id="139" name="Google Shape;139;p24"/>
-          <p:cNvSpPr txBox="1"/>
+          <p:cNvSpPr txBox="1">
+            <a:spLocks noGrp="1"/>
+          </p:cNvSpPr>
           <p:nvPr>
             <p:ph type="title"/>
           </p:nvPr>
@@ -9171,12 +9400,12 @@
           </a:prstGeom>
         </p:spPr>
         <p:txBody>
-          <a:bodyPr anchorCtr="0" anchor="t" bIns="91425" lIns="91425" spcFirstLastPara="1" rIns="91425" wrap="square" tIns="91425">
+          <a:bodyPr spcFirstLastPara="1" wrap="square" lIns="91425" tIns="91425" rIns="91425" bIns="91425" anchor="t" anchorCtr="0">
             <a:normAutofit/>
           </a:bodyPr>
           <a:lstStyle/>
           <a:p>
-            <a:pPr indent="0" lvl="0" marL="0" rtl="0" algn="l">
+            <a:pPr marL="0" lvl="0" indent="0" algn="l" rtl="0">
               <a:spcBef>
                 <a:spcPts val="0"/>
               </a:spcBef>
@@ -9213,12 +9442,12 @@
           </a:ln>
         </p:spPr>
         <p:txBody>
-          <a:bodyPr anchorCtr="0" anchor="t" bIns="91425" lIns="91425" spcFirstLastPara="1" rIns="91425" wrap="square" tIns="91425">
+          <a:bodyPr spcFirstLastPara="1" wrap="square" lIns="91425" tIns="91425" rIns="91425" bIns="91425" anchor="t" anchorCtr="0">
             <a:spAutoFit/>
           </a:bodyPr>
           <a:lstStyle/>
           <a:p>
-            <a:pPr indent="-317500" lvl="0" marL="457200" rtl="0" algn="l">
+            <a:pPr marL="457200" lvl="0" indent="-317500" algn="l" rtl="0">
               <a:spcBef>
                 <a:spcPts val="0"/>
               </a:spcBef>
@@ -9246,7 +9475,7 @@
             </a:endParaRPr>
           </a:p>
           <a:p>
-            <a:pPr indent="-317500" lvl="0" marL="457200" rtl="0" algn="l">
+            <a:pPr marL="457200" lvl="0" indent="-317500" algn="l" rtl="0">
               <a:spcBef>
                 <a:spcPts val="0"/>
               </a:spcBef>
@@ -9274,7 +9503,7 @@
             </a:endParaRPr>
           </a:p>
           <a:p>
-            <a:pPr indent="-317500" lvl="0" marL="457200" rtl="0" algn="l">
+            <a:pPr marL="457200" lvl="0" indent="-317500" algn="l" rtl="0">
               <a:spcBef>
                 <a:spcPts val="0"/>
               </a:spcBef>
@@ -9316,41 +9545,38 @@
           </a:xfrm>
           <a:prstGeom prst="leftArrowCallout">
             <a:avLst>
-              <a:gd fmla="val 26236" name="adj1"/>
-              <a:gd fmla="val 25000" name="adj2"/>
-              <a:gd fmla="val 25000" name="adj3"/>
-              <a:gd fmla="val 77507" name="adj4"/>
+              <a:gd name="adj1" fmla="val 26236"/>
+              <a:gd name="adj2" fmla="val 25000"/>
+              <a:gd name="adj3" fmla="val 25000"/>
+              <a:gd name="adj4" fmla="val 77507"/>
             </a:avLst>
           </a:prstGeom>
           <a:noFill/>
-          <a:ln cap="flat" cmpd="sng" w="9525">
+          <a:ln w="9525" cap="flat" cmpd="sng">
             <a:solidFill>
               <a:schemeClr val="dk2"/>
             </a:solidFill>
             <a:prstDash val="solid"/>
             <a:round/>
-            <a:headEnd len="sm" w="sm" type="none"/>
-            <a:tailEnd len="sm" w="sm" type="none"/>
+            <a:headEnd type="none" w="sm" len="sm"/>
+            <a:tailEnd type="none" w="sm" len="sm"/>
           </a:ln>
         </p:spPr>
         <p:txBody>
-          <a:bodyPr anchorCtr="0" anchor="ctr" bIns="91425" lIns="91425" spcFirstLastPara="1" rIns="91425" wrap="square" tIns="91425">
+          <a:bodyPr spcFirstLastPara="1" wrap="square" lIns="91425" tIns="91425" rIns="91425" bIns="91425" anchor="ctr" anchorCtr="0">
             <a:noAutofit/>
           </a:bodyPr>
           <a:lstStyle/>
           <a:p>
-            <a:pPr indent="0" lvl="0" marL="0" rtl="0" algn="l">
-              <a:spcBef>
-                <a:spcPts val="0"/>
-              </a:spcBef>
-              <a:spcAft>
-                <a:spcPts val="0"/>
-              </a:spcAft>
-              <a:buNone/>
-            </a:pPr>
-            <a:r>
-              <a:t/>
-            </a:r>
+            <a:pPr marL="0" lvl="0" indent="0" algn="l" rtl="0">
+              <a:spcBef>
+                <a:spcPts val="0"/>
+              </a:spcBef>
+              <a:spcAft>
+                <a:spcPts val="0"/>
+              </a:spcAft>
+              <a:buNone/>
+            </a:pPr>
             <a:endParaRPr/>
           </a:p>
         </p:txBody>
@@ -9375,12 +9601,12 @@
           </a:ln>
         </p:spPr>
         <p:txBody>
-          <a:bodyPr anchorCtr="0" anchor="t" bIns="91425" lIns="91425" spcFirstLastPara="1" rIns="91425" wrap="square" tIns="91425">
+          <a:bodyPr spcFirstLastPara="1" wrap="square" lIns="91425" tIns="91425" rIns="91425" bIns="91425" anchor="t" anchorCtr="0">
             <a:spAutoFit/>
           </a:bodyPr>
           <a:lstStyle/>
           <a:p>
-            <a:pPr indent="0" lvl="0" marL="0" rtl="0" algn="l">
+            <a:pPr marL="0" lvl="0" indent="0" algn="l" rtl="0">
               <a:spcBef>
                 <a:spcPts val="0"/>
               </a:spcBef>
@@ -9412,7 +9638,7 @@
             </a:endParaRPr>
           </a:p>
           <a:p>
-            <a:pPr indent="0" lvl="0" marL="0" rtl="0" algn="l">
+            <a:pPr marL="0" lvl="0" indent="0" algn="l" rtl="0">
               <a:spcBef>
                 <a:spcPts val="0"/>
               </a:spcBef>
@@ -9444,7 +9670,7 @@
             </a:endParaRPr>
           </a:p>
           <a:p>
-            <a:pPr indent="0" lvl="0" marL="0" rtl="0" algn="l">
+            <a:pPr marL="0" lvl="0" indent="0" algn="l" rtl="0">
               <a:spcBef>
                 <a:spcPts val="0"/>
               </a:spcBef>
@@ -9497,12 +9723,12 @@
           </a:ln>
         </p:spPr>
         <p:txBody>
-          <a:bodyPr anchorCtr="0" anchor="t" bIns="91425" lIns="91425" spcFirstLastPara="1" rIns="91425" wrap="square" tIns="91425">
+          <a:bodyPr spcFirstLastPara="1" wrap="square" lIns="91425" tIns="91425" rIns="91425" bIns="91425" anchor="t" anchorCtr="0">
             <a:spAutoFit/>
           </a:bodyPr>
           <a:lstStyle/>
           <a:p>
-            <a:pPr indent="0" lvl="0" marL="0" rtl="0" algn="l">
+            <a:pPr marL="0" lvl="0" indent="0" algn="l" rtl="0">
               <a:spcBef>
                 <a:spcPts val="0"/>
               </a:spcBef>
@@ -9534,18 +9760,15 @@
             </a:endParaRPr>
           </a:p>
           <a:p>
-            <a:pPr indent="0" lvl="0" marL="0" rtl="0" algn="l">
-              <a:spcBef>
-                <a:spcPts val="0"/>
-              </a:spcBef>
-              <a:spcAft>
-                <a:spcPts val="0"/>
-              </a:spcAft>
-              <a:buNone/>
-            </a:pPr>
-            <a:r>
-              <a:t/>
-            </a:r>
+            <a:pPr marL="0" lvl="0" indent="0" algn="l" rtl="0">
+              <a:spcBef>
+                <a:spcPts val="0"/>
+              </a:spcBef>
+              <a:spcAft>
+                <a:spcPts val="0"/>
+              </a:spcAft>
+              <a:buNone/>
+            </a:pPr>
             <a:endParaRPr>
               <a:latin typeface="Roboto"/>
               <a:ea typeface="Roboto"/>
@@ -9564,11 +9787,11 @@
 </file>
 
 <file path=ppt/slides/slide13.xml><?xml version="1.0" encoding="utf-8"?>
-<p:sld xmlns:a="http://schemas.openxmlformats.org/drawingml/2006/main" xmlns:r="http://schemas.openxmlformats.org/officeDocument/2006/relationships" xmlns:mc="http://schemas.openxmlformats.org/markup-compatibility/2006" xmlns:mv="urn:schemas-microsoft-com:mac:vml" xmlns:p="http://schemas.openxmlformats.org/presentationml/2006/main" xmlns:c="http://schemas.openxmlformats.org/drawingml/2006/chart" xmlns:dgm="http://schemas.openxmlformats.org/drawingml/2006/diagram" xmlns:o="urn:schemas-microsoft-com:office:office" xmlns:v="urn:schemas-microsoft-com:vml" xmlns:pvml="urn:schemas-microsoft-com:office:powerpoint" xmlns:com="http://schemas.openxmlformats.org/drawingml/2006/compatibility" xmlns:p14="http://schemas.microsoft.com/office/powerpoint/2010/main" xmlns:p15="http://schemas.microsoft.com/office/powerpoint/2012/main" xmlns:ahyp="http://schemas.microsoft.com/office/drawing/2018/hyperlinkcolor">
+<p:sld xmlns:a="http://schemas.openxmlformats.org/drawingml/2006/main" xmlns:r="http://schemas.openxmlformats.org/officeDocument/2006/relationships" xmlns:p="http://schemas.openxmlformats.org/presentationml/2006/main">
   <p:cSld>
     <p:spTree>
       <p:nvGrpSpPr>
-        <p:cNvPr id="147" name="Shape 147"/>
+        <p:cNvPr id="1" name="Shape 147"/>
         <p:cNvGrpSpPr/>
         <p:nvPr/>
       </p:nvGrpSpPr>
@@ -9583,7 +9806,9 @@
       <p:sp>
         <p:nvSpPr>
           <p:cNvPr id="148" name="Google Shape;148;p25"/>
-          <p:cNvSpPr txBox="1"/>
+          <p:cNvSpPr txBox="1">
+            <a:spLocks noGrp="1"/>
+          </p:cNvSpPr>
           <p:nvPr>
             <p:ph type="title"/>
           </p:nvPr>
@@ -9598,12 +9823,12 @@
           </a:prstGeom>
         </p:spPr>
         <p:txBody>
-          <a:bodyPr anchorCtr="0" anchor="t" bIns="91425" lIns="91425" spcFirstLastPara="1" rIns="91425" wrap="square" tIns="91425">
+          <a:bodyPr spcFirstLastPara="1" wrap="square" lIns="91425" tIns="91425" rIns="91425" bIns="91425" anchor="t" anchorCtr="0">
             <a:normAutofit/>
           </a:bodyPr>
           <a:lstStyle/>
           <a:p>
-            <a:pPr indent="0" lvl="0" marL="0" rtl="0" algn="l">
+            <a:pPr marL="0" lvl="0" indent="0" algn="l" rtl="0">
               <a:spcBef>
                 <a:spcPts val="0"/>
               </a:spcBef>
@@ -9623,9 +9848,11 @@
       <p:sp>
         <p:nvSpPr>
           <p:cNvPr id="149" name="Google Shape;149;p25"/>
-          <p:cNvSpPr txBox="1"/>
+          <p:cNvSpPr txBox="1">
+            <a:spLocks noGrp="1"/>
+          </p:cNvSpPr>
           <p:nvPr>
-            <p:ph idx="1" type="body"/>
+            <p:ph type="body" idx="1"/>
           </p:nvPr>
         </p:nvSpPr>
         <p:spPr>
@@ -9638,12 +9865,12 @@
           </a:prstGeom>
         </p:spPr>
         <p:txBody>
-          <a:bodyPr anchorCtr="0" anchor="t" bIns="91425" lIns="91425" spcFirstLastPara="1" rIns="91425" wrap="square" tIns="91425">
+          <a:bodyPr spcFirstLastPara="1" wrap="square" lIns="91425" tIns="91425" rIns="91425" bIns="91425" anchor="t" anchorCtr="0">
             <a:normAutofit/>
           </a:bodyPr>
           <a:lstStyle/>
           <a:p>
-            <a:pPr indent="0" lvl="0" marL="0" rtl="0" algn="l">
+            <a:pPr marL="0" lvl="0" indent="0" algn="l" rtl="0">
               <a:spcBef>
                 <a:spcPts val="0"/>
               </a:spcBef>
@@ -9659,7 +9886,7 @@
             <a:endParaRPr/>
           </a:p>
           <a:p>
-            <a:pPr indent="0" lvl="0" marL="0" rtl="0" algn="l">
+            <a:pPr marL="0" lvl="0" indent="0" algn="l" rtl="0">
               <a:spcBef>
                 <a:spcPts val="1200"/>
               </a:spcBef>
@@ -9741,11 +9968,11 @@
 </file>
 
 <file path=ppt/slides/slide14.xml><?xml version="1.0" encoding="utf-8"?>
-<p:sld xmlns:a="http://schemas.openxmlformats.org/drawingml/2006/main" xmlns:r="http://schemas.openxmlformats.org/officeDocument/2006/relationships" xmlns:mc="http://schemas.openxmlformats.org/markup-compatibility/2006" xmlns:mv="urn:schemas-microsoft-com:mac:vml" xmlns:p="http://schemas.openxmlformats.org/presentationml/2006/main" xmlns:c="http://schemas.openxmlformats.org/drawingml/2006/chart" xmlns:dgm="http://schemas.openxmlformats.org/drawingml/2006/diagram" xmlns:o="urn:schemas-microsoft-com:office:office" xmlns:v="urn:schemas-microsoft-com:vml" xmlns:pvml="urn:schemas-microsoft-com:office:powerpoint" xmlns:com="http://schemas.openxmlformats.org/drawingml/2006/compatibility" xmlns:p14="http://schemas.microsoft.com/office/powerpoint/2010/main" xmlns:p15="http://schemas.microsoft.com/office/powerpoint/2012/main" xmlns:ahyp="http://schemas.microsoft.com/office/drawing/2018/hyperlinkcolor">
+<p:sld xmlns:a="http://schemas.openxmlformats.org/drawingml/2006/main" xmlns:r="http://schemas.openxmlformats.org/officeDocument/2006/relationships" xmlns:p="http://schemas.openxmlformats.org/presentationml/2006/main">
   <p:cSld>
     <p:spTree>
       <p:nvGrpSpPr>
-        <p:cNvPr id="155" name="Shape 155"/>
+        <p:cNvPr id="1" name="Shape 155"/>
         <p:cNvGrpSpPr/>
         <p:nvPr/>
       </p:nvGrpSpPr>
@@ -9760,7 +9987,9 @@
       <p:sp>
         <p:nvSpPr>
           <p:cNvPr id="156" name="Google Shape;156;p26"/>
-          <p:cNvSpPr txBox="1"/>
+          <p:cNvSpPr txBox="1">
+            <a:spLocks noGrp="1"/>
+          </p:cNvSpPr>
           <p:nvPr>
             <p:ph type="title"/>
           </p:nvPr>
@@ -9775,12 +10004,12 @@
           </a:prstGeom>
         </p:spPr>
         <p:txBody>
-          <a:bodyPr anchorCtr="0" anchor="t" bIns="91425" lIns="91425" spcFirstLastPara="1" rIns="91425" wrap="square" tIns="91425">
+          <a:bodyPr spcFirstLastPara="1" wrap="square" lIns="91425" tIns="91425" rIns="91425" bIns="91425" anchor="t" anchorCtr="0">
             <a:normAutofit fontScale="90000"/>
           </a:bodyPr>
           <a:lstStyle/>
           <a:p>
-            <a:pPr indent="0" lvl="0" marL="0" rtl="0" algn="l">
+            <a:pPr marL="0" lvl="0" indent="0" algn="l" rtl="0">
               <a:spcBef>
                 <a:spcPts val="0"/>
               </a:spcBef>
@@ -9800,9 +10029,11 @@
       <p:sp>
         <p:nvSpPr>
           <p:cNvPr id="157" name="Google Shape;157;p26"/>
-          <p:cNvSpPr txBox="1"/>
+          <p:cNvSpPr txBox="1">
+            <a:spLocks noGrp="1"/>
+          </p:cNvSpPr>
           <p:nvPr>
-            <p:ph idx="1" type="body"/>
+            <p:ph type="body" idx="1"/>
           </p:nvPr>
         </p:nvSpPr>
         <p:spPr>
@@ -9815,12 +10046,12 @@
           </a:prstGeom>
         </p:spPr>
         <p:txBody>
-          <a:bodyPr anchorCtr="0" anchor="t" bIns="91425" lIns="91425" spcFirstLastPara="1" rIns="91425" wrap="square" tIns="91425">
+          <a:bodyPr spcFirstLastPara="1" wrap="square" lIns="91425" tIns="91425" rIns="91425" bIns="91425" anchor="t" anchorCtr="0">
             <a:normAutofit/>
           </a:bodyPr>
           <a:lstStyle/>
           <a:p>
-            <a:pPr indent="0" lvl="0" marL="0" rtl="0" algn="l">
+            <a:pPr marL="0" lvl="0" indent="0" algn="l" rtl="0">
               <a:spcBef>
                 <a:spcPts val="0"/>
               </a:spcBef>
@@ -9836,7 +10067,7 @@
             <a:endParaRPr/>
           </a:p>
           <a:p>
-            <a:pPr indent="0" lvl="0" marL="0" rtl="0" algn="l">
+            <a:pPr marL="0" lvl="0" indent="0" algn="l" rtl="0">
               <a:spcBef>
                 <a:spcPts val="1200"/>
               </a:spcBef>
@@ -9890,11 +10121,11 @@
 </file>
 
 <file path=ppt/slides/slide15.xml><?xml version="1.0" encoding="utf-8"?>
-<p:sld xmlns:a="http://schemas.openxmlformats.org/drawingml/2006/main" xmlns:r="http://schemas.openxmlformats.org/officeDocument/2006/relationships" xmlns:mc="http://schemas.openxmlformats.org/markup-compatibility/2006" xmlns:mv="urn:schemas-microsoft-com:mac:vml" xmlns:p="http://schemas.openxmlformats.org/presentationml/2006/main" xmlns:c="http://schemas.openxmlformats.org/drawingml/2006/chart" xmlns:dgm="http://schemas.openxmlformats.org/drawingml/2006/diagram" xmlns:o="urn:schemas-microsoft-com:office:office" xmlns:v="urn:schemas-microsoft-com:vml" xmlns:pvml="urn:schemas-microsoft-com:office:powerpoint" xmlns:com="http://schemas.openxmlformats.org/drawingml/2006/compatibility" xmlns:p14="http://schemas.microsoft.com/office/powerpoint/2010/main" xmlns:p15="http://schemas.microsoft.com/office/powerpoint/2012/main" xmlns:ahyp="http://schemas.microsoft.com/office/drawing/2018/hyperlinkcolor">
+<p:sld xmlns:a="http://schemas.openxmlformats.org/drawingml/2006/main" xmlns:r="http://schemas.openxmlformats.org/officeDocument/2006/relationships" xmlns:p="http://schemas.openxmlformats.org/presentationml/2006/main">
   <p:cSld>
     <p:spTree>
       <p:nvGrpSpPr>
-        <p:cNvPr id="162" name="Shape 162"/>
+        <p:cNvPr id="1" name="Shape 162"/>
         <p:cNvGrpSpPr/>
         <p:nvPr/>
       </p:nvGrpSpPr>
@@ -9926,12 +10157,12 @@
           </a:ln>
         </p:spPr>
         <p:txBody>
-          <a:bodyPr anchorCtr="0" anchor="t" bIns="91425" lIns="91425" spcFirstLastPara="1" rIns="91425" wrap="square" tIns="91425">
+          <a:bodyPr spcFirstLastPara="1" wrap="square" lIns="91425" tIns="91425" rIns="91425" bIns="91425" anchor="t" anchorCtr="0">
             <a:spAutoFit/>
           </a:bodyPr>
           <a:lstStyle/>
           <a:p>
-            <a:pPr indent="-317500" lvl="0" marL="457200" rtl="0" algn="l">
+            <a:pPr marL="457200" lvl="0" indent="-317500" algn="l" rtl="0">
               <a:spcBef>
                 <a:spcPts val="0"/>
               </a:spcBef>
@@ -9959,7 +10190,7 @@
             </a:endParaRPr>
           </a:p>
           <a:p>
-            <a:pPr indent="-317500" lvl="0" marL="457200" rtl="0" algn="l">
+            <a:pPr marL="457200" lvl="0" indent="-317500" algn="l" rtl="0">
               <a:spcBef>
                 <a:spcPts val="0"/>
               </a:spcBef>
@@ -9987,7 +10218,7 @@
             </a:endParaRPr>
           </a:p>
           <a:p>
-            <a:pPr indent="-317500" lvl="0" marL="457200" rtl="0" algn="l">
+            <a:pPr marL="457200" lvl="0" indent="-317500" algn="l" rtl="0">
               <a:spcBef>
                 <a:spcPts val="0"/>
               </a:spcBef>
@@ -10015,7 +10246,7 @@
             </a:endParaRPr>
           </a:p>
           <a:p>
-            <a:pPr indent="-317500" lvl="0" marL="457200" rtl="0" algn="l">
+            <a:pPr marL="457200" lvl="0" indent="-317500" algn="l" rtl="0">
               <a:spcBef>
                 <a:spcPts val="0"/>
               </a:spcBef>
@@ -10043,7 +10274,7 @@
             </a:endParaRPr>
           </a:p>
           <a:p>
-            <a:pPr indent="-317500" lvl="0" marL="457200" rtl="0" algn="l">
+            <a:pPr marL="457200" lvl="0" indent="-317500" algn="l" rtl="0">
               <a:spcBef>
                 <a:spcPts val="0"/>
               </a:spcBef>
@@ -10061,25 +10292,7 @@
                 <a:cs typeface="Roboto"/>
                 <a:sym typeface="Roboto"/>
               </a:rPr>
-              <a:t>popularity of stations for casual riders is often </a:t>
-            </a:r>
-            <a:r>
-              <a:rPr lang="de">
-                <a:latin typeface="Roboto"/>
-                <a:ea typeface="Roboto"/>
-                <a:cs typeface="Roboto"/>
-                <a:sym typeface="Roboto"/>
-              </a:rPr>
-              <a:t>inversely</a:t>
-            </a:r>
-            <a:r>
-              <a:rPr lang="de">
-                <a:latin typeface="Roboto"/>
-                <a:ea typeface="Roboto"/>
-                <a:cs typeface="Roboto"/>
-                <a:sym typeface="Roboto"/>
-              </a:rPr>
-              <a:t> proportional to the popularity for members.</a:t>
+              <a:t>popularity of stations for casual riders is often inversely proportional to the popularity for members.</a:t>
             </a:r>
             <a:endParaRPr>
               <a:latin typeface="Roboto"/>
@@ -10103,41 +10316,38 @@
           </a:xfrm>
           <a:prstGeom prst="leftArrowCallout">
             <a:avLst>
-              <a:gd fmla="val 26236" name="adj1"/>
-              <a:gd fmla="val 25000" name="adj2"/>
-              <a:gd fmla="val 25000" name="adj3"/>
-              <a:gd fmla="val 77507" name="adj4"/>
+              <a:gd name="adj1" fmla="val 26236"/>
+              <a:gd name="adj2" fmla="val 25000"/>
+              <a:gd name="adj3" fmla="val 25000"/>
+              <a:gd name="adj4" fmla="val 77507"/>
             </a:avLst>
           </a:prstGeom>
           <a:noFill/>
-          <a:ln cap="flat" cmpd="sng" w="9525">
+          <a:ln w="9525" cap="flat" cmpd="sng">
             <a:solidFill>
               <a:schemeClr val="dk2"/>
             </a:solidFill>
             <a:prstDash val="solid"/>
             <a:round/>
-            <a:headEnd len="sm" w="sm" type="none"/>
-            <a:tailEnd len="sm" w="sm" type="none"/>
+            <a:headEnd type="none" w="sm" len="sm"/>
+            <a:tailEnd type="none" w="sm" len="sm"/>
           </a:ln>
         </p:spPr>
         <p:txBody>
-          <a:bodyPr anchorCtr="0" anchor="ctr" bIns="91425" lIns="91425" spcFirstLastPara="1" rIns="91425" wrap="square" tIns="91425">
+          <a:bodyPr spcFirstLastPara="1" wrap="square" lIns="91425" tIns="91425" rIns="91425" bIns="91425" anchor="ctr" anchorCtr="0">
             <a:noAutofit/>
           </a:bodyPr>
           <a:lstStyle/>
           <a:p>
-            <a:pPr indent="0" lvl="0" marL="0" rtl="0" algn="l">
-              <a:spcBef>
-                <a:spcPts val="0"/>
-              </a:spcBef>
-              <a:spcAft>
-                <a:spcPts val="0"/>
-              </a:spcAft>
-              <a:buNone/>
-            </a:pPr>
-            <a:r>
-              <a:t/>
-            </a:r>
+            <a:pPr marL="0" lvl="0" indent="0" algn="l" rtl="0">
+              <a:spcBef>
+                <a:spcPts val="0"/>
+              </a:spcBef>
+              <a:spcAft>
+                <a:spcPts val="0"/>
+              </a:spcAft>
+              <a:buNone/>
+            </a:pPr>
             <a:endParaRPr/>
           </a:p>
         </p:txBody>
@@ -10162,12 +10372,12 @@
           </a:ln>
         </p:spPr>
         <p:txBody>
-          <a:bodyPr anchorCtr="0" anchor="t" bIns="91425" lIns="91425" spcFirstLastPara="1" rIns="91425" wrap="square" tIns="91425">
+          <a:bodyPr spcFirstLastPara="1" wrap="square" lIns="91425" tIns="91425" rIns="91425" bIns="91425" anchor="t" anchorCtr="0">
             <a:spAutoFit/>
           </a:bodyPr>
           <a:lstStyle/>
           <a:p>
-            <a:pPr indent="0" lvl="0" marL="0" rtl="0" algn="l">
+            <a:pPr marL="0" lvl="0" indent="0" algn="l" rtl="0">
               <a:spcBef>
                 <a:spcPts val="0"/>
               </a:spcBef>
@@ -10199,7 +10409,7 @@
             </a:endParaRPr>
           </a:p>
           <a:p>
-            <a:pPr indent="0" lvl="0" marL="0" rtl="0" algn="l">
+            <a:pPr marL="0" lvl="0" indent="0" algn="l" rtl="0">
               <a:spcBef>
                 <a:spcPts val="0"/>
               </a:spcBef>
@@ -10231,7 +10441,7 @@
             </a:endParaRPr>
           </a:p>
           <a:p>
-            <a:pPr indent="0" lvl="0" marL="0" rtl="0" algn="l">
+            <a:pPr marL="0" lvl="0" indent="0" algn="l" rtl="0">
               <a:spcBef>
                 <a:spcPts val="0"/>
               </a:spcBef>
@@ -10284,12 +10494,12 @@
           </a:ln>
         </p:spPr>
         <p:txBody>
-          <a:bodyPr anchorCtr="0" anchor="t" bIns="91425" lIns="91425" spcFirstLastPara="1" rIns="91425" wrap="square" tIns="91425">
+          <a:bodyPr spcFirstLastPara="1" wrap="square" lIns="91425" tIns="91425" rIns="91425" bIns="91425" anchor="t" anchorCtr="0">
             <a:spAutoFit/>
           </a:bodyPr>
           <a:lstStyle/>
           <a:p>
-            <a:pPr indent="0" lvl="0" marL="0" rtl="0" algn="l">
+            <a:pPr marL="0" lvl="0" indent="0" algn="l" rtl="0">
               <a:spcBef>
                 <a:spcPts val="0"/>
               </a:spcBef>
@@ -10321,7 +10531,7 @@
             </a:endParaRPr>
           </a:p>
           <a:p>
-            <a:pPr indent="0" lvl="0" marL="0" rtl="0" algn="l">
+            <a:pPr marL="0" lvl="0" indent="0" algn="l" rtl="0">
               <a:spcBef>
                 <a:spcPts val="0"/>
               </a:spcBef>
@@ -10357,7 +10567,9 @@
       <p:sp>
         <p:nvSpPr>
           <p:cNvPr id="167" name="Google Shape;167;p27"/>
-          <p:cNvSpPr txBox="1"/>
+          <p:cNvSpPr txBox="1">
+            <a:spLocks noGrp="1"/>
+          </p:cNvSpPr>
           <p:nvPr>
             <p:ph type="title"/>
           </p:nvPr>
@@ -10372,12 +10584,12 @@
           </a:prstGeom>
         </p:spPr>
         <p:txBody>
-          <a:bodyPr anchorCtr="0" anchor="t" bIns="91425" lIns="91425" spcFirstLastPara="1" rIns="91425" wrap="square" tIns="91425">
+          <a:bodyPr spcFirstLastPara="1" wrap="square" lIns="91425" tIns="91425" rIns="91425" bIns="91425" anchor="t" anchorCtr="0">
             <a:normAutofit/>
           </a:bodyPr>
           <a:lstStyle/>
           <a:p>
-            <a:pPr indent="0" lvl="0" marL="0" rtl="0" algn="l">
+            <a:pPr marL="0" lvl="0" indent="0" algn="l" rtl="0">
               <a:spcBef>
                 <a:spcPts val="0"/>
               </a:spcBef>
@@ -10414,12 +10626,12 @@
           </a:ln>
         </p:spPr>
         <p:txBody>
-          <a:bodyPr anchorCtr="0" anchor="t" bIns="91425" lIns="91425" spcFirstLastPara="1" rIns="91425" wrap="square" tIns="91425">
+          <a:bodyPr spcFirstLastPara="1" wrap="square" lIns="91425" tIns="91425" rIns="91425" bIns="91425" anchor="t" anchorCtr="0">
             <a:spAutoFit/>
           </a:bodyPr>
           <a:lstStyle/>
           <a:p>
-            <a:pPr indent="0" lvl="0" marL="0" rtl="0" algn="l">
+            <a:pPr marL="0" lvl="0" indent="0" algn="l" rtl="0">
               <a:spcBef>
                 <a:spcPts val="0"/>
               </a:spcBef>
@@ -10451,18 +10663,15 @@
             </a:endParaRPr>
           </a:p>
           <a:p>
-            <a:pPr indent="0" lvl="0" marL="0" rtl="0" algn="l">
-              <a:spcBef>
-                <a:spcPts val="0"/>
-              </a:spcBef>
-              <a:spcAft>
-                <a:spcPts val="0"/>
-              </a:spcAft>
-              <a:buNone/>
-            </a:pPr>
-            <a:r>
-              <a:t/>
-            </a:r>
+            <a:pPr marL="0" lvl="0" indent="0" algn="l" rtl="0">
+              <a:spcBef>
+                <a:spcPts val="0"/>
+              </a:spcBef>
+              <a:spcAft>
+                <a:spcPts val="0"/>
+              </a:spcAft>
+              <a:buNone/>
+            </a:pPr>
             <a:endParaRPr>
               <a:latin typeface="Roboto"/>
               <a:ea typeface="Roboto"/>
@@ -10481,11 +10690,11 @@
 </file>
 
 <file path=ppt/slides/slide16.xml><?xml version="1.0" encoding="utf-8"?>
-<p:sld xmlns:a="http://schemas.openxmlformats.org/drawingml/2006/main" xmlns:r="http://schemas.openxmlformats.org/officeDocument/2006/relationships" xmlns:mc="http://schemas.openxmlformats.org/markup-compatibility/2006" xmlns:mv="urn:schemas-microsoft-com:mac:vml" xmlns:p="http://schemas.openxmlformats.org/presentationml/2006/main" xmlns:c="http://schemas.openxmlformats.org/drawingml/2006/chart" xmlns:dgm="http://schemas.openxmlformats.org/drawingml/2006/diagram" xmlns:o="urn:schemas-microsoft-com:office:office" xmlns:v="urn:schemas-microsoft-com:vml" xmlns:pvml="urn:schemas-microsoft-com:office:powerpoint" xmlns:com="http://schemas.openxmlformats.org/drawingml/2006/compatibility" xmlns:p14="http://schemas.microsoft.com/office/powerpoint/2010/main" xmlns:p15="http://schemas.microsoft.com/office/powerpoint/2012/main" xmlns:ahyp="http://schemas.microsoft.com/office/drawing/2018/hyperlinkcolor">
+<p:sld xmlns:a="http://schemas.openxmlformats.org/drawingml/2006/main" xmlns:r="http://schemas.openxmlformats.org/officeDocument/2006/relationships" xmlns:p="http://schemas.openxmlformats.org/presentationml/2006/main">
   <p:cSld>
     <p:spTree>
       <p:nvGrpSpPr>
-        <p:cNvPr id="172" name="Shape 172"/>
+        <p:cNvPr id="1" name="Shape 172"/>
         <p:cNvGrpSpPr/>
         <p:nvPr/>
       </p:nvGrpSpPr>
@@ -10500,7 +10709,9 @@
       <p:sp>
         <p:nvSpPr>
           <p:cNvPr id="173" name="Google Shape;173;p28"/>
-          <p:cNvSpPr txBox="1"/>
+          <p:cNvSpPr txBox="1">
+            <a:spLocks noGrp="1"/>
+          </p:cNvSpPr>
           <p:nvPr>
             <p:ph type="title"/>
           </p:nvPr>
@@ -10515,12 +10726,12 @@
           </a:prstGeom>
         </p:spPr>
         <p:txBody>
-          <a:bodyPr anchorCtr="0" anchor="t" bIns="91425" lIns="91425" spcFirstLastPara="1" rIns="91425" wrap="square" tIns="91425">
+          <a:bodyPr spcFirstLastPara="1" wrap="square" lIns="91425" tIns="91425" rIns="91425" bIns="91425" anchor="t" anchorCtr="0">
             <a:normAutofit/>
           </a:bodyPr>
           <a:lstStyle/>
           <a:p>
-            <a:pPr indent="0" lvl="0" marL="0" rtl="0" algn="l">
+            <a:pPr marL="0" lvl="0" indent="0" algn="l" rtl="0">
               <a:spcBef>
                 <a:spcPts val="0"/>
               </a:spcBef>
@@ -10557,12 +10768,12 @@
           </a:ln>
         </p:spPr>
         <p:txBody>
-          <a:bodyPr anchorCtr="0" anchor="t" bIns="91425" lIns="91425" spcFirstLastPara="1" rIns="91425" wrap="square" tIns="91425">
+          <a:bodyPr spcFirstLastPara="1" wrap="square" lIns="91425" tIns="91425" rIns="91425" bIns="91425" anchor="t" anchorCtr="0">
             <a:spAutoFit/>
           </a:bodyPr>
           <a:lstStyle/>
           <a:p>
-            <a:pPr indent="-317500" lvl="0" marL="457200" rtl="0" algn="l">
+            <a:pPr marL="457200" lvl="0" indent="-317500" algn="l" rtl="0">
               <a:spcBef>
                 <a:spcPts val="0"/>
               </a:spcBef>
@@ -10590,18 +10801,15 @@
             </a:endParaRPr>
           </a:p>
           <a:p>
-            <a:pPr indent="0" lvl="0" marL="457200" rtl="0" algn="l">
-              <a:spcBef>
-                <a:spcPts val="0"/>
-              </a:spcBef>
-              <a:spcAft>
-                <a:spcPts val="0"/>
-              </a:spcAft>
-              <a:buNone/>
-            </a:pPr>
-            <a:r>
-              <a:t/>
-            </a:r>
+            <a:pPr marL="457200" lvl="0" indent="0" algn="l" rtl="0">
+              <a:spcBef>
+                <a:spcPts val="0"/>
+              </a:spcBef>
+              <a:spcAft>
+                <a:spcPts val="0"/>
+              </a:spcAft>
+              <a:buNone/>
+            </a:pPr>
             <a:endParaRPr>
               <a:latin typeface="Roboto"/>
               <a:ea typeface="Roboto"/>
@@ -10610,7 +10818,7 @@
             </a:endParaRPr>
           </a:p>
           <a:p>
-            <a:pPr indent="-317500" lvl="0" marL="457200" rtl="0" algn="l">
+            <a:pPr marL="457200" lvl="0" indent="-317500" algn="l" rtl="0">
               <a:spcBef>
                 <a:spcPts val="0"/>
               </a:spcBef>
@@ -10638,18 +10846,15 @@
             </a:endParaRPr>
           </a:p>
           <a:p>
-            <a:pPr indent="0" lvl="0" marL="457200" rtl="0" algn="l">
-              <a:spcBef>
-                <a:spcPts val="0"/>
-              </a:spcBef>
-              <a:spcAft>
-                <a:spcPts val="0"/>
-              </a:spcAft>
-              <a:buNone/>
-            </a:pPr>
-            <a:r>
-              <a:t/>
-            </a:r>
+            <a:pPr marL="457200" lvl="0" indent="0" algn="l" rtl="0">
+              <a:spcBef>
+                <a:spcPts val="0"/>
+              </a:spcBef>
+              <a:spcAft>
+                <a:spcPts val="0"/>
+              </a:spcAft>
+              <a:buNone/>
+            </a:pPr>
             <a:endParaRPr>
               <a:latin typeface="Roboto"/>
               <a:ea typeface="Roboto"/>
@@ -10658,7 +10863,7 @@
             </a:endParaRPr>
           </a:p>
           <a:p>
-            <a:pPr indent="-317500" lvl="0" marL="457200" rtl="0" algn="l">
+            <a:pPr marL="457200" lvl="0" indent="-317500" algn="l" rtl="0">
               <a:spcBef>
                 <a:spcPts val="0"/>
               </a:spcBef>
@@ -10696,11 +10901,11 @@
 </file>
 
 <file path=ppt/slides/slide17.xml><?xml version="1.0" encoding="utf-8"?>
-<p:sld xmlns:a="http://schemas.openxmlformats.org/drawingml/2006/main" xmlns:r="http://schemas.openxmlformats.org/officeDocument/2006/relationships" xmlns:mc="http://schemas.openxmlformats.org/markup-compatibility/2006" xmlns:mv="urn:schemas-microsoft-com:mac:vml" xmlns:p="http://schemas.openxmlformats.org/presentationml/2006/main" xmlns:c="http://schemas.openxmlformats.org/drawingml/2006/chart" xmlns:dgm="http://schemas.openxmlformats.org/drawingml/2006/diagram" xmlns:o="urn:schemas-microsoft-com:office:office" xmlns:v="urn:schemas-microsoft-com:vml" xmlns:pvml="urn:schemas-microsoft-com:office:powerpoint" xmlns:com="http://schemas.openxmlformats.org/drawingml/2006/compatibility" xmlns:p14="http://schemas.microsoft.com/office/powerpoint/2010/main" xmlns:p15="http://schemas.microsoft.com/office/powerpoint/2012/main" xmlns:ahyp="http://schemas.microsoft.com/office/drawing/2018/hyperlinkcolor">
+<p:sld xmlns:a="http://schemas.openxmlformats.org/drawingml/2006/main" xmlns:r="http://schemas.openxmlformats.org/officeDocument/2006/relationships" xmlns:p="http://schemas.openxmlformats.org/presentationml/2006/main">
   <p:cSld>
     <p:spTree>
       <p:nvGrpSpPr>
-        <p:cNvPr id="178" name="Shape 178"/>
+        <p:cNvPr id="1" name="Shape 178"/>
         <p:cNvGrpSpPr/>
         <p:nvPr/>
       </p:nvGrpSpPr>
@@ -10715,7 +10920,9 @@
       <p:sp>
         <p:nvSpPr>
           <p:cNvPr id="179" name="Google Shape;179;p29"/>
-          <p:cNvSpPr txBox="1"/>
+          <p:cNvSpPr txBox="1">
+            <a:spLocks noGrp="1"/>
+          </p:cNvSpPr>
           <p:nvPr>
             <p:ph type="title"/>
           </p:nvPr>
@@ -10730,12 +10937,12 @@
           </a:prstGeom>
         </p:spPr>
         <p:txBody>
-          <a:bodyPr anchorCtr="0" anchor="t" bIns="91425" lIns="91425" spcFirstLastPara="1" rIns="91425" wrap="square" tIns="91425">
+          <a:bodyPr spcFirstLastPara="1" wrap="square" lIns="91425" tIns="91425" rIns="91425" bIns="91425" anchor="t" anchorCtr="0">
             <a:normAutofit/>
           </a:bodyPr>
           <a:lstStyle/>
           <a:p>
-            <a:pPr indent="0" lvl="0" marL="0" rtl="0" algn="l">
+            <a:pPr marL="0" lvl="0" indent="0" algn="l" rtl="0">
               <a:spcBef>
                 <a:spcPts val="0"/>
               </a:spcBef>
@@ -10746,15 +10953,7 @@
             </a:pPr>
             <a:r>
               <a:rPr lang="de"/>
-              <a:t>How to turn casual </a:t>
-            </a:r>
-            <a:r>
-              <a:rPr lang="de"/>
-              <a:t>cyclist</a:t>
-            </a:r>
-            <a:r>
-              <a:rPr lang="de"/>
-              <a:t> to members</a:t>
+              <a:t>How to turn casual cyclist to members</a:t>
             </a:r>
             <a:endParaRPr/>
           </a:p>
@@ -10780,12 +10979,12 @@
           </a:ln>
         </p:spPr>
         <p:txBody>
-          <a:bodyPr anchorCtr="0" anchor="t" bIns="91425" lIns="91425" spcFirstLastPara="1" rIns="91425" wrap="square" tIns="91425">
+          <a:bodyPr spcFirstLastPara="1" wrap="square" lIns="91425" tIns="91425" rIns="91425" bIns="91425" anchor="t" anchorCtr="0">
             <a:spAutoFit/>
           </a:bodyPr>
           <a:lstStyle/>
           <a:p>
-            <a:pPr indent="-317500" lvl="0" marL="457200" rtl="0" algn="l">
+            <a:pPr marL="457200" lvl="0" indent="-317500" algn="l" rtl="0">
               <a:spcBef>
                 <a:spcPts val="0"/>
               </a:spcBef>
@@ -10813,18 +11012,15 @@
             </a:endParaRPr>
           </a:p>
           <a:p>
-            <a:pPr indent="0" lvl="0" marL="457200" rtl="0" algn="l">
-              <a:spcBef>
-                <a:spcPts val="0"/>
-              </a:spcBef>
-              <a:spcAft>
-                <a:spcPts val="0"/>
-              </a:spcAft>
-              <a:buNone/>
-            </a:pPr>
-            <a:r>
-              <a:t/>
-            </a:r>
+            <a:pPr marL="457200" lvl="0" indent="0" algn="l" rtl="0">
+              <a:spcBef>
+                <a:spcPts val="0"/>
+              </a:spcBef>
+              <a:spcAft>
+                <a:spcPts val="0"/>
+              </a:spcAft>
+              <a:buNone/>
+            </a:pPr>
             <a:endParaRPr>
               <a:latin typeface="Roboto"/>
               <a:ea typeface="Roboto"/>
@@ -10833,7 +11029,7 @@
             </a:endParaRPr>
           </a:p>
           <a:p>
-            <a:pPr indent="-317500" lvl="0" marL="457200" rtl="0" algn="l">
+            <a:pPr marL="457200" lvl="0" indent="-317500" algn="l" rtl="0">
               <a:spcBef>
                 <a:spcPts val="0"/>
               </a:spcBef>
@@ -10861,18 +11057,15 @@
             </a:endParaRPr>
           </a:p>
           <a:p>
-            <a:pPr indent="0" lvl="0" marL="457200" rtl="0" algn="l">
-              <a:spcBef>
-                <a:spcPts val="0"/>
-              </a:spcBef>
-              <a:spcAft>
-                <a:spcPts val="0"/>
-              </a:spcAft>
-              <a:buNone/>
-            </a:pPr>
-            <a:r>
-              <a:t/>
-            </a:r>
+            <a:pPr marL="457200" lvl="0" indent="0" algn="l" rtl="0">
+              <a:spcBef>
+                <a:spcPts val="0"/>
+              </a:spcBef>
+              <a:spcAft>
+                <a:spcPts val="0"/>
+              </a:spcAft>
+              <a:buNone/>
+            </a:pPr>
             <a:endParaRPr>
               <a:latin typeface="Roboto"/>
               <a:ea typeface="Roboto"/>
@@ -10881,7 +11074,7 @@
             </a:endParaRPr>
           </a:p>
           <a:p>
-            <a:pPr indent="-317500" lvl="0" marL="457200" rtl="0" algn="l">
+            <a:pPr marL="457200" lvl="0" indent="-317500" algn="l" rtl="0">
               <a:spcBef>
                 <a:spcPts val="0"/>
               </a:spcBef>
@@ -10923,41 +11116,38 @@
           </a:xfrm>
           <a:prstGeom prst="leftArrowCallout">
             <a:avLst>
-              <a:gd fmla="val 26236" name="adj1"/>
-              <a:gd fmla="val 25000" name="adj2"/>
-              <a:gd fmla="val 25000" name="adj3"/>
-              <a:gd fmla="val 77507" name="adj4"/>
+              <a:gd name="adj1" fmla="val 26236"/>
+              <a:gd name="adj2" fmla="val 25000"/>
+              <a:gd name="adj3" fmla="val 25000"/>
+              <a:gd name="adj4" fmla="val 77507"/>
             </a:avLst>
           </a:prstGeom>
           <a:noFill/>
-          <a:ln cap="flat" cmpd="sng" w="9525">
+          <a:ln w="9525" cap="flat" cmpd="sng">
             <a:solidFill>
               <a:schemeClr val="dk2"/>
             </a:solidFill>
             <a:prstDash val="solid"/>
             <a:round/>
-            <a:headEnd len="sm" w="sm" type="none"/>
-            <a:tailEnd len="sm" w="sm" type="none"/>
+            <a:headEnd type="none" w="sm" len="sm"/>
+            <a:tailEnd type="none" w="sm" len="sm"/>
           </a:ln>
         </p:spPr>
         <p:txBody>
-          <a:bodyPr anchorCtr="0" anchor="ctr" bIns="91425" lIns="91425" spcFirstLastPara="1" rIns="91425" wrap="square" tIns="91425">
+          <a:bodyPr spcFirstLastPara="1" wrap="square" lIns="91425" tIns="91425" rIns="91425" bIns="91425" anchor="ctr" anchorCtr="0">
             <a:noAutofit/>
           </a:bodyPr>
           <a:lstStyle/>
           <a:p>
-            <a:pPr indent="0" lvl="0" marL="0" rtl="0" algn="l">
-              <a:spcBef>
-                <a:spcPts val="0"/>
-              </a:spcBef>
-              <a:spcAft>
-                <a:spcPts val="0"/>
-              </a:spcAft>
-              <a:buNone/>
-            </a:pPr>
-            <a:r>
-              <a:t/>
-            </a:r>
+            <a:pPr marL="0" lvl="0" indent="0" algn="l" rtl="0">
+              <a:spcBef>
+                <a:spcPts val="0"/>
+              </a:spcBef>
+              <a:spcAft>
+                <a:spcPts val="0"/>
+              </a:spcAft>
+              <a:buNone/>
+            </a:pPr>
             <a:endParaRPr/>
           </a:p>
         </p:txBody>
@@ -10982,12 +11172,12 @@
           </a:ln>
         </p:spPr>
         <p:txBody>
-          <a:bodyPr anchorCtr="0" anchor="t" bIns="91425" lIns="91425" spcFirstLastPara="1" rIns="91425" wrap="square" tIns="91425">
+          <a:bodyPr spcFirstLastPara="1" wrap="square" lIns="91425" tIns="91425" rIns="91425" bIns="91425" anchor="t" anchorCtr="0">
             <a:spAutoFit/>
           </a:bodyPr>
           <a:lstStyle/>
           <a:p>
-            <a:pPr indent="-317500" lvl="0" marL="457200" rtl="0" algn="l">
+            <a:pPr marL="457200" lvl="0" indent="-317500" algn="l" rtl="0">
               <a:spcBef>
                 <a:spcPts val="0"/>
               </a:spcBef>
@@ -11024,7 +11214,7 @@
             </a:endParaRPr>
           </a:p>
           <a:p>
-            <a:pPr indent="-317500" lvl="0" marL="457200" rtl="0" algn="l">
+            <a:pPr marL="457200" lvl="0" indent="-317500" algn="l" rtl="0">
               <a:spcBef>
                 <a:spcPts val="0"/>
               </a:spcBef>
@@ -11061,7 +11251,7 @@
             </a:endParaRPr>
           </a:p>
           <a:p>
-            <a:pPr indent="-317500" lvl="0" marL="457200" rtl="0" algn="l">
+            <a:pPr marL="457200" lvl="0" indent="-317500" algn="l" rtl="0">
               <a:spcBef>
                 <a:spcPts val="0"/>
               </a:spcBef>
@@ -11098,7 +11288,7 @@
             </a:endParaRPr>
           </a:p>
           <a:p>
-            <a:pPr indent="-317500" lvl="0" marL="457200" rtl="0" algn="l">
+            <a:pPr marL="457200" lvl="0" indent="-317500" algn="l" rtl="0">
               <a:spcBef>
                 <a:spcPts val="0"/>
               </a:spcBef>
@@ -11135,18 +11325,15 @@
             </a:endParaRPr>
           </a:p>
           <a:p>
-            <a:pPr indent="0" lvl="0" marL="0" rtl="0" algn="l">
-              <a:spcBef>
-                <a:spcPts val="0"/>
-              </a:spcBef>
-              <a:spcAft>
-                <a:spcPts val="0"/>
-              </a:spcAft>
-              <a:buNone/>
-            </a:pPr>
-            <a:r>
-              <a:t/>
-            </a:r>
+            <a:pPr marL="0" lvl="0" indent="0" algn="l" rtl="0">
+              <a:spcBef>
+                <a:spcPts val="0"/>
+              </a:spcBef>
+              <a:spcAft>
+                <a:spcPts val="0"/>
+              </a:spcAft>
+              <a:buNone/>
+            </a:pPr>
             <a:endParaRPr>
               <a:solidFill>
                 <a:srgbClr val="FF0000"/>
@@ -11168,11 +11355,11 @@
 </file>
 
 <file path=ppt/slides/slide18.xml><?xml version="1.0" encoding="utf-8"?>
-<p:sld xmlns:a="http://schemas.openxmlformats.org/drawingml/2006/main" xmlns:r="http://schemas.openxmlformats.org/officeDocument/2006/relationships" xmlns:mc="http://schemas.openxmlformats.org/markup-compatibility/2006" xmlns:mv="urn:schemas-microsoft-com:mac:vml" xmlns:p="http://schemas.openxmlformats.org/presentationml/2006/main" xmlns:c="http://schemas.openxmlformats.org/drawingml/2006/chart" xmlns:dgm="http://schemas.openxmlformats.org/drawingml/2006/diagram" xmlns:o="urn:schemas-microsoft-com:office:office" xmlns:v="urn:schemas-microsoft-com:vml" xmlns:pvml="urn:schemas-microsoft-com:office:powerpoint" xmlns:com="http://schemas.openxmlformats.org/drawingml/2006/compatibility" xmlns:p14="http://schemas.microsoft.com/office/powerpoint/2010/main" xmlns:p15="http://schemas.microsoft.com/office/powerpoint/2012/main" xmlns:ahyp="http://schemas.microsoft.com/office/drawing/2018/hyperlinkcolor">
+<p:sld xmlns:a="http://schemas.openxmlformats.org/drawingml/2006/main" xmlns:r="http://schemas.openxmlformats.org/officeDocument/2006/relationships" xmlns:p="http://schemas.openxmlformats.org/presentationml/2006/main">
   <p:cSld>
     <p:spTree>
       <p:nvGrpSpPr>
-        <p:cNvPr id="186" name="Shape 186"/>
+        <p:cNvPr id="1" name="Shape 186"/>
         <p:cNvGrpSpPr/>
         <p:nvPr/>
       </p:nvGrpSpPr>
@@ -11187,7 +11374,9 @@
       <p:sp>
         <p:nvSpPr>
           <p:cNvPr id="187" name="Google Shape;187;p30"/>
-          <p:cNvSpPr txBox="1"/>
+          <p:cNvSpPr txBox="1">
+            <a:spLocks noGrp="1"/>
+          </p:cNvSpPr>
           <p:nvPr>
             <p:ph type="title"/>
           </p:nvPr>
@@ -11202,12 +11391,12 @@
           </a:prstGeom>
         </p:spPr>
         <p:txBody>
-          <a:bodyPr anchorCtr="0" anchor="t" bIns="91425" lIns="91425" spcFirstLastPara="1" rIns="91425" wrap="square" tIns="91425">
+          <a:bodyPr spcFirstLastPara="1" wrap="square" lIns="91425" tIns="91425" rIns="91425" bIns="91425" anchor="t" anchorCtr="0">
             <a:normAutofit/>
           </a:bodyPr>
           <a:lstStyle/>
           <a:p>
-            <a:pPr indent="0" lvl="0" marL="0" rtl="0" algn="l">
+            <a:pPr marL="0" lvl="0" indent="0" algn="l" rtl="0">
               <a:spcBef>
                 <a:spcPts val="0"/>
               </a:spcBef>
@@ -11218,15 +11407,7 @@
             </a:pPr>
             <a:r>
               <a:rPr lang="de"/>
-              <a:t>How to turn casual </a:t>
-            </a:r>
-            <a:r>
-              <a:rPr lang="de"/>
-              <a:t>cyclist</a:t>
-            </a:r>
-            <a:r>
-              <a:rPr lang="de"/>
-              <a:t> to members</a:t>
+              <a:t>How to turn casual cyclist to members</a:t>
             </a:r>
             <a:endParaRPr/>
           </a:p>
@@ -11252,12 +11433,12 @@
           </a:ln>
         </p:spPr>
         <p:txBody>
-          <a:bodyPr anchorCtr="0" anchor="t" bIns="91425" lIns="91425" spcFirstLastPara="1" rIns="91425" wrap="square" tIns="91425">
+          <a:bodyPr spcFirstLastPara="1" wrap="square" lIns="91425" tIns="91425" rIns="91425" bIns="91425" anchor="t" anchorCtr="0">
             <a:spAutoFit/>
           </a:bodyPr>
           <a:lstStyle/>
           <a:p>
-            <a:pPr indent="-317500" lvl="0" marL="457200" rtl="0" algn="l">
+            <a:pPr marL="457200" lvl="0" indent="-317500" algn="l" rtl="0">
               <a:spcBef>
                 <a:spcPts val="0"/>
               </a:spcBef>
@@ -11285,18 +11466,15 @@
             </a:endParaRPr>
           </a:p>
           <a:p>
-            <a:pPr indent="0" lvl="0" marL="457200" rtl="0" algn="l">
-              <a:spcBef>
-                <a:spcPts val="0"/>
-              </a:spcBef>
-              <a:spcAft>
-                <a:spcPts val="0"/>
-              </a:spcAft>
-              <a:buNone/>
-            </a:pPr>
-            <a:r>
-              <a:t/>
-            </a:r>
+            <a:pPr marL="457200" lvl="0" indent="0" algn="l" rtl="0">
+              <a:spcBef>
+                <a:spcPts val="0"/>
+              </a:spcBef>
+              <a:spcAft>
+                <a:spcPts val="0"/>
+              </a:spcAft>
+              <a:buNone/>
+            </a:pPr>
             <a:endParaRPr>
               <a:latin typeface="Roboto"/>
               <a:ea typeface="Roboto"/>
@@ -11305,7 +11483,7 @@
             </a:endParaRPr>
           </a:p>
           <a:p>
-            <a:pPr indent="-317500" lvl="0" marL="457200" rtl="0" algn="l">
+            <a:pPr marL="457200" lvl="0" indent="-317500" algn="l" rtl="0">
               <a:spcBef>
                 <a:spcPts val="0"/>
               </a:spcBef>
@@ -11333,18 +11511,15 @@
             </a:endParaRPr>
           </a:p>
           <a:p>
-            <a:pPr indent="0" lvl="0" marL="457200" rtl="0" algn="l">
-              <a:spcBef>
-                <a:spcPts val="0"/>
-              </a:spcBef>
-              <a:spcAft>
-                <a:spcPts val="0"/>
-              </a:spcAft>
-              <a:buNone/>
-            </a:pPr>
-            <a:r>
-              <a:t/>
-            </a:r>
+            <a:pPr marL="457200" lvl="0" indent="0" algn="l" rtl="0">
+              <a:spcBef>
+                <a:spcPts val="0"/>
+              </a:spcBef>
+              <a:spcAft>
+                <a:spcPts val="0"/>
+              </a:spcAft>
+              <a:buNone/>
+            </a:pPr>
             <a:endParaRPr>
               <a:latin typeface="Roboto"/>
               <a:ea typeface="Roboto"/>
@@ -11353,7 +11528,7 @@
             </a:endParaRPr>
           </a:p>
           <a:p>
-            <a:pPr indent="-317500" lvl="0" marL="457200" rtl="0" algn="l">
+            <a:pPr marL="457200" lvl="0" indent="-317500" algn="l" rtl="0">
               <a:spcBef>
                 <a:spcPts val="0"/>
               </a:spcBef>
@@ -11395,41 +11570,38 @@
           </a:xfrm>
           <a:prstGeom prst="leftArrowCallout">
             <a:avLst>
-              <a:gd fmla="val 26236" name="adj1"/>
-              <a:gd fmla="val 25000" name="adj2"/>
-              <a:gd fmla="val 25000" name="adj3"/>
-              <a:gd fmla="val 77507" name="adj4"/>
+              <a:gd name="adj1" fmla="val 26236"/>
+              <a:gd name="adj2" fmla="val 25000"/>
+              <a:gd name="adj3" fmla="val 25000"/>
+              <a:gd name="adj4" fmla="val 77507"/>
             </a:avLst>
           </a:prstGeom>
           <a:noFill/>
-          <a:ln cap="flat" cmpd="sng" w="9525">
+          <a:ln w="9525" cap="flat" cmpd="sng">
             <a:solidFill>
               <a:schemeClr val="dk2"/>
             </a:solidFill>
             <a:prstDash val="solid"/>
             <a:round/>
-            <a:headEnd len="sm" w="sm" type="none"/>
-            <a:tailEnd len="sm" w="sm" type="none"/>
+            <a:headEnd type="none" w="sm" len="sm"/>
+            <a:tailEnd type="none" w="sm" len="sm"/>
           </a:ln>
         </p:spPr>
         <p:txBody>
-          <a:bodyPr anchorCtr="0" anchor="ctr" bIns="91425" lIns="91425" spcFirstLastPara="1" rIns="91425" wrap="square" tIns="91425">
+          <a:bodyPr spcFirstLastPara="1" wrap="square" lIns="91425" tIns="91425" rIns="91425" bIns="91425" anchor="ctr" anchorCtr="0">
             <a:noAutofit/>
           </a:bodyPr>
           <a:lstStyle/>
           <a:p>
-            <a:pPr indent="0" lvl="0" marL="0" rtl="0" algn="l">
-              <a:spcBef>
-                <a:spcPts val="0"/>
-              </a:spcBef>
-              <a:spcAft>
-                <a:spcPts val="0"/>
-              </a:spcAft>
-              <a:buNone/>
-            </a:pPr>
-            <a:r>
-              <a:t/>
-            </a:r>
+            <a:pPr marL="0" lvl="0" indent="0" algn="l" rtl="0">
+              <a:spcBef>
+                <a:spcPts val="0"/>
+              </a:spcBef>
+              <a:spcAft>
+                <a:spcPts val="0"/>
+              </a:spcAft>
+              <a:buNone/>
+            </a:pPr>
             <a:endParaRPr/>
           </a:p>
         </p:txBody>
@@ -11454,12 +11626,12 @@
           </a:ln>
         </p:spPr>
         <p:txBody>
-          <a:bodyPr anchorCtr="0" anchor="t" bIns="91425" lIns="91425" spcFirstLastPara="1" rIns="91425" wrap="square" tIns="91425">
+          <a:bodyPr spcFirstLastPara="1" wrap="square" lIns="91425" tIns="91425" rIns="91425" bIns="91425" anchor="t" anchorCtr="0">
             <a:spAutoFit/>
           </a:bodyPr>
           <a:lstStyle/>
           <a:p>
-            <a:pPr indent="-317500" lvl="0" marL="457200" rtl="0" algn="l">
+            <a:pPr marL="457200" lvl="0" indent="-317500" algn="l" rtl="0">
               <a:spcBef>
                 <a:spcPts val="0"/>
               </a:spcBef>
@@ -11496,7 +11668,7 @@
             </a:endParaRPr>
           </a:p>
           <a:p>
-            <a:pPr indent="-317500" lvl="0" marL="457200" rtl="0" algn="l">
+            <a:pPr marL="457200" lvl="0" indent="-317500" algn="l" rtl="0">
               <a:spcBef>
                 <a:spcPts val="0"/>
               </a:spcBef>
@@ -11533,7 +11705,7 @@
             </a:endParaRPr>
           </a:p>
           <a:p>
-            <a:pPr indent="-317500" lvl="0" marL="457200" rtl="0" algn="l">
+            <a:pPr marL="457200" lvl="0" indent="-317500" algn="l" rtl="0">
               <a:spcBef>
                 <a:spcPts val="0"/>
               </a:spcBef>
@@ -11570,7 +11742,7 @@
             </a:endParaRPr>
           </a:p>
           <a:p>
-            <a:pPr indent="-317500" lvl="0" marL="457200" rtl="0" algn="l">
+            <a:pPr marL="457200" lvl="0" indent="-317500" algn="l" rtl="0">
               <a:spcBef>
                 <a:spcPts val="0"/>
               </a:spcBef>
@@ -11617,11 +11789,11 @@
 </file>
 
 <file path=ppt/slides/slide2.xml><?xml version="1.0" encoding="utf-8"?>
-<p:sld xmlns:a="http://schemas.openxmlformats.org/drawingml/2006/main" xmlns:r="http://schemas.openxmlformats.org/officeDocument/2006/relationships" xmlns:mc="http://schemas.openxmlformats.org/markup-compatibility/2006" xmlns:mv="urn:schemas-microsoft-com:mac:vml" xmlns:p="http://schemas.openxmlformats.org/presentationml/2006/main" xmlns:c="http://schemas.openxmlformats.org/drawingml/2006/chart" xmlns:dgm="http://schemas.openxmlformats.org/drawingml/2006/diagram" xmlns:o="urn:schemas-microsoft-com:office:office" xmlns:v="urn:schemas-microsoft-com:vml" xmlns:pvml="urn:schemas-microsoft-com:office:powerpoint" xmlns:com="http://schemas.openxmlformats.org/drawingml/2006/compatibility" xmlns:p14="http://schemas.microsoft.com/office/powerpoint/2010/main" xmlns:p15="http://schemas.microsoft.com/office/powerpoint/2012/main" xmlns:ahyp="http://schemas.microsoft.com/office/drawing/2018/hyperlinkcolor">
+<p:sld xmlns:a="http://schemas.openxmlformats.org/drawingml/2006/main" xmlns:r="http://schemas.openxmlformats.org/officeDocument/2006/relationships" xmlns:p="http://schemas.openxmlformats.org/presentationml/2006/main">
   <p:cSld>
     <p:spTree>
       <p:nvGrpSpPr>
-        <p:cNvPr id="70" name="Shape 70"/>
+        <p:cNvPr id="1" name="Shape 70"/>
         <p:cNvGrpSpPr/>
         <p:nvPr/>
       </p:nvGrpSpPr>
@@ -11636,7 +11808,9 @@
       <p:sp>
         <p:nvSpPr>
           <p:cNvPr id="71" name="Google Shape;71;p14"/>
-          <p:cNvSpPr txBox="1"/>
+          <p:cNvSpPr txBox="1">
+            <a:spLocks noGrp="1"/>
+          </p:cNvSpPr>
           <p:nvPr>
             <p:ph type="title"/>
           </p:nvPr>
@@ -11651,12 +11825,12 @@
           </a:prstGeom>
         </p:spPr>
         <p:txBody>
-          <a:bodyPr anchorCtr="0" anchor="t" bIns="91425" lIns="91425" spcFirstLastPara="1" rIns="91425" wrap="square" tIns="91425">
+          <a:bodyPr spcFirstLastPara="1" wrap="square" lIns="91425" tIns="91425" rIns="91425" bIns="91425" anchor="t" anchorCtr="0">
             <a:noAutofit/>
           </a:bodyPr>
           <a:lstStyle/>
           <a:p>
-            <a:pPr indent="0" lvl="0" marL="0" rtl="0" algn="ctr">
+            <a:pPr marL="0" lvl="0" indent="0" algn="ctr" rtl="0">
               <a:spcBef>
                 <a:spcPts val="0"/>
               </a:spcBef>
@@ -11676,9 +11850,11 @@
       <p:sp>
         <p:nvSpPr>
           <p:cNvPr id="72" name="Google Shape;72;p14"/>
-          <p:cNvSpPr txBox="1"/>
+          <p:cNvSpPr txBox="1">
+            <a:spLocks noGrp="1"/>
+          </p:cNvSpPr>
           <p:nvPr>
-            <p:ph idx="1" type="body"/>
+            <p:ph type="body" idx="1"/>
           </p:nvPr>
         </p:nvSpPr>
         <p:spPr>
@@ -11691,12 +11867,12 @@
           </a:prstGeom>
         </p:spPr>
         <p:txBody>
-          <a:bodyPr anchorCtr="0" anchor="t" bIns="91425" lIns="91425" spcFirstLastPara="1" rIns="91425" wrap="square" tIns="91425">
+          <a:bodyPr spcFirstLastPara="1" wrap="square" lIns="91425" tIns="91425" rIns="91425" bIns="91425" anchor="t" anchorCtr="0">
             <a:normAutofit lnSpcReduction="10000"/>
           </a:bodyPr>
           <a:lstStyle/>
           <a:p>
-            <a:pPr indent="0" lvl="0" marL="0" rtl="0" algn="l">
+            <a:pPr marL="0" lvl="0" indent="0" algn="l" rtl="0">
               <a:spcBef>
                 <a:spcPts val="0"/>
               </a:spcBef>
@@ -11706,13 +11882,13 @@
               <a:buNone/>
             </a:pPr>
             <a:r>
-              <a:rPr b="1" lang="de" sz="2000"/>
+              <a:rPr lang="de" sz="2000" b="1"/>
               <a:t>SCENARIO:</a:t>
             </a:r>
-            <a:endParaRPr b="1" sz="2000"/>
-          </a:p>
-          <a:p>
-            <a:pPr indent="0" lvl="0" marL="0" rtl="0" algn="l">
+            <a:endParaRPr sz="2000" b="1"/>
+          </a:p>
+          <a:p>
+            <a:pPr marL="0" lvl="0" indent="0" algn="l" rtl="0">
               <a:spcBef>
                 <a:spcPts val="1200"/>
               </a:spcBef>
@@ -11728,7 +11904,7 @@
             <a:endParaRPr/>
           </a:p>
           <a:p>
-            <a:pPr indent="0" lvl="0" marL="0" rtl="0" algn="l">
+            <a:pPr marL="0" lvl="0" indent="0" algn="l" rtl="0">
               <a:spcBef>
                 <a:spcPts val="1200"/>
               </a:spcBef>
@@ -11744,7 +11920,7 @@
             <a:endParaRPr/>
           </a:p>
           <a:p>
-            <a:pPr indent="-311150" lvl="0" marL="457200" rtl="0" algn="l">
+            <a:pPr marL="457200" lvl="0" indent="-311150" algn="l" rtl="0">
               <a:spcBef>
                 <a:spcPts val="1200"/>
               </a:spcBef>
@@ -11761,7 +11937,7 @@
             <a:endParaRPr/>
           </a:p>
           <a:p>
-            <a:pPr indent="-311150" lvl="0" marL="457200" rtl="0" algn="l">
+            <a:pPr marL="457200" lvl="0" indent="-311150" algn="l" rtl="0">
               <a:spcBef>
                 <a:spcPts val="0"/>
               </a:spcBef>
@@ -11778,7 +11954,7 @@
             <a:endParaRPr/>
           </a:p>
           <a:p>
-            <a:pPr indent="-311150" lvl="0" marL="457200" rtl="0" algn="l">
+            <a:pPr marL="457200" lvl="0" indent="-311150" algn="l" rtl="0">
               <a:spcBef>
                 <a:spcPts val="0"/>
               </a:spcBef>
@@ -11795,7 +11971,7 @@
             <a:endParaRPr/>
           </a:p>
           <a:p>
-            <a:pPr indent="0" lvl="0" marL="0" rtl="0" algn="l">
+            <a:pPr marL="0" lvl="0" indent="0" algn="l" rtl="0">
               <a:spcBef>
                 <a:spcPts val="1200"/>
               </a:spcBef>
@@ -11815,9 +11991,11 @@
       <p:sp>
         <p:nvSpPr>
           <p:cNvPr id="73" name="Google Shape;73;p14"/>
-          <p:cNvSpPr txBox="1"/>
+          <p:cNvSpPr txBox="1">
+            <a:spLocks noGrp="1"/>
+          </p:cNvSpPr>
           <p:nvPr>
-            <p:ph idx="2" type="body"/>
+            <p:ph type="body" idx="2"/>
           </p:nvPr>
         </p:nvSpPr>
         <p:spPr>
@@ -11830,12 +12008,12 @@
           </a:prstGeom>
         </p:spPr>
         <p:txBody>
-          <a:bodyPr anchorCtr="0" anchor="t" bIns="91425" lIns="91425" spcFirstLastPara="1" rIns="91425" wrap="square" tIns="91425">
+          <a:bodyPr spcFirstLastPara="1" wrap="square" lIns="91425" tIns="91425" rIns="91425" bIns="91425" anchor="t" anchorCtr="0">
             <a:normAutofit/>
           </a:bodyPr>
           <a:lstStyle/>
           <a:p>
-            <a:pPr indent="0" lvl="0" marL="0" rtl="0" algn="l">
+            <a:pPr marL="0" lvl="0" indent="0" algn="l" rtl="0">
               <a:spcBef>
                 <a:spcPts val="0"/>
               </a:spcBef>
@@ -11845,13 +12023,13 @@
               <a:buNone/>
             </a:pPr>
             <a:r>
-              <a:rPr b="1" lang="de" sz="1800"/>
+              <a:rPr lang="de" sz="1800" b="1" dirty="0"/>
               <a:t>ASK:</a:t>
             </a:r>
-            <a:endParaRPr b="1" sz="1800"/>
-          </a:p>
-          <a:p>
-            <a:pPr indent="-311150" lvl="0" marL="457200" rtl="0" algn="l">
+            <a:endParaRPr sz="1800" b="1" dirty="0"/>
+          </a:p>
+          <a:p>
+            <a:pPr marL="457200" lvl="0" indent="-311150" algn="l" rtl="0">
               <a:spcBef>
                 <a:spcPts val="1200"/>
               </a:spcBef>
@@ -11862,28 +12040,12 @@
               <a:buAutoNum type="arabicPeriod"/>
             </a:pPr>
             <a:r>
-              <a:rPr b="1" lang="de"/>
+              <a:rPr lang="de" b="1" dirty="0"/>
               <a:t>Behavioural difference between casual riders and members</a:t>
             </a:r>
-            <a:endParaRPr b="1"/>
-          </a:p>
-          <a:p>
-            <a:pPr indent="0" lvl="0" marL="457200" rtl="0" algn="l">
-              <a:spcBef>
-                <a:spcPts val="1200"/>
-              </a:spcBef>
-              <a:spcAft>
-                <a:spcPts val="0"/>
-              </a:spcAft>
-              <a:buNone/>
-            </a:pPr>
-            <a:r>
-              <a:t/>
-            </a:r>
-            <a:endParaRPr b="1"/>
-          </a:p>
-          <a:p>
-            <a:pPr indent="-311150" lvl="0" marL="457200" rtl="0" algn="l">
+          </a:p>
+          <a:p>
+            <a:pPr marL="457200" lvl="0" indent="-311150" algn="l" rtl="0">
               <a:spcBef>
                 <a:spcPts val="1200"/>
               </a:spcBef>
@@ -11893,29 +12055,26 @@
               <a:buSzPts val="1300"/>
               <a:buAutoNum type="arabicPeriod"/>
             </a:pPr>
+            <a:endParaRPr b="1" dirty="0"/>
+          </a:p>
+          <a:p>
+            <a:pPr marL="457200" lvl="0" indent="-311150" algn="l" rtl="0">
+              <a:spcBef>
+                <a:spcPts val="1200"/>
+              </a:spcBef>
+              <a:spcAft>
+                <a:spcPts val="0"/>
+              </a:spcAft>
+              <a:buSzPts val="1300"/>
+              <a:buAutoNum type="arabicPeriod"/>
+            </a:pPr>
             <a:r>
-              <a:rPr b="1" lang="de"/>
+              <a:rPr lang="de" b="1" dirty="0"/>
               <a:t>Why would casual riders buy a membership</a:t>
             </a:r>
-            <a:endParaRPr b="1"/>
-          </a:p>
-          <a:p>
-            <a:pPr indent="0" lvl="0" marL="457200" rtl="0" algn="l">
-              <a:spcBef>
-                <a:spcPts val="1200"/>
-              </a:spcBef>
-              <a:spcAft>
-                <a:spcPts val="0"/>
-              </a:spcAft>
-              <a:buNone/>
-            </a:pPr>
-            <a:r>
-              <a:t/>
-            </a:r>
-            <a:endParaRPr b="1"/>
-          </a:p>
-          <a:p>
-            <a:pPr indent="-311150" lvl="0" marL="457200" rtl="0" algn="l">
+          </a:p>
+          <a:p>
+            <a:pPr marL="457200" lvl="0" indent="-311150" algn="l" rtl="0">
               <a:spcBef>
                 <a:spcPts val="1200"/>
               </a:spcBef>
@@ -11925,11 +12084,24 @@
               <a:buSzPts val="1300"/>
               <a:buAutoNum type="arabicPeriod"/>
             </a:pPr>
+            <a:endParaRPr b="1" dirty="0"/>
+          </a:p>
+          <a:p>
+            <a:pPr marL="457200" lvl="0" indent="-311150" algn="l" rtl="0">
+              <a:spcBef>
+                <a:spcPts val="1200"/>
+              </a:spcBef>
+              <a:spcAft>
+                <a:spcPts val="0"/>
+              </a:spcAft>
+              <a:buSzPts val="1300"/>
+              <a:buAutoNum type="arabicPeriod"/>
+            </a:pPr>
             <a:r>
-              <a:rPr b="1" lang="de"/>
+              <a:rPr lang="de" b="1" dirty="0"/>
               <a:t>How can digital media influence casual riders to become members</a:t>
             </a:r>
-            <a:endParaRPr b="1"/>
+            <a:endParaRPr b="1" dirty="0"/>
           </a:p>
         </p:txBody>
       </p:sp>
@@ -11942,11 +12114,11 @@
 </file>
 
 <file path=ppt/slides/slide3.xml><?xml version="1.0" encoding="utf-8"?>
-<p:sld xmlns:a="http://schemas.openxmlformats.org/drawingml/2006/main" xmlns:r="http://schemas.openxmlformats.org/officeDocument/2006/relationships" xmlns:mc="http://schemas.openxmlformats.org/markup-compatibility/2006" xmlns:mv="urn:schemas-microsoft-com:mac:vml" xmlns:p="http://schemas.openxmlformats.org/presentationml/2006/main" xmlns:c="http://schemas.openxmlformats.org/drawingml/2006/chart" xmlns:dgm="http://schemas.openxmlformats.org/drawingml/2006/diagram" xmlns:o="urn:schemas-microsoft-com:office:office" xmlns:v="urn:schemas-microsoft-com:vml" xmlns:pvml="urn:schemas-microsoft-com:office:powerpoint" xmlns:com="http://schemas.openxmlformats.org/drawingml/2006/compatibility" xmlns:p14="http://schemas.microsoft.com/office/powerpoint/2010/main" xmlns:p15="http://schemas.microsoft.com/office/powerpoint/2012/main" xmlns:ahyp="http://schemas.microsoft.com/office/drawing/2018/hyperlinkcolor">
+<p:sld xmlns:a="http://schemas.openxmlformats.org/drawingml/2006/main" xmlns:r="http://schemas.openxmlformats.org/officeDocument/2006/relationships" xmlns:p="http://schemas.openxmlformats.org/presentationml/2006/main">
   <p:cSld>
     <p:spTree>
       <p:nvGrpSpPr>
-        <p:cNvPr id="77" name="Shape 77"/>
+        <p:cNvPr id="1" name="Shape 77"/>
         <p:cNvGrpSpPr/>
         <p:nvPr/>
       </p:nvGrpSpPr>
@@ -11961,7 +12133,9 @@
       <p:sp>
         <p:nvSpPr>
           <p:cNvPr id="78" name="Google Shape;78;p15"/>
-          <p:cNvSpPr txBox="1"/>
+          <p:cNvSpPr txBox="1">
+            <a:spLocks noGrp="1"/>
+          </p:cNvSpPr>
           <p:nvPr>
             <p:ph type="title"/>
           </p:nvPr>
@@ -11976,12 +12150,12 @@
           </a:prstGeom>
         </p:spPr>
         <p:txBody>
-          <a:bodyPr anchorCtr="0" anchor="t" bIns="91425" lIns="91425" spcFirstLastPara="1" rIns="91425" wrap="square" tIns="91425">
+          <a:bodyPr spcFirstLastPara="1" wrap="square" lIns="91425" tIns="91425" rIns="91425" bIns="91425" anchor="t" anchorCtr="0">
             <a:noAutofit/>
           </a:bodyPr>
           <a:lstStyle/>
           <a:p>
-            <a:pPr indent="0" lvl="0" marL="0" rtl="0" algn="ctr">
+            <a:pPr marL="0" lvl="0" indent="0" algn="ctr" rtl="0">
               <a:spcBef>
                 <a:spcPts val="0"/>
               </a:spcBef>
@@ -12001,9 +12175,11 @@
       <p:sp>
         <p:nvSpPr>
           <p:cNvPr id="79" name="Google Shape;79;p15"/>
-          <p:cNvSpPr txBox="1"/>
+          <p:cNvSpPr txBox="1">
+            <a:spLocks noGrp="1"/>
+          </p:cNvSpPr>
           <p:nvPr>
-            <p:ph idx="1" type="body"/>
+            <p:ph type="body" idx="1"/>
           </p:nvPr>
         </p:nvSpPr>
         <p:spPr>
@@ -12016,12 +12192,12 @@
           </a:prstGeom>
         </p:spPr>
         <p:txBody>
-          <a:bodyPr anchorCtr="0" anchor="t" bIns="91425" lIns="91425" spcFirstLastPara="1" rIns="91425" wrap="square" tIns="91425">
+          <a:bodyPr spcFirstLastPara="1" wrap="square" lIns="91425" tIns="91425" rIns="91425" bIns="91425" anchor="t" anchorCtr="0">
             <a:normAutofit/>
           </a:bodyPr>
           <a:lstStyle/>
           <a:p>
-            <a:pPr indent="0" lvl="0" marL="0" rtl="0" algn="l">
+            <a:pPr marL="0" lvl="0" indent="0" algn="l" rtl="0">
               <a:spcBef>
                 <a:spcPts val="0"/>
               </a:spcBef>
@@ -12031,13 +12207,13 @@
               <a:buNone/>
             </a:pPr>
             <a:r>
-              <a:rPr b="1" lang="de" sz="2000"/>
+              <a:rPr lang="de" sz="2000" b="1"/>
               <a:t>DATA</a:t>
             </a:r>
-            <a:endParaRPr b="1" sz="2000"/>
-          </a:p>
-          <a:p>
-            <a:pPr indent="0" lvl="0" marL="0" rtl="0" algn="l">
+            <a:endParaRPr sz="2000" b="1"/>
+          </a:p>
+          <a:p>
+            <a:pPr marL="0" lvl="0" indent="0" algn="l" rtl="0">
               <a:spcBef>
                 <a:spcPts val="1200"/>
               </a:spcBef>
@@ -12053,7 +12229,7 @@
             <a:endParaRPr/>
           </a:p>
           <a:p>
-            <a:pPr indent="0" lvl="0" marL="0" rtl="0" algn="l">
+            <a:pPr marL="0" lvl="0" indent="0" algn="l" rtl="0">
               <a:spcBef>
                 <a:spcPts val="1200"/>
               </a:spcBef>
@@ -12067,18 +12243,18 @@
               <a:t>Availability from </a:t>
             </a:r>
             <a:r>
-              <a:rPr i="1" lang="de"/>
+              <a:rPr lang="de" i="1"/>
               <a:t>Motivate International Inc.</a:t>
             </a:r>
             <a:br>
-              <a:rPr i="1" lang="de"/>
+              <a:rPr lang="de" i="1"/>
             </a:br>
             <a:r>
               <a:rPr lang="de" sz="1200"/>
               <a:t>(</a:t>
             </a:r>
             <a:r>
-              <a:rPr i="1" lang="de" sz="1200" u="sng">
+              <a:rPr lang="de" sz="1200" i="1" u="sng">
                 <a:solidFill>
                   <a:schemeClr val="hlink"/>
                 </a:solidFill>
@@ -12093,7 +12269,7 @@
             <a:endParaRPr sz="1200"/>
           </a:p>
           <a:p>
-            <a:pPr indent="0" lvl="0" marL="0" rtl="0" algn="l">
+            <a:pPr marL="0" lvl="0" indent="0" algn="l" rtl="0">
               <a:spcBef>
                 <a:spcPts val="1200"/>
               </a:spcBef>
@@ -12109,7 +12285,7 @@
             <a:endParaRPr sz="1200"/>
           </a:p>
           <a:p>
-            <a:pPr indent="0" lvl="0" marL="0" rtl="0" algn="l">
+            <a:pPr marL="0" lvl="0" indent="0" algn="l" rtl="0">
               <a:spcBef>
                 <a:spcPts val="1200"/>
               </a:spcBef>
@@ -12129,9 +12305,11 @@
       <p:sp>
         <p:nvSpPr>
           <p:cNvPr id="80" name="Google Shape;80;p15"/>
-          <p:cNvSpPr txBox="1"/>
+          <p:cNvSpPr txBox="1">
+            <a:spLocks noGrp="1"/>
+          </p:cNvSpPr>
           <p:nvPr>
-            <p:ph idx="2" type="body"/>
+            <p:ph type="body" idx="2"/>
           </p:nvPr>
         </p:nvSpPr>
         <p:spPr>
@@ -12144,12 +12322,12 @@
           </a:prstGeom>
         </p:spPr>
         <p:txBody>
-          <a:bodyPr anchorCtr="0" anchor="t" bIns="91425" lIns="91425" spcFirstLastPara="1" rIns="91425" wrap="square" tIns="91425">
+          <a:bodyPr spcFirstLastPara="1" wrap="square" lIns="91425" tIns="91425" rIns="91425" bIns="91425" anchor="t" anchorCtr="0">
             <a:normAutofit lnSpcReduction="10000"/>
           </a:bodyPr>
           <a:lstStyle/>
           <a:p>
-            <a:pPr indent="0" lvl="0" marL="0" rtl="0" algn="l">
+            <a:pPr marL="0" lvl="0" indent="0" algn="l" rtl="0">
               <a:spcBef>
                 <a:spcPts val="0"/>
               </a:spcBef>
@@ -12159,13 +12337,13 @@
               <a:buNone/>
             </a:pPr>
             <a:r>
-              <a:rPr b="1" lang="de" sz="2000"/>
+              <a:rPr lang="de" sz="2000" b="1"/>
               <a:t>ROCCC</a:t>
             </a:r>
-            <a:endParaRPr b="1" sz="2000"/>
-          </a:p>
-          <a:p>
-            <a:pPr indent="0" lvl="0" marL="0" rtl="0" algn="l">
+            <a:endParaRPr sz="2000" b="1"/>
+          </a:p>
+          <a:p>
+            <a:pPr marL="0" lvl="0" indent="0" algn="l" rtl="0">
               <a:spcBef>
                 <a:spcPts val="1200"/>
               </a:spcBef>
@@ -12175,7 +12353,7 @@
               <a:buNone/>
             </a:pPr>
             <a:r>
-              <a:rPr b="1" lang="de"/>
+              <a:rPr lang="de" b="1"/>
               <a:t>Reliability</a:t>
             </a:r>
             <a:r>
@@ -12185,7 +12363,7 @@
             <a:endParaRPr/>
           </a:p>
           <a:p>
-            <a:pPr indent="0" lvl="0" marL="0" rtl="0" algn="l">
+            <a:pPr marL="0" lvl="0" indent="0" algn="l" rtl="0">
               <a:spcBef>
                 <a:spcPts val="1200"/>
               </a:spcBef>
@@ -12195,21 +12373,17 @@
               <a:buNone/>
             </a:pPr>
             <a:r>
-              <a:rPr b="1" lang="de"/>
+              <a:rPr lang="de" b="1"/>
               <a:t>Original</a:t>
             </a:r>
             <a:r>
               <a:rPr lang="de"/>
-              <a:t>: </a:t>
-            </a:r>
-            <a:r>
-              <a:rPr lang="de"/>
-              <a:t>the data comes from the primary source</a:t>
+              <a:t>: the data comes from the primary source</a:t>
             </a:r>
             <a:endParaRPr/>
           </a:p>
           <a:p>
-            <a:pPr indent="0" lvl="0" marL="0" rtl="0" algn="l">
+            <a:pPr marL="0" lvl="0" indent="0" algn="l" rtl="0">
               <a:spcBef>
                 <a:spcPts val="1200"/>
               </a:spcBef>
@@ -12219,7 +12393,7 @@
               <a:buNone/>
             </a:pPr>
             <a:r>
-              <a:rPr b="1" lang="de"/>
+              <a:rPr lang="de" b="1"/>
               <a:t>Comprehensive</a:t>
             </a:r>
             <a:r>
@@ -12229,7 +12403,7 @@
             <a:endParaRPr/>
           </a:p>
           <a:p>
-            <a:pPr indent="0" lvl="0" marL="0" rtl="0" algn="l">
+            <a:pPr marL="0" lvl="0" indent="0" algn="l" rtl="0">
               <a:spcBef>
                 <a:spcPts val="1200"/>
               </a:spcBef>
@@ -12239,7 +12413,7 @@
               <a:buNone/>
             </a:pPr>
             <a:r>
-              <a:rPr b="1" lang="de"/>
+              <a:rPr lang="de" b="1"/>
               <a:t>Current</a:t>
             </a:r>
             <a:r>
@@ -12249,7 +12423,7 @@
             <a:endParaRPr/>
           </a:p>
           <a:p>
-            <a:pPr indent="0" lvl="0" marL="0" rtl="0" algn="l">
+            <a:pPr marL="0" lvl="0" indent="0" algn="l" rtl="0">
               <a:spcBef>
                 <a:spcPts val="1200"/>
               </a:spcBef>
@@ -12259,7 +12433,7 @@
               <a:buNone/>
             </a:pPr>
             <a:r>
-              <a:rPr b="1" lang="de"/>
+              <a:rPr lang="de" b="1"/>
               <a:t>Cited:</a:t>
             </a:r>
             <a:r>
@@ -12279,11 +12453,11 @@
 </file>
 
 <file path=ppt/slides/slide4.xml><?xml version="1.0" encoding="utf-8"?>
-<p:sld xmlns:a="http://schemas.openxmlformats.org/drawingml/2006/main" xmlns:r="http://schemas.openxmlformats.org/officeDocument/2006/relationships" xmlns:mc="http://schemas.openxmlformats.org/markup-compatibility/2006" xmlns:mv="urn:schemas-microsoft-com:mac:vml" xmlns:p="http://schemas.openxmlformats.org/presentationml/2006/main" xmlns:c="http://schemas.openxmlformats.org/drawingml/2006/chart" xmlns:dgm="http://schemas.openxmlformats.org/drawingml/2006/diagram" xmlns:o="urn:schemas-microsoft-com:office:office" xmlns:v="urn:schemas-microsoft-com:vml" xmlns:pvml="urn:schemas-microsoft-com:office:powerpoint" xmlns:com="http://schemas.openxmlformats.org/drawingml/2006/compatibility" xmlns:p14="http://schemas.microsoft.com/office/powerpoint/2010/main" xmlns:p15="http://schemas.microsoft.com/office/powerpoint/2012/main" xmlns:ahyp="http://schemas.microsoft.com/office/drawing/2018/hyperlinkcolor">
+<p:sld xmlns:a="http://schemas.openxmlformats.org/drawingml/2006/main" xmlns:r="http://schemas.openxmlformats.org/officeDocument/2006/relationships" xmlns:p="http://schemas.openxmlformats.org/presentationml/2006/main">
   <p:cSld>
     <p:spTree>
       <p:nvGrpSpPr>
-        <p:cNvPr id="84" name="Shape 84"/>
+        <p:cNvPr id="1" name="Shape 84"/>
         <p:cNvGrpSpPr/>
         <p:nvPr/>
       </p:nvGrpSpPr>
@@ -12298,7 +12472,9 @@
       <p:sp>
         <p:nvSpPr>
           <p:cNvPr id="85" name="Google Shape;85;p16"/>
-          <p:cNvSpPr txBox="1"/>
+          <p:cNvSpPr txBox="1">
+            <a:spLocks noGrp="1"/>
+          </p:cNvSpPr>
           <p:nvPr>
             <p:ph type="title"/>
           </p:nvPr>
@@ -12313,12 +12489,12 @@
           </a:prstGeom>
         </p:spPr>
         <p:txBody>
-          <a:bodyPr anchorCtr="0" anchor="b" bIns="91425" lIns="91425" spcFirstLastPara="1" rIns="91425" wrap="square" tIns="91425">
+          <a:bodyPr spcFirstLastPara="1" wrap="square" lIns="91425" tIns="91425" rIns="91425" bIns="91425" anchor="b" anchorCtr="0">
             <a:normAutofit fontScale="90000"/>
           </a:bodyPr>
           <a:lstStyle/>
           <a:p>
-            <a:pPr indent="0" lvl="0" marL="0" rtl="0" algn="l">
+            <a:pPr marL="0" lvl="0" indent="0" algn="l" rtl="0">
               <a:spcBef>
                 <a:spcPts val="0"/>
               </a:spcBef>
@@ -12338,9 +12514,11 @@
       <p:sp>
         <p:nvSpPr>
           <p:cNvPr id="86" name="Google Shape;86;p16"/>
-          <p:cNvSpPr txBox="1"/>
+          <p:cNvSpPr txBox="1">
+            <a:spLocks noGrp="1"/>
+          </p:cNvSpPr>
           <p:nvPr>
-            <p:ph idx="1" type="body"/>
+            <p:ph type="body" idx="1"/>
           </p:nvPr>
         </p:nvSpPr>
         <p:spPr>
@@ -12353,12 +12531,12 @@
           </a:prstGeom>
         </p:spPr>
         <p:txBody>
-          <a:bodyPr anchorCtr="0" anchor="t" bIns="91425" lIns="91425" spcFirstLastPara="1" rIns="91425" wrap="square" tIns="91425">
+          <a:bodyPr spcFirstLastPara="1" wrap="square" lIns="91425" tIns="91425" rIns="91425" bIns="91425" anchor="t" anchorCtr="0">
             <a:normAutofit/>
           </a:bodyPr>
           <a:lstStyle/>
           <a:p>
-            <a:pPr indent="0" lvl="0" marL="0" rtl="0" algn="l">
+            <a:pPr marL="0" lvl="0" indent="0" algn="l" rtl="0">
               <a:spcBef>
                 <a:spcPts val="0"/>
               </a:spcBef>
@@ -12367,9 +12545,6 @@
               </a:spcAft>
               <a:buNone/>
             </a:pPr>
-            <a:r>
-              <a:t/>
-            </a:r>
             <a:endParaRPr/>
           </a:p>
         </p:txBody>
@@ -12383,11 +12558,11 @@
 </file>
 
 <file path=ppt/slides/slide5.xml><?xml version="1.0" encoding="utf-8"?>
-<p:sld xmlns:a="http://schemas.openxmlformats.org/drawingml/2006/main" xmlns:r="http://schemas.openxmlformats.org/officeDocument/2006/relationships" xmlns:mc="http://schemas.openxmlformats.org/markup-compatibility/2006" xmlns:mv="urn:schemas-microsoft-com:mac:vml" xmlns:p="http://schemas.openxmlformats.org/presentationml/2006/main" xmlns:c="http://schemas.openxmlformats.org/drawingml/2006/chart" xmlns:dgm="http://schemas.openxmlformats.org/drawingml/2006/diagram" xmlns:o="urn:schemas-microsoft-com:office:office" xmlns:v="urn:schemas-microsoft-com:vml" xmlns:pvml="urn:schemas-microsoft-com:office:powerpoint" xmlns:com="http://schemas.openxmlformats.org/drawingml/2006/compatibility" xmlns:p14="http://schemas.microsoft.com/office/powerpoint/2010/main" xmlns:p15="http://schemas.microsoft.com/office/powerpoint/2012/main" xmlns:ahyp="http://schemas.microsoft.com/office/drawing/2018/hyperlinkcolor">
+<p:sld xmlns:a="http://schemas.openxmlformats.org/drawingml/2006/main" xmlns:r="http://schemas.openxmlformats.org/officeDocument/2006/relationships" xmlns:p="http://schemas.openxmlformats.org/presentationml/2006/main">
   <p:cSld>
     <p:spTree>
       <p:nvGrpSpPr>
-        <p:cNvPr id="90" name="Shape 90"/>
+        <p:cNvPr id="1" name="Shape 90"/>
         <p:cNvGrpSpPr/>
         <p:nvPr/>
       </p:nvGrpSpPr>
@@ -12402,7 +12577,9 @@
       <p:sp>
         <p:nvSpPr>
           <p:cNvPr id="91" name="Google Shape;91;p17"/>
-          <p:cNvSpPr txBox="1"/>
+          <p:cNvSpPr txBox="1">
+            <a:spLocks noGrp="1"/>
+          </p:cNvSpPr>
           <p:nvPr>
             <p:ph type="title"/>
           </p:nvPr>
@@ -12417,12 +12594,12 @@
           </a:prstGeom>
         </p:spPr>
         <p:txBody>
-          <a:bodyPr anchorCtr="0" anchor="t" bIns="91425" lIns="91425" spcFirstLastPara="1" rIns="91425" wrap="square" tIns="91425">
+          <a:bodyPr spcFirstLastPara="1" wrap="square" lIns="91425" tIns="91425" rIns="91425" bIns="91425" anchor="t" anchorCtr="0">
             <a:normAutofit/>
           </a:bodyPr>
           <a:lstStyle/>
           <a:p>
-            <a:pPr indent="0" lvl="0" marL="0" rtl="0" algn="l">
+            <a:pPr marL="0" lvl="0" indent="0" algn="l" rtl="0">
               <a:spcBef>
                 <a:spcPts val="0"/>
               </a:spcBef>
@@ -12457,9 +12634,27 @@
                 <a:tableStyleId>{B22AC1C8-C957-42F4-B9B5-7D8AC162643C}</a:tableStyleId>
               </a:tblPr>
               <a:tblGrid>
-                <a:gridCol w="2413000"/>
-                <a:gridCol w="2413000"/>
-                <a:gridCol w="2413000"/>
+                <a:gridCol w="2413000">
+                  <a:extLst>
+                    <a:ext uri="{9D8B030D-6E8A-4147-A177-3AD203B41FA5}">
+                      <a16:colId xmlns:a16="http://schemas.microsoft.com/office/drawing/2014/main" val="20000"/>
+                    </a:ext>
+                  </a:extLst>
+                </a:gridCol>
+                <a:gridCol w="2413000">
+                  <a:extLst>
+                    <a:ext uri="{9D8B030D-6E8A-4147-A177-3AD203B41FA5}">
+                      <a16:colId xmlns:a16="http://schemas.microsoft.com/office/drawing/2014/main" val="20001"/>
+                    </a:ext>
+                  </a:extLst>
+                </a:gridCol>
+                <a:gridCol w="2413000">
+                  <a:extLst>
+                    <a:ext uri="{9D8B030D-6E8A-4147-A177-3AD203B41FA5}">
+                      <a16:colId xmlns:a16="http://schemas.microsoft.com/office/drawing/2014/main" val="20002"/>
+                    </a:ext>
+                  </a:extLst>
+                </a:gridCol>
               </a:tblGrid>
               <a:tr h="606200">
                 <a:tc>
@@ -12467,7 +12662,7 @@
                     <a:bodyPr/>
                     <a:lstStyle/>
                     <a:p>
-                      <a:pPr indent="0" lvl="0" marL="0" rtl="0" algn="ctr">
+                      <a:pPr marL="0" lvl="0" indent="0" algn="ctr" rtl="0">
                         <a:spcBef>
                           <a:spcPts val="0"/>
                         </a:spcBef>
@@ -12476,48 +12671,45 @@
                         </a:spcAft>
                         <a:buNone/>
                       </a:pPr>
-                      <a:r>
-                        <a:t/>
-                      </a:r>
                       <a:endParaRPr/>
                     </a:p>
                   </a:txBody>
-                  <a:tcPr marT="91425" marB="91425" marR="91425" marL="91425">
-                    <a:lnL cap="flat" cmpd="sng" w="9525">
+                  <a:tcPr marL="91425" marR="91425" marT="91425" marB="91425">
+                    <a:lnL w="9525" cap="flat" cmpd="sng">
                       <a:solidFill>
                         <a:srgbClr val="B7B7B7"/>
                       </a:solidFill>
                       <a:prstDash val="solid"/>
                       <a:round/>
-                      <a:headEnd len="sm" w="sm" type="none"/>
-                      <a:tailEnd len="sm" w="sm" type="none"/>
+                      <a:headEnd type="none" w="sm" len="sm"/>
+                      <a:tailEnd type="none" w="sm" len="sm"/>
                     </a:lnL>
-                    <a:lnR cap="flat" cmpd="sng" w="9525">
+                    <a:lnR w="9525" cap="flat" cmpd="sng">
                       <a:solidFill>
                         <a:srgbClr val="B7B7B7"/>
                       </a:solidFill>
                       <a:prstDash val="solid"/>
                       <a:round/>
-                      <a:headEnd len="sm" w="sm" type="none"/>
-                      <a:tailEnd len="sm" w="sm" type="none"/>
+                      <a:headEnd type="none" w="sm" len="sm"/>
+                      <a:tailEnd type="none" w="sm" len="sm"/>
                     </a:lnR>
-                    <a:lnT cap="flat" cmpd="sng" w="9525">
+                    <a:lnT w="9525" cap="flat" cmpd="sng">
                       <a:solidFill>
                         <a:srgbClr val="B7B7B7"/>
                       </a:solidFill>
                       <a:prstDash val="solid"/>
                       <a:round/>
-                      <a:headEnd len="sm" w="sm" type="none"/>
-                      <a:tailEnd len="sm" w="sm" type="none"/>
+                      <a:headEnd type="none" w="sm" len="sm"/>
+                      <a:tailEnd type="none" w="sm" len="sm"/>
                     </a:lnT>
-                    <a:lnB cap="flat" cmpd="sng" w="9525">
+                    <a:lnB w="9525" cap="flat" cmpd="sng">
                       <a:solidFill>
                         <a:srgbClr val="B7B7B7"/>
                       </a:solidFill>
                       <a:prstDash val="solid"/>
                       <a:round/>
-                      <a:headEnd len="sm" w="sm" type="none"/>
-                      <a:tailEnd len="sm" w="sm" type="none"/>
+                      <a:headEnd type="none" w="sm" len="sm"/>
+                      <a:tailEnd type="none" w="sm" len="sm"/>
                     </a:lnB>
                     <a:solidFill>
                       <a:srgbClr val="D9D9D9"/>
@@ -12529,7 +12721,7 @@
                     <a:bodyPr/>
                     <a:lstStyle/>
                     <a:p>
-                      <a:pPr indent="0" lvl="0" marL="0" rtl="0" algn="ctr">
+                      <a:pPr marL="0" lvl="0" indent="0" algn="ctr" rtl="0">
                         <a:spcBef>
                           <a:spcPts val="0"/>
                         </a:spcBef>
@@ -12545,42 +12737,42 @@
                       <a:endParaRPr/>
                     </a:p>
                   </a:txBody>
-                  <a:tcPr marT="91425" marB="91425" marR="91425" marL="91425">
-                    <a:lnL cap="flat" cmpd="sng" w="9525">
+                  <a:tcPr marL="91425" marR="91425" marT="91425" marB="91425">
+                    <a:lnL w="9525" cap="flat" cmpd="sng">
                       <a:solidFill>
                         <a:srgbClr val="B7B7B7"/>
                       </a:solidFill>
                       <a:prstDash val="solid"/>
                       <a:round/>
-                      <a:headEnd len="sm" w="sm" type="none"/>
-                      <a:tailEnd len="sm" w="sm" type="none"/>
+                      <a:headEnd type="none" w="sm" len="sm"/>
+                      <a:tailEnd type="none" w="sm" len="sm"/>
                     </a:lnL>
-                    <a:lnR cap="flat" cmpd="sng" w="9525">
+                    <a:lnR w="9525" cap="flat" cmpd="sng">
                       <a:solidFill>
                         <a:srgbClr val="B7B7B7"/>
                       </a:solidFill>
                       <a:prstDash val="solid"/>
                       <a:round/>
-                      <a:headEnd len="sm" w="sm" type="none"/>
-                      <a:tailEnd len="sm" w="sm" type="none"/>
+                      <a:headEnd type="none" w="sm" len="sm"/>
+                      <a:tailEnd type="none" w="sm" len="sm"/>
                     </a:lnR>
-                    <a:lnT cap="flat" cmpd="sng" w="9525">
+                    <a:lnT w="9525" cap="flat" cmpd="sng">
                       <a:solidFill>
                         <a:srgbClr val="B7B7B7"/>
                       </a:solidFill>
                       <a:prstDash val="solid"/>
                       <a:round/>
-                      <a:headEnd len="sm" w="sm" type="none"/>
-                      <a:tailEnd len="sm" w="sm" type="none"/>
+                      <a:headEnd type="none" w="sm" len="sm"/>
+                      <a:tailEnd type="none" w="sm" len="sm"/>
                     </a:lnT>
-                    <a:lnB cap="flat" cmpd="sng" w="9525">
+                    <a:lnB w="9525" cap="flat" cmpd="sng">
                       <a:solidFill>
                         <a:srgbClr val="B7B7B7"/>
                       </a:solidFill>
                       <a:prstDash val="solid"/>
                       <a:round/>
-                      <a:headEnd len="sm" w="sm" type="none"/>
-                      <a:tailEnd len="sm" w="sm" type="none"/>
+                      <a:headEnd type="none" w="sm" len="sm"/>
+                      <a:tailEnd type="none" w="sm" len="sm"/>
                     </a:lnB>
                     <a:solidFill>
                       <a:srgbClr val="D9D9D9"/>
@@ -12592,7 +12784,7 @@
                     <a:bodyPr/>
                     <a:lstStyle/>
                     <a:p>
-                      <a:pPr indent="0" lvl="0" marL="0" rtl="0" algn="ctr">
+                      <a:pPr marL="0" lvl="0" indent="0" algn="ctr" rtl="0">
                         <a:spcBef>
                           <a:spcPts val="0"/>
                         </a:spcBef>
@@ -12608,48 +12800,53 @@
                       <a:endParaRPr/>
                     </a:p>
                   </a:txBody>
-                  <a:tcPr marT="91425" marB="91425" marR="91425" marL="91425">
-                    <a:lnL cap="flat" cmpd="sng" w="9525">
+                  <a:tcPr marL="91425" marR="91425" marT="91425" marB="91425">
+                    <a:lnL w="9525" cap="flat" cmpd="sng">
                       <a:solidFill>
                         <a:srgbClr val="B7B7B7"/>
                       </a:solidFill>
                       <a:prstDash val="solid"/>
                       <a:round/>
-                      <a:headEnd len="sm" w="sm" type="none"/>
-                      <a:tailEnd len="sm" w="sm" type="none"/>
+                      <a:headEnd type="none" w="sm" len="sm"/>
+                      <a:tailEnd type="none" w="sm" len="sm"/>
                     </a:lnL>
-                    <a:lnR cap="flat" cmpd="sng" w="9525">
+                    <a:lnR w="9525" cap="flat" cmpd="sng">
                       <a:solidFill>
                         <a:srgbClr val="B7B7B7"/>
                       </a:solidFill>
                       <a:prstDash val="solid"/>
                       <a:round/>
-                      <a:headEnd len="sm" w="sm" type="none"/>
-                      <a:tailEnd len="sm" w="sm" type="none"/>
+                      <a:headEnd type="none" w="sm" len="sm"/>
+                      <a:tailEnd type="none" w="sm" len="sm"/>
                     </a:lnR>
-                    <a:lnT cap="flat" cmpd="sng" w="9525">
+                    <a:lnT w="9525" cap="flat" cmpd="sng">
                       <a:solidFill>
                         <a:srgbClr val="B7B7B7"/>
                       </a:solidFill>
                       <a:prstDash val="solid"/>
                       <a:round/>
-                      <a:headEnd len="sm" w="sm" type="none"/>
-                      <a:tailEnd len="sm" w="sm" type="none"/>
+                      <a:headEnd type="none" w="sm" len="sm"/>
+                      <a:tailEnd type="none" w="sm" len="sm"/>
                     </a:lnT>
-                    <a:lnB cap="flat" cmpd="sng" w="9525">
+                    <a:lnB w="9525" cap="flat" cmpd="sng">
                       <a:solidFill>
                         <a:srgbClr val="B7B7B7"/>
                       </a:solidFill>
                       <a:prstDash val="solid"/>
                       <a:round/>
-                      <a:headEnd len="sm" w="sm" type="none"/>
-                      <a:tailEnd len="sm" w="sm" type="none"/>
+                      <a:headEnd type="none" w="sm" len="sm"/>
+                      <a:tailEnd type="none" w="sm" len="sm"/>
                     </a:lnB>
                     <a:solidFill>
                       <a:srgbClr val="D9D9D9"/>
                     </a:solidFill>
                   </a:tcPr>
                 </a:tc>
+                <a:extLst>
+                  <a:ext uri="{0D108BD9-81ED-4DB2-BD59-A6C34878D82A}">
+                    <a16:rowId xmlns:a16="http://schemas.microsoft.com/office/drawing/2014/main" val="10000"/>
+                  </a:ext>
+                </a:extLst>
               </a:tr>
               <a:tr h="606200">
                 <a:tc>
@@ -12657,7 +12854,7 @@
                     <a:bodyPr/>
                     <a:lstStyle/>
                     <a:p>
-                      <a:pPr indent="0" lvl="0" marL="0" rtl="0" algn="ctr">
+                      <a:pPr marL="0" lvl="0" indent="0" algn="ctr" rtl="0">
                         <a:spcBef>
                           <a:spcPts val="0"/>
                         </a:spcBef>
@@ -12673,15 +12870,15 @@
                       <a:endParaRPr/>
                     </a:p>
                   </a:txBody>
-                  <a:tcPr marT="91425" marB="91425" marR="91425" marL="91425">
-                    <a:lnT cap="flat" cmpd="sng" w="9525">
+                  <a:tcPr marL="91425" marR="91425" marT="91425" marB="91425">
+                    <a:lnT w="9525" cap="flat" cmpd="sng">
                       <a:solidFill>
                         <a:srgbClr val="B7B7B7"/>
                       </a:solidFill>
                       <a:prstDash val="solid"/>
                       <a:round/>
-                      <a:headEnd len="sm" w="sm" type="none"/>
-                      <a:tailEnd len="sm" w="sm" type="none"/>
+                      <a:headEnd type="none" w="sm" len="sm"/>
+                      <a:tailEnd type="none" w="sm" len="sm"/>
                     </a:lnT>
                     <a:solidFill>
                       <a:srgbClr val="D9D9D9"/>
@@ -12693,7 +12890,7 @@
                     <a:bodyPr/>
                     <a:lstStyle/>
                     <a:p>
-                      <a:pPr indent="0" lvl="0" marL="0" rtl="0" algn="ctr">
+                      <a:pPr marL="0" lvl="0" indent="0" algn="ctr" rtl="0">
                         <a:spcBef>
                           <a:spcPts val="0"/>
                         </a:spcBef>
@@ -12709,15 +12906,15 @@
                       <a:endParaRPr/>
                     </a:p>
                   </a:txBody>
-                  <a:tcPr marT="91425" marB="91425" marR="91425" marL="91425">
-                    <a:lnT cap="flat" cmpd="sng" w="9525">
+                  <a:tcPr marL="91425" marR="91425" marT="91425" marB="91425">
+                    <a:lnT w="9525" cap="flat" cmpd="sng">
                       <a:solidFill>
                         <a:srgbClr val="B7B7B7"/>
                       </a:solidFill>
                       <a:prstDash val="solid"/>
                       <a:round/>
-                      <a:headEnd len="sm" w="sm" type="none"/>
-                      <a:tailEnd len="sm" w="sm" type="none"/>
+                      <a:headEnd type="none" w="sm" len="sm"/>
+                      <a:tailEnd type="none" w="sm" len="sm"/>
                     </a:lnT>
                   </a:tcPr>
                 </a:tc>
@@ -12726,7 +12923,7 @@
                     <a:bodyPr/>
                     <a:lstStyle/>
                     <a:p>
-                      <a:pPr indent="0" lvl="0" marL="0" rtl="0" algn="ctr">
+                      <a:pPr marL="0" lvl="0" indent="0" algn="ctr" rtl="0">
                         <a:spcBef>
                           <a:spcPts val="0"/>
                         </a:spcBef>
@@ -12742,18 +12939,23 @@
                       <a:endParaRPr/>
                     </a:p>
                   </a:txBody>
-                  <a:tcPr marT="91425" marB="91425" marR="91425" marL="91425">
-                    <a:lnT cap="flat" cmpd="sng" w="9525">
+                  <a:tcPr marL="91425" marR="91425" marT="91425" marB="91425">
+                    <a:lnT w="9525" cap="flat" cmpd="sng">
                       <a:solidFill>
                         <a:srgbClr val="B7B7B7"/>
                       </a:solidFill>
                       <a:prstDash val="solid"/>
                       <a:round/>
-                      <a:headEnd len="sm" w="sm" type="none"/>
-                      <a:tailEnd len="sm" w="sm" type="none"/>
+                      <a:headEnd type="none" w="sm" len="sm"/>
+                      <a:tailEnd type="none" w="sm" len="sm"/>
                     </a:lnT>
                   </a:tcPr>
                 </a:tc>
+                <a:extLst>
+                  <a:ext uri="{0D108BD9-81ED-4DB2-BD59-A6C34878D82A}">
+                    <a16:rowId xmlns:a16="http://schemas.microsoft.com/office/drawing/2014/main" val="10001"/>
+                  </a:ext>
+                </a:extLst>
               </a:tr>
               <a:tr h="606200">
                 <a:tc>
@@ -12761,7 +12963,7 @@
                     <a:bodyPr/>
                     <a:lstStyle/>
                     <a:p>
-                      <a:pPr indent="0" lvl="0" marL="0" rtl="0" algn="ctr">
+                      <a:pPr marL="0" lvl="0" indent="0" algn="ctr" rtl="0">
                         <a:spcBef>
                           <a:spcPts val="0"/>
                         </a:spcBef>
@@ -12777,7 +12979,7 @@
                       <a:endParaRPr/>
                     </a:p>
                   </a:txBody>
-                  <a:tcPr marT="91425" marB="91425" marR="91425" marL="91425">
+                  <a:tcPr marL="91425" marR="91425" marT="91425" marB="91425">
                     <a:solidFill>
                       <a:srgbClr val="D9D9D9"/>
                     </a:solidFill>
@@ -12788,7 +12990,7 @@
                     <a:bodyPr/>
                     <a:lstStyle/>
                     <a:p>
-                      <a:pPr indent="0" lvl="0" marL="0" rtl="0" algn="ctr">
+                      <a:pPr marL="0" lvl="0" indent="0" algn="ctr" rtl="0">
                         <a:spcBef>
                           <a:spcPts val="0"/>
                         </a:spcBef>
@@ -12804,14 +13006,14 @@
                       <a:endParaRPr/>
                     </a:p>
                   </a:txBody>
-                  <a:tcPr marT="91425" marB="91425" marR="91425" marL="91425"/>
+                  <a:tcPr marL="91425" marR="91425" marT="91425" marB="91425"/>
                 </a:tc>
                 <a:tc>
                   <a:txBody>
                     <a:bodyPr/>
                     <a:lstStyle/>
                     <a:p>
-                      <a:pPr indent="0" lvl="0" marL="0" rtl="0" algn="ctr">
+                      <a:pPr marL="0" lvl="0" indent="0" algn="ctr" rtl="0">
                         <a:spcBef>
                           <a:spcPts val="0"/>
                         </a:spcBef>
@@ -12827,8 +13029,13 @@
                       <a:endParaRPr/>
                     </a:p>
                   </a:txBody>
-                  <a:tcPr marT="91425" marB="91425" marR="91425" marL="91425"/>
+                  <a:tcPr marL="91425" marR="91425" marT="91425" marB="91425"/>
                 </a:tc>
+                <a:extLst>
+                  <a:ext uri="{0D108BD9-81ED-4DB2-BD59-A6C34878D82A}">
+                    <a16:rowId xmlns:a16="http://schemas.microsoft.com/office/drawing/2014/main" val="10002"/>
+                  </a:ext>
+                </a:extLst>
               </a:tr>
             </a:tbl>
           </a:graphicData>
@@ -12854,12 +13061,12 @@
           </a:ln>
         </p:spPr>
         <p:txBody>
-          <a:bodyPr anchorCtr="0" anchor="t" bIns="91425" lIns="91425" spcFirstLastPara="1" rIns="91425" wrap="square" tIns="91425">
+          <a:bodyPr spcFirstLastPara="1" wrap="square" lIns="91425" tIns="91425" rIns="91425" bIns="91425" anchor="t" anchorCtr="0">
             <a:spAutoFit/>
           </a:bodyPr>
           <a:lstStyle/>
           <a:p>
-            <a:pPr indent="0" lvl="0" marL="0" rtl="0" algn="l">
+            <a:pPr marL="0" lvl="0" indent="0" algn="l" rtl="0">
               <a:spcBef>
                 <a:spcPts val="0"/>
               </a:spcBef>
@@ -12895,11 +13102,11 @@
 </file>
 
 <file path=ppt/slides/slide6.xml><?xml version="1.0" encoding="utf-8"?>
-<p:sld xmlns:a="http://schemas.openxmlformats.org/drawingml/2006/main" xmlns:r="http://schemas.openxmlformats.org/officeDocument/2006/relationships" xmlns:mc="http://schemas.openxmlformats.org/markup-compatibility/2006" xmlns:mv="urn:schemas-microsoft-com:mac:vml" xmlns:p="http://schemas.openxmlformats.org/presentationml/2006/main" xmlns:c="http://schemas.openxmlformats.org/drawingml/2006/chart" xmlns:dgm="http://schemas.openxmlformats.org/drawingml/2006/diagram" xmlns:o="urn:schemas-microsoft-com:office:office" xmlns:v="urn:schemas-microsoft-com:vml" xmlns:pvml="urn:schemas-microsoft-com:office:powerpoint" xmlns:com="http://schemas.openxmlformats.org/drawingml/2006/compatibility" xmlns:p14="http://schemas.microsoft.com/office/powerpoint/2010/main" xmlns:p15="http://schemas.microsoft.com/office/powerpoint/2012/main" xmlns:ahyp="http://schemas.microsoft.com/office/drawing/2018/hyperlinkcolor">
+<p:sld xmlns:a="http://schemas.openxmlformats.org/drawingml/2006/main" xmlns:r="http://schemas.openxmlformats.org/officeDocument/2006/relationships" xmlns:p="http://schemas.openxmlformats.org/presentationml/2006/main">
   <p:cSld>
     <p:spTree>
       <p:nvGrpSpPr>
-        <p:cNvPr id="97" name="Shape 97"/>
+        <p:cNvPr id="1" name="Shape 97"/>
         <p:cNvGrpSpPr/>
         <p:nvPr/>
       </p:nvGrpSpPr>
@@ -12914,7 +13121,9 @@
       <p:sp>
         <p:nvSpPr>
           <p:cNvPr id="98" name="Google Shape;98;p18"/>
-          <p:cNvSpPr txBox="1"/>
+          <p:cNvSpPr txBox="1">
+            <a:spLocks noGrp="1"/>
+          </p:cNvSpPr>
           <p:nvPr>
             <p:ph type="title"/>
           </p:nvPr>
@@ -12929,12 +13138,12 @@
           </a:prstGeom>
         </p:spPr>
         <p:txBody>
-          <a:bodyPr anchorCtr="0" anchor="t" bIns="91425" lIns="91425" spcFirstLastPara="1" rIns="91425" wrap="square" tIns="91425">
+          <a:bodyPr spcFirstLastPara="1" wrap="square" lIns="91425" tIns="91425" rIns="91425" bIns="91425" anchor="t" anchorCtr="0">
             <a:normAutofit/>
           </a:bodyPr>
           <a:lstStyle/>
           <a:p>
-            <a:pPr indent="0" lvl="0" marL="0" rtl="0" algn="l">
+            <a:pPr marL="0" lvl="0" indent="0" algn="l" rtl="0">
               <a:spcBef>
                 <a:spcPts val="0"/>
               </a:spcBef>
@@ -12954,9 +13163,11 @@
       <p:sp>
         <p:nvSpPr>
           <p:cNvPr id="99" name="Google Shape;99;p18"/>
-          <p:cNvSpPr txBox="1"/>
+          <p:cNvSpPr txBox="1">
+            <a:spLocks noGrp="1"/>
+          </p:cNvSpPr>
           <p:nvPr>
-            <p:ph idx="1" type="body"/>
+            <p:ph type="body" idx="1"/>
           </p:nvPr>
         </p:nvSpPr>
         <p:spPr>
@@ -12969,12 +13180,12 @@
           </a:prstGeom>
         </p:spPr>
         <p:txBody>
-          <a:bodyPr anchorCtr="0" anchor="t" bIns="91425" lIns="91425" spcFirstLastPara="1" rIns="91425" wrap="square" tIns="91425">
+          <a:bodyPr spcFirstLastPara="1" wrap="square" lIns="91425" tIns="91425" rIns="91425" bIns="91425" anchor="t" anchorCtr="0">
             <a:normAutofit/>
           </a:bodyPr>
           <a:lstStyle/>
           <a:p>
-            <a:pPr indent="0" lvl="0" marL="0" rtl="0" algn="l">
+            <a:pPr marL="0" lvl="0" indent="0" algn="l" rtl="0">
               <a:spcBef>
                 <a:spcPts val="0"/>
               </a:spcBef>
@@ -12990,7 +13201,7 @@
             <a:endParaRPr/>
           </a:p>
           <a:p>
-            <a:pPr indent="0" lvl="0" marL="0" rtl="0" algn="l">
+            <a:pPr marL="0" lvl="0" indent="0" algn="l" rtl="0">
               <a:spcBef>
                 <a:spcPts val="1200"/>
               </a:spcBef>
@@ -13006,7 +13217,7 @@
             <a:endParaRPr/>
           </a:p>
           <a:p>
-            <a:pPr indent="0" lvl="0" marL="0" rtl="0" algn="l">
+            <a:pPr marL="0" lvl="0" indent="0" algn="l" rtl="0">
               <a:spcBef>
                 <a:spcPts val="1200"/>
               </a:spcBef>
@@ -13060,11 +13271,11 @@
 </file>
 
 <file path=ppt/slides/slide7.xml><?xml version="1.0" encoding="utf-8"?>
-<p:sld xmlns:a="http://schemas.openxmlformats.org/drawingml/2006/main" xmlns:r="http://schemas.openxmlformats.org/officeDocument/2006/relationships" xmlns:mc="http://schemas.openxmlformats.org/markup-compatibility/2006" xmlns:mv="urn:schemas-microsoft-com:mac:vml" xmlns:p="http://schemas.openxmlformats.org/presentationml/2006/main" xmlns:c="http://schemas.openxmlformats.org/drawingml/2006/chart" xmlns:dgm="http://schemas.openxmlformats.org/drawingml/2006/diagram" xmlns:o="urn:schemas-microsoft-com:office:office" xmlns:v="urn:schemas-microsoft-com:vml" xmlns:pvml="urn:schemas-microsoft-com:office:powerpoint" xmlns:com="http://schemas.openxmlformats.org/drawingml/2006/compatibility" xmlns:p14="http://schemas.microsoft.com/office/powerpoint/2010/main" xmlns:p15="http://schemas.microsoft.com/office/powerpoint/2012/main" xmlns:ahyp="http://schemas.microsoft.com/office/drawing/2018/hyperlinkcolor">
+<p:sld xmlns:a="http://schemas.openxmlformats.org/drawingml/2006/main" xmlns:r="http://schemas.openxmlformats.org/officeDocument/2006/relationships" xmlns:p="http://schemas.openxmlformats.org/presentationml/2006/main">
   <p:cSld>
     <p:spTree>
       <p:nvGrpSpPr>
-        <p:cNvPr id="104" name="Shape 104"/>
+        <p:cNvPr id="1" name="Shape 104"/>
         <p:cNvGrpSpPr/>
         <p:nvPr/>
       </p:nvGrpSpPr>
@@ -13079,7 +13290,9 @@
       <p:sp>
         <p:nvSpPr>
           <p:cNvPr id="105" name="Google Shape;105;p19"/>
-          <p:cNvSpPr txBox="1"/>
+          <p:cNvSpPr txBox="1">
+            <a:spLocks noGrp="1"/>
+          </p:cNvSpPr>
           <p:nvPr>
             <p:ph type="title"/>
           </p:nvPr>
@@ -13094,12 +13307,12 @@
           </a:prstGeom>
         </p:spPr>
         <p:txBody>
-          <a:bodyPr anchorCtr="0" anchor="t" bIns="91425" lIns="91425" spcFirstLastPara="1" rIns="91425" wrap="square" tIns="91425">
+          <a:bodyPr spcFirstLastPara="1" wrap="square" lIns="91425" tIns="91425" rIns="91425" bIns="91425" anchor="t" anchorCtr="0">
             <a:normAutofit/>
           </a:bodyPr>
           <a:lstStyle/>
           <a:p>
-            <a:pPr indent="0" lvl="0" marL="0" rtl="0" algn="l">
+            <a:pPr marL="0" lvl="0" indent="0" algn="l" rtl="0">
               <a:spcBef>
                 <a:spcPts val="0"/>
               </a:spcBef>
@@ -13136,12 +13349,12 @@
           </a:ln>
         </p:spPr>
         <p:txBody>
-          <a:bodyPr anchorCtr="0" anchor="t" bIns="91425" lIns="91425" spcFirstLastPara="1" rIns="91425" wrap="square" tIns="91425">
+          <a:bodyPr spcFirstLastPara="1" wrap="square" lIns="91425" tIns="91425" rIns="91425" bIns="91425" anchor="t" anchorCtr="0">
             <a:spAutoFit/>
           </a:bodyPr>
           <a:lstStyle/>
           <a:p>
-            <a:pPr indent="-317500" lvl="0" marL="457200" rtl="0" algn="l">
+            <a:pPr marL="457200" lvl="0" indent="-317500" algn="l" rtl="0">
               <a:spcBef>
                 <a:spcPts val="0"/>
               </a:spcBef>
@@ -13179,11 +13392,11 @@
 </file>
 
 <file path=ppt/slides/slide8.xml><?xml version="1.0" encoding="utf-8"?>
-<p:sld xmlns:a="http://schemas.openxmlformats.org/drawingml/2006/main" xmlns:r="http://schemas.openxmlformats.org/officeDocument/2006/relationships" xmlns:mc="http://schemas.openxmlformats.org/markup-compatibility/2006" xmlns:mv="urn:schemas-microsoft-com:mac:vml" xmlns:p="http://schemas.openxmlformats.org/presentationml/2006/main" xmlns:c="http://schemas.openxmlformats.org/drawingml/2006/chart" xmlns:dgm="http://schemas.openxmlformats.org/drawingml/2006/diagram" xmlns:o="urn:schemas-microsoft-com:office:office" xmlns:v="urn:schemas-microsoft-com:vml" xmlns:pvml="urn:schemas-microsoft-com:office:powerpoint" xmlns:com="http://schemas.openxmlformats.org/drawingml/2006/compatibility" xmlns:p14="http://schemas.microsoft.com/office/powerpoint/2010/main" xmlns:p15="http://schemas.microsoft.com/office/powerpoint/2012/main" xmlns:ahyp="http://schemas.microsoft.com/office/drawing/2018/hyperlinkcolor">
+<p:sld xmlns:a="http://schemas.openxmlformats.org/drawingml/2006/main" xmlns:r="http://schemas.openxmlformats.org/officeDocument/2006/relationships" xmlns:p="http://schemas.openxmlformats.org/presentationml/2006/main">
   <p:cSld>
     <p:spTree>
       <p:nvGrpSpPr>
-        <p:cNvPr id="110" name="Shape 110"/>
+        <p:cNvPr id="1" name="Shape 110"/>
         <p:cNvGrpSpPr/>
         <p:nvPr/>
       </p:nvGrpSpPr>
@@ -13198,7 +13411,9 @@
       <p:sp>
         <p:nvSpPr>
           <p:cNvPr id="111" name="Google Shape;111;p20"/>
-          <p:cNvSpPr txBox="1"/>
+          <p:cNvSpPr txBox="1">
+            <a:spLocks noGrp="1"/>
+          </p:cNvSpPr>
           <p:nvPr>
             <p:ph type="title"/>
           </p:nvPr>
@@ -13213,12 +13428,12 @@
           </a:prstGeom>
         </p:spPr>
         <p:txBody>
-          <a:bodyPr anchorCtr="0" anchor="t" bIns="91425" lIns="91425" spcFirstLastPara="1" rIns="91425" wrap="square" tIns="91425">
+          <a:bodyPr spcFirstLastPara="1" wrap="square" lIns="91425" tIns="91425" rIns="91425" bIns="91425" anchor="t" anchorCtr="0">
             <a:normAutofit/>
           </a:bodyPr>
           <a:lstStyle/>
           <a:p>
-            <a:pPr indent="0" lvl="0" marL="0" rtl="0" algn="l">
+            <a:pPr marL="0" lvl="0" indent="0" algn="l" rtl="0">
               <a:spcBef>
                 <a:spcPts val="0"/>
               </a:spcBef>
@@ -13238,9 +13453,11 @@
       <p:sp>
         <p:nvSpPr>
           <p:cNvPr id="112" name="Google Shape;112;p20"/>
-          <p:cNvSpPr txBox="1"/>
+          <p:cNvSpPr txBox="1">
+            <a:spLocks noGrp="1"/>
+          </p:cNvSpPr>
           <p:nvPr>
-            <p:ph idx="1" type="body"/>
+            <p:ph type="body" idx="1"/>
           </p:nvPr>
         </p:nvSpPr>
         <p:spPr>
@@ -13253,12 +13470,12 @@
           </a:prstGeom>
         </p:spPr>
         <p:txBody>
-          <a:bodyPr anchorCtr="0" anchor="t" bIns="91425" lIns="91425" spcFirstLastPara="1" rIns="91425" wrap="square" tIns="91425">
+          <a:bodyPr spcFirstLastPara="1" wrap="square" lIns="91425" tIns="91425" rIns="91425" bIns="91425" anchor="t" anchorCtr="0">
             <a:normAutofit/>
           </a:bodyPr>
           <a:lstStyle/>
           <a:p>
-            <a:pPr indent="0" lvl="0" marL="0" rtl="0" algn="l">
+            <a:pPr marL="0" lvl="0" indent="0" algn="l" rtl="0">
               <a:lnSpc>
                 <a:spcPct val="100000"/>
               </a:lnSpc>
@@ -13277,7 +13494,7 @@
             <a:endParaRPr sz="1600"/>
           </a:p>
           <a:p>
-            <a:pPr indent="0" lvl="0" marL="0" rtl="0" algn="l">
+            <a:pPr marL="0" lvl="0" indent="0" algn="l" rtl="0">
               <a:lnSpc>
                 <a:spcPct val="100000"/>
               </a:lnSpc>
@@ -13289,13 +13506,10 @@
               </a:spcAft>
               <a:buNone/>
             </a:pPr>
-            <a:r>
-              <a:t/>
-            </a:r>
             <a:endParaRPr sz="1600"/>
           </a:p>
           <a:p>
-            <a:pPr indent="0" lvl="0" marL="0" rtl="0" algn="l">
+            <a:pPr marL="0" lvl="0" indent="0" algn="l" rtl="0">
               <a:lnSpc>
                 <a:spcPct val="100000"/>
               </a:lnSpc>
@@ -13352,11 +13566,11 @@
 </file>
 
 <file path=ppt/slides/slide9.xml><?xml version="1.0" encoding="utf-8"?>
-<p:sld xmlns:a="http://schemas.openxmlformats.org/drawingml/2006/main" xmlns:r="http://schemas.openxmlformats.org/officeDocument/2006/relationships" xmlns:mc="http://schemas.openxmlformats.org/markup-compatibility/2006" xmlns:mv="urn:schemas-microsoft-com:mac:vml" xmlns:p="http://schemas.openxmlformats.org/presentationml/2006/main" xmlns:c="http://schemas.openxmlformats.org/drawingml/2006/chart" xmlns:dgm="http://schemas.openxmlformats.org/drawingml/2006/diagram" xmlns:o="urn:schemas-microsoft-com:office:office" xmlns:v="urn:schemas-microsoft-com:vml" xmlns:pvml="urn:schemas-microsoft-com:office:powerpoint" xmlns:com="http://schemas.openxmlformats.org/drawingml/2006/compatibility" xmlns:p14="http://schemas.microsoft.com/office/powerpoint/2010/main" xmlns:p15="http://schemas.microsoft.com/office/powerpoint/2012/main" xmlns:ahyp="http://schemas.microsoft.com/office/drawing/2018/hyperlinkcolor">
+<p:sld xmlns:a="http://schemas.openxmlformats.org/drawingml/2006/main" xmlns:r="http://schemas.openxmlformats.org/officeDocument/2006/relationships" xmlns:p="http://schemas.openxmlformats.org/presentationml/2006/main">
   <p:cSld>
     <p:spTree>
       <p:nvGrpSpPr>
-        <p:cNvPr id="117" name="Shape 117"/>
+        <p:cNvPr id="1" name="Shape 117"/>
         <p:cNvGrpSpPr/>
         <p:nvPr/>
       </p:nvGrpSpPr>
@@ -13371,7 +13585,9 @@
       <p:sp>
         <p:nvSpPr>
           <p:cNvPr id="118" name="Google Shape;118;p21"/>
-          <p:cNvSpPr txBox="1"/>
+          <p:cNvSpPr txBox="1">
+            <a:spLocks noGrp="1"/>
+          </p:cNvSpPr>
           <p:nvPr>
             <p:ph type="title"/>
           </p:nvPr>
@@ -13386,12 +13602,12 @@
           </a:prstGeom>
         </p:spPr>
         <p:txBody>
-          <a:bodyPr anchorCtr="0" anchor="t" bIns="91425" lIns="91425" spcFirstLastPara="1" rIns="91425" wrap="square" tIns="91425">
+          <a:bodyPr spcFirstLastPara="1" wrap="square" lIns="91425" tIns="91425" rIns="91425" bIns="91425" anchor="t" anchorCtr="0">
             <a:normAutofit/>
           </a:bodyPr>
           <a:lstStyle/>
           <a:p>
-            <a:pPr indent="0" lvl="0" marL="0" rtl="0" algn="l">
+            <a:pPr marL="0" lvl="0" indent="0" algn="l" rtl="0">
               <a:spcBef>
                 <a:spcPts val="0"/>
               </a:spcBef>
@@ -13411,9 +13627,11 @@
       <p:sp>
         <p:nvSpPr>
           <p:cNvPr id="119" name="Google Shape;119;p21"/>
-          <p:cNvSpPr txBox="1"/>
+          <p:cNvSpPr txBox="1">
+            <a:spLocks noGrp="1"/>
+          </p:cNvSpPr>
           <p:nvPr>
-            <p:ph idx="1" type="body"/>
+            <p:ph type="body" idx="1"/>
           </p:nvPr>
         </p:nvSpPr>
         <p:spPr>
@@ -13426,12 +13644,12 @@
           </a:prstGeom>
         </p:spPr>
         <p:txBody>
-          <a:bodyPr anchorCtr="0" anchor="t" bIns="91425" lIns="91425" spcFirstLastPara="1" rIns="91425" wrap="square" tIns="91425">
+          <a:bodyPr spcFirstLastPara="1" wrap="square" lIns="91425" tIns="91425" rIns="91425" bIns="91425" anchor="t" anchorCtr="0">
             <a:normAutofit/>
           </a:bodyPr>
           <a:lstStyle/>
           <a:p>
-            <a:pPr indent="0" lvl="0" marL="0" rtl="0" algn="l">
+            <a:pPr marL="0" lvl="0" indent="0" algn="l" rtl="0">
               <a:spcBef>
                 <a:spcPts val="0"/>
               </a:spcBef>
@@ -13447,7 +13665,7 @@
             <a:endParaRPr/>
           </a:p>
           <a:p>
-            <a:pPr indent="0" lvl="0" marL="0" rtl="0" algn="l">
+            <a:pPr marL="0" lvl="0" indent="0" algn="l" rtl="0">
               <a:spcBef>
                 <a:spcPts val="1200"/>
               </a:spcBef>
@@ -13463,7 +13681,7 @@
             <a:endParaRPr/>
           </a:p>
           <a:p>
-            <a:pPr indent="0" lvl="0" marL="0" rtl="0" algn="l">
+            <a:pPr marL="0" lvl="0" indent="0" algn="l" rtl="0">
               <a:spcBef>
                 <a:spcPts val="1200"/>
               </a:spcBef>
@@ -13528,12 +13746,12 @@
           </a:ln>
         </p:spPr>
         <p:txBody>
-          <a:bodyPr anchorCtr="0" anchor="t" bIns="91425" lIns="91425" spcFirstLastPara="1" rIns="91425" wrap="square" tIns="91425">
+          <a:bodyPr spcFirstLastPara="1" wrap="square" lIns="91425" tIns="91425" rIns="91425" bIns="91425" anchor="t" anchorCtr="0">
             <a:spAutoFit/>
           </a:bodyPr>
           <a:lstStyle/>
           <a:p>
-            <a:pPr indent="0" lvl="0" marL="0" rtl="0" algn="l">
+            <a:pPr marL="0" lvl="0" indent="0" algn="l" rtl="0">
               <a:spcBef>
                 <a:spcPts val="0"/>
               </a:spcBef>
@@ -13559,18 +13777,15 @@
             </a:endParaRPr>
           </a:p>
           <a:p>
-            <a:pPr indent="0" lvl="0" marL="0" rtl="0" algn="l">
-              <a:spcBef>
-                <a:spcPts val="0"/>
-              </a:spcBef>
-              <a:spcAft>
-                <a:spcPts val="0"/>
-              </a:spcAft>
-              <a:buNone/>
-            </a:pPr>
-            <a:r>
-              <a:t/>
-            </a:r>
+            <a:pPr marL="0" lvl="0" indent="0" algn="l" rtl="0">
+              <a:spcBef>
+                <a:spcPts val="0"/>
+              </a:spcBef>
+              <a:spcAft>
+                <a:spcPts val="0"/>
+              </a:spcAft>
+              <a:buNone/>
+            </a:pPr>
             <a:endParaRPr>
               <a:latin typeface="Roboto"/>
               <a:ea typeface="Roboto"/>
@@ -13579,7 +13794,7 @@
             </a:endParaRPr>
           </a:p>
           <a:p>
-            <a:pPr indent="0" lvl="0" marL="0" rtl="0" algn="l">
+            <a:pPr marL="0" lvl="0" indent="0" algn="l" rtl="0">
               <a:lnSpc>
                 <a:spcPct val="150000"/>
               </a:lnSpc>
@@ -13618,7 +13833,7 @@
 </file>
 
 <file path=ppt/theme/theme1.xml><?xml version="1.0" encoding="utf-8"?>
-<a:theme xmlns:a="http://schemas.openxmlformats.org/drawingml/2006/main" xmlns:r="http://schemas.openxmlformats.org/officeDocument/2006/relationships" name="Paradigm">
+<a:theme xmlns:a="http://schemas.openxmlformats.org/drawingml/2006/main" name="Paradigm">
   <a:themeElements>
     <a:clrScheme name="Paradigm">
       <a:dk1>
@@ -13893,11 +14108,13 @@
       </a:bgFillStyleLst>
     </a:fmtScheme>
   </a:themeElements>
+  <a:objectDefaults/>
+  <a:extraClrSchemeLst/>
 </a:theme>
 </file>
 
 <file path=ppt/theme/theme2.xml><?xml version="1.0" encoding="utf-8"?>
-<a:theme xmlns:a="http://schemas.openxmlformats.org/drawingml/2006/main" xmlns:r="http://schemas.openxmlformats.org/officeDocument/2006/relationships">
+<a:theme xmlns:a="http://schemas.openxmlformats.org/drawingml/2006/main">
   <a:themeElements>
     <a:clrScheme name="Default">
       <a:dk1>
@@ -14172,5 +14389,7 @@
       </a:bgFillStyleLst>
     </a:fmtScheme>
   </a:themeElements>
+  <a:objectDefaults/>
+  <a:extraClrSchemeLst/>
 </a:theme>
 </file>